--- a/Lectures/Week_3/Model Fitting.pptx
+++ b/Lectures/Week_3/Model Fitting.pptx
@@ -8,7 +8,7 @@
     <p:notesMasterId r:id="rId44"/>
   </p:notesMasterIdLst>
   <p:sldIdLst>
-    <p:sldId id="256" r:id="rId2"/>
+    <p:sldId id="347" r:id="rId2"/>
     <p:sldId id="257" r:id="rId3"/>
     <p:sldId id="258" r:id="rId4"/>
     <p:sldId id="260" r:id="rId5"/>
@@ -148,6 +148,11 @@
       </a:defRPr>
     </a:lvl9pPr>
   </p:defaultTextStyle>
+  <p:extLst>
+    <p:ext uri="{EFAFB233-063F-42B5-8137-9DF3F51BA10A}">
+      <p15:sldGuideLst xmlns:p15="http://schemas.microsoft.com/office/powerpoint/2012/main"/>
+    </p:ext>
+  </p:extLst>
 </p:presentation>
 </file>
 
@@ -233,7 +238,7 @@
           <a:p>
             <a:fld id="{3B78A5A0-A8ED-4579-9400-99A3DE81E32D}" type="datetimeFigureOut">
               <a:rPr lang="en-US" smtClean="0"/>
-              <a:t>10/18/2018</a:t>
+              <a:t>10/8/19</a:t>
             </a:fld>
             <a:endParaRPr lang="en-US"/>
           </a:p>
@@ -297,38 +302,37 @@
           <a:p>
             <a:pPr lvl="0"/>
             <a:r>
-              <a:rPr lang="en-US" smtClean="0"/>
+              <a:rPr lang="en-US"/>
               <a:t>Edit Master text styles</a:t>
             </a:r>
           </a:p>
           <a:p>
             <a:pPr lvl="1"/>
             <a:r>
-              <a:rPr lang="en-US" smtClean="0"/>
+              <a:rPr lang="en-US"/>
               <a:t>Second level</a:t>
             </a:r>
           </a:p>
           <a:p>
             <a:pPr lvl="2"/>
             <a:r>
-              <a:rPr lang="en-US" smtClean="0"/>
+              <a:rPr lang="en-US"/>
               <a:t>Third level</a:t>
             </a:r>
           </a:p>
           <a:p>
             <a:pPr lvl="3"/>
             <a:r>
-              <a:rPr lang="en-US" smtClean="0"/>
+              <a:rPr lang="en-US"/>
               <a:t>Fourth level</a:t>
             </a:r>
           </a:p>
           <a:p>
             <a:pPr lvl="4"/>
             <a:r>
-              <a:rPr lang="en-US" smtClean="0"/>
+              <a:rPr lang="en-US"/>
               <a:t>Fifth level</a:t>
             </a:r>
-            <a:endParaRPr lang="en-US"/>
           </a:p>
         </p:txBody>
       </p:sp>
@@ -501,6 +505,96 @@
 </p:notesMaster>
 </file>
 
+<file path=ppt/notesSlides/notesSlide1.xml><?xml version="1.0" encoding="utf-8"?>
+<p:notes xmlns:a="http://schemas.openxmlformats.org/drawingml/2006/main" xmlns:r="http://schemas.openxmlformats.org/officeDocument/2006/relationships" xmlns:p="http://schemas.openxmlformats.org/presentationml/2006/main">
+  <p:cSld>
+    <p:spTree>
+      <p:nvGrpSpPr>
+        <p:cNvPr id="1" name=""/>
+        <p:cNvGrpSpPr/>
+        <p:nvPr/>
+      </p:nvGrpSpPr>
+      <p:grpSpPr>
+        <a:xfrm>
+          <a:off x="0" y="0"/>
+          <a:ext cx="0" cy="0"/>
+          <a:chOff x="0" y="0"/>
+          <a:chExt cx="0" cy="0"/>
+        </a:xfrm>
+      </p:grpSpPr>
+      <p:sp>
+        <p:nvSpPr>
+          <p:cNvPr id="2" name="Slide Image Placeholder 1"/>
+          <p:cNvSpPr>
+            <a:spLocks noGrp="1" noRot="1" noChangeAspect="1"/>
+          </p:cNvSpPr>
+          <p:nvPr>
+            <p:ph type="sldImg"/>
+          </p:nvPr>
+        </p:nvSpPr>
+        <p:spPr/>
+      </p:sp>
+      <p:sp>
+        <p:nvSpPr>
+          <p:cNvPr id="3" name="Notes Placeholder 2"/>
+          <p:cNvSpPr>
+            <a:spLocks noGrp="1"/>
+          </p:cNvSpPr>
+          <p:nvPr>
+            <p:ph type="body" idx="1"/>
+          </p:nvPr>
+        </p:nvSpPr>
+        <p:spPr/>
+        <p:txBody>
+          <a:bodyPr/>
+          <a:lstStyle/>
+          <a:p>
+            <a:endParaRPr lang="en-US" dirty="0"/>
+          </a:p>
+        </p:txBody>
+      </p:sp>
+      <p:sp>
+        <p:nvSpPr>
+          <p:cNvPr id="4" name="Slide Number Placeholder 3"/>
+          <p:cNvSpPr>
+            <a:spLocks noGrp="1"/>
+          </p:cNvSpPr>
+          <p:nvPr>
+            <p:ph type="sldNum" sz="quarter" idx="10"/>
+          </p:nvPr>
+        </p:nvSpPr>
+        <p:spPr/>
+        <p:txBody>
+          <a:bodyPr/>
+          <a:lstStyle/>
+          <a:p>
+            <a:pPr>
+              <a:defRPr/>
+            </a:pPr>
+            <a:fld id="{1E3608CA-DBCA-4E8F-8DAB-6E1AFAF19782}" type="slidenum">
+              <a:rPr lang="en-US" altLang="x-none" smtClean="0"/>
+              <a:pPr>
+                <a:defRPr/>
+              </a:pPr>
+              <a:t>1</a:t>
+            </a:fld>
+            <a:endParaRPr lang="en-US" altLang="x-none"/>
+          </a:p>
+        </p:txBody>
+      </p:sp>
+    </p:spTree>
+    <p:extLst>
+      <p:ext uri="{BB962C8B-B14F-4D97-AF65-F5344CB8AC3E}">
+        <p14:creationId xmlns:p14="http://schemas.microsoft.com/office/powerpoint/2010/main" val="3632083010"/>
+      </p:ext>
+    </p:extLst>
+  </p:cSld>
+  <p:clrMapOvr>
+    <a:masterClrMapping/>
+  </p:clrMapOvr>
+</p:notes>
+</file>
+
 <file path=ppt/slideLayouts/slideLayout1.xml><?xml version="1.0" encoding="utf-8"?>
 <p:sldLayout xmlns:a="http://schemas.openxmlformats.org/drawingml/2006/main" xmlns:r="http://schemas.openxmlformats.org/officeDocument/2006/relationships" xmlns:p="http://schemas.openxmlformats.org/presentationml/2006/main" type="title" preserve="1">
   <p:cSld name="Title Slide">
@@ -543,10 +637,9 @@
           </a:lstStyle>
           <a:p>
             <a:r>
-              <a:rPr lang="en-US" smtClean="0"/>
+              <a:rPr lang="en-US"/>
               <a:t>Click to edit Master title style</a:t>
             </a:r>
-            <a:endParaRPr lang="en-US"/>
           </a:p>
         </p:txBody>
       </p:sp>
@@ -608,10 +701,9 @@
           </a:lstStyle>
           <a:p>
             <a:r>
-              <a:rPr lang="en-US" smtClean="0"/>
+              <a:rPr lang="en-US"/>
               <a:t>Click to edit Master subtitle style</a:t>
             </a:r>
-            <a:endParaRPr lang="en-US"/>
           </a:p>
         </p:txBody>
       </p:sp>
@@ -632,7 +724,7 @@
           <a:p>
             <a:fld id="{552E01A6-61B2-4D55-8F64-37423297A5FC}" type="datetimeFigureOut">
               <a:rPr lang="en-US" smtClean="0"/>
-              <a:t>10/18/2018</a:t>
+              <a:t>10/8/19</a:t>
             </a:fld>
             <a:endParaRPr lang="en-US"/>
           </a:p>
@@ -726,10 +818,9 @@
           <a:lstStyle/>
           <a:p>
             <a:r>
-              <a:rPr lang="en-US" smtClean="0"/>
+              <a:rPr lang="en-US"/>
               <a:t>Click to edit Master title style</a:t>
             </a:r>
-            <a:endParaRPr lang="en-US"/>
           </a:p>
         </p:txBody>
       </p:sp>
@@ -750,38 +841,37 @@
           <a:p>
             <a:pPr lvl="0"/>
             <a:r>
-              <a:rPr lang="en-US" smtClean="0"/>
+              <a:rPr lang="en-US"/>
               <a:t>Edit Master text styles</a:t>
             </a:r>
           </a:p>
           <a:p>
             <a:pPr lvl="1"/>
             <a:r>
-              <a:rPr lang="en-US" smtClean="0"/>
+              <a:rPr lang="en-US"/>
               <a:t>Second level</a:t>
             </a:r>
           </a:p>
           <a:p>
             <a:pPr lvl="2"/>
             <a:r>
-              <a:rPr lang="en-US" smtClean="0"/>
+              <a:rPr lang="en-US"/>
               <a:t>Third level</a:t>
             </a:r>
           </a:p>
           <a:p>
             <a:pPr lvl="3"/>
             <a:r>
-              <a:rPr lang="en-US" smtClean="0"/>
+              <a:rPr lang="en-US"/>
               <a:t>Fourth level</a:t>
             </a:r>
           </a:p>
           <a:p>
             <a:pPr lvl="4"/>
             <a:r>
-              <a:rPr lang="en-US" smtClean="0"/>
+              <a:rPr lang="en-US"/>
               <a:t>Fifth level</a:t>
             </a:r>
-            <a:endParaRPr lang="en-US"/>
           </a:p>
         </p:txBody>
       </p:sp>
@@ -802,7 +892,7 @@
           <a:p>
             <a:fld id="{552E01A6-61B2-4D55-8F64-37423297A5FC}" type="datetimeFigureOut">
               <a:rPr lang="en-US" smtClean="0"/>
-              <a:t>10/18/2018</a:t>
+              <a:t>10/8/19</a:t>
             </a:fld>
             <a:endParaRPr lang="en-US"/>
           </a:p>
@@ -901,10 +991,9 @@
           <a:lstStyle/>
           <a:p>
             <a:r>
-              <a:rPr lang="en-US" smtClean="0"/>
+              <a:rPr lang="en-US"/>
               <a:t>Click to edit Master title style</a:t>
             </a:r>
-            <a:endParaRPr lang="en-US"/>
           </a:p>
         </p:txBody>
       </p:sp>
@@ -930,38 +1019,37 @@
           <a:p>
             <a:pPr lvl="0"/>
             <a:r>
-              <a:rPr lang="en-US" smtClean="0"/>
+              <a:rPr lang="en-US"/>
               <a:t>Edit Master text styles</a:t>
             </a:r>
           </a:p>
           <a:p>
             <a:pPr lvl="1"/>
             <a:r>
-              <a:rPr lang="en-US" smtClean="0"/>
+              <a:rPr lang="en-US"/>
               <a:t>Second level</a:t>
             </a:r>
           </a:p>
           <a:p>
             <a:pPr lvl="2"/>
             <a:r>
-              <a:rPr lang="en-US" smtClean="0"/>
+              <a:rPr lang="en-US"/>
               <a:t>Third level</a:t>
             </a:r>
           </a:p>
           <a:p>
             <a:pPr lvl="3"/>
             <a:r>
-              <a:rPr lang="en-US" smtClean="0"/>
+              <a:rPr lang="en-US"/>
               <a:t>Fourth level</a:t>
             </a:r>
           </a:p>
           <a:p>
             <a:pPr lvl="4"/>
             <a:r>
-              <a:rPr lang="en-US" smtClean="0"/>
+              <a:rPr lang="en-US"/>
               <a:t>Fifth level</a:t>
             </a:r>
-            <a:endParaRPr lang="en-US"/>
           </a:p>
         </p:txBody>
       </p:sp>
@@ -982,7 +1070,7 @@
           <a:p>
             <a:fld id="{552E01A6-61B2-4D55-8F64-37423297A5FC}" type="datetimeFigureOut">
               <a:rPr lang="en-US" smtClean="0"/>
-              <a:t>10/18/2018</a:t>
+              <a:t>10/8/19</a:t>
             </a:fld>
             <a:endParaRPr lang="en-US"/>
           </a:p>
@@ -1076,10 +1164,9 @@
           <a:lstStyle/>
           <a:p>
             <a:r>
-              <a:rPr lang="en-US" smtClean="0"/>
+              <a:rPr lang="en-US"/>
               <a:t>Click to edit Master title style</a:t>
             </a:r>
-            <a:endParaRPr lang="en-US"/>
           </a:p>
         </p:txBody>
       </p:sp>
@@ -1100,38 +1187,37 @@
           <a:p>
             <a:pPr lvl="0"/>
             <a:r>
-              <a:rPr lang="en-US" smtClean="0"/>
+              <a:rPr lang="en-US"/>
               <a:t>Edit Master text styles</a:t>
             </a:r>
           </a:p>
           <a:p>
             <a:pPr lvl="1"/>
             <a:r>
-              <a:rPr lang="en-US" smtClean="0"/>
+              <a:rPr lang="en-US"/>
               <a:t>Second level</a:t>
             </a:r>
           </a:p>
           <a:p>
             <a:pPr lvl="2"/>
             <a:r>
-              <a:rPr lang="en-US" smtClean="0"/>
+              <a:rPr lang="en-US"/>
               <a:t>Third level</a:t>
             </a:r>
           </a:p>
           <a:p>
             <a:pPr lvl="3"/>
             <a:r>
-              <a:rPr lang="en-US" smtClean="0"/>
+              <a:rPr lang="en-US"/>
               <a:t>Fourth level</a:t>
             </a:r>
           </a:p>
           <a:p>
             <a:pPr lvl="4"/>
             <a:r>
-              <a:rPr lang="en-US" smtClean="0"/>
+              <a:rPr lang="en-US"/>
               <a:t>Fifth level</a:t>
             </a:r>
-            <a:endParaRPr lang="en-US"/>
           </a:p>
         </p:txBody>
       </p:sp>
@@ -1152,7 +1238,7 @@
           <a:p>
             <a:fld id="{552E01A6-61B2-4D55-8F64-37423297A5FC}" type="datetimeFigureOut">
               <a:rPr lang="en-US" smtClean="0"/>
-              <a:t>10/18/2018</a:t>
+              <a:t>10/8/19</a:t>
             </a:fld>
             <a:endParaRPr lang="en-US"/>
           </a:p>
@@ -1255,10 +1341,9 @@
           </a:lstStyle>
           <a:p>
             <a:r>
-              <a:rPr lang="en-US" smtClean="0"/>
+              <a:rPr lang="en-US"/>
               <a:t>Click to edit Master title style</a:t>
             </a:r>
-            <a:endParaRPr lang="en-US"/>
           </a:p>
         </p:txBody>
       </p:sp>
@@ -1375,7 +1460,7 @@
           <a:p>
             <a:pPr lvl="0"/>
             <a:r>
-              <a:rPr lang="en-US" smtClean="0"/>
+              <a:rPr lang="en-US"/>
               <a:t>Edit Master text styles</a:t>
             </a:r>
           </a:p>
@@ -1398,7 +1483,7 @@
           <a:p>
             <a:fld id="{552E01A6-61B2-4D55-8F64-37423297A5FC}" type="datetimeFigureOut">
               <a:rPr lang="en-US" smtClean="0"/>
-              <a:t>10/18/2018</a:t>
+              <a:t>10/8/19</a:t>
             </a:fld>
             <a:endParaRPr lang="en-US"/>
           </a:p>
@@ -1492,10 +1577,9 @@
           <a:lstStyle/>
           <a:p>
             <a:r>
-              <a:rPr lang="en-US" smtClean="0"/>
+              <a:rPr lang="en-US"/>
               <a:t>Click to edit Master title style</a:t>
             </a:r>
-            <a:endParaRPr lang="en-US"/>
           </a:p>
         </p:txBody>
       </p:sp>
@@ -1521,38 +1605,37 @@
           <a:p>
             <a:pPr lvl="0"/>
             <a:r>
-              <a:rPr lang="en-US" smtClean="0"/>
+              <a:rPr lang="en-US"/>
               <a:t>Edit Master text styles</a:t>
             </a:r>
           </a:p>
           <a:p>
             <a:pPr lvl="1"/>
             <a:r>
-              <a:rPr lang="en-US" smtClean="0"/>
+              <a:rPr lang="en-US"/>
               <a:t>Second level</a:t>
             </a:r>
           </a:p>
           <a:p>
             <a:pPr lvl="2"/>
             <a:r>
-              <a:rPr lang="en-US" smtClean="0"/>
+              <a:rPr lang="en-US"/>
               <a:t>Third level</a:t>
             </a:r>
           </a:p>
           <a:p>
             <a:pPr lvl="3"/>
             <a:r>
-              <a:rPr lang="en-US" smtClean="0"/>
+              <a:rPr lang="en-US"/>
               <a:t>Fourth level</a:t>
             </a:r>
           </a:p>
           <a:p>
             <a:pPr lvl="4"/>
             <a:r>
-              <a:rPr lang="en-US" smtClean="0"/>
+              <a:rPr lang="en-US"/>
               <a:t>Fifth level</a:t>
             </a:r>
-            <a:endParaRPr lang="en-US"/>
           </a:p>
         </p:txBody>
       </p:sp>
@@ -1578,38 +1661,37 @@
           <a:p>
             <a:pPr lvl="0"/>
             <a:r>
-              <a:rPr lang="en-US" smtClean="0"/>
+              <a:rPr lang="en-US"/>
               <a:t>Edit Master text styles</a:t>
             </a:r>
           </a:p>
           <a:p>
             <a:pPr lvl="1"/>
             <a:r>
-              <a:rPr lang="en-US" smtClean="0"/>
+              <a:rPr lang="en-US"/>
               <a:t>Second level</a:t>
             </a:r>
           </a:p>
           <a:p>
             <a:pPr lvl="2"/>
             <a:r>
-              <a:rPr lang="en-US" smtClean="0"/>
+              <a:rPr lang="en-US"/>
               <a:t>Third level</a:t>
             </a:r>
           </a:p>
           <a:p>
             <a:pPr lvl="3"/>
             <a:r>
-              <a:rPr lang="en-US" smtClean="0"/>
+              <a:rPr lang="en-US"/>
               <a:t>Fourth level</a:t>
             </a:r>
           </a:p>
           <a:p>
             <a:pPr lvl="4"/>
             <a:r>
-              <a:rPr lang="en-US" smtClean="0"/>
+              <a:rPr lang="en-US"/>
               <a:t>Fifth level</a:t>
             </a:r>
-            <a:endParaRPr lang="en-US"/>
           </a:p>
         </p:txBody>
       </p:sp>
@@ -1630,7 +1712,7 @@
           <a:p>
             <a:fld id="{552E01A6-61B2-4D55-8F64-37423297A5FC}" type="datetimeFigureOut">
               <a:rPr lang="en-US" smtClean="0"/>
-              <a:t>10/18/2018</a:t>
+              <a:t>10/8/19</a:t>
             </a:fld>
             <a:endParaRPr lang="en-US"/>
           </a:p>
@@ -1729,10 +1811,9 @@
           <a:lstStyle/>
           <a:p>
             <a:r>
-              <a:rPr lang="en-US" smtClean="0"/>
+              <a:rPr lang="en-US"/>
               <a:t>Click to edit Master title style</a:t>
             </a:r>
-            <a:endParaRPr lang="en-US"/>
           </a:p>
         </p:txBody>
       </p:sp>
@@ -1795,7 +1876,7 @@
           <a:p>
             <a:pPr lvl="0"/>
             <a:r>
-              <a:rPr lang="en-US" smtClean="0"/>
+              <a:rPr lang="en-US"/>
               <a:t>Edit Master text styles</a:t>
             </a:r>
           </a:p>
@@ -1823,38 +1904,37 @@
           <a:p>
             <a:pPr lvl="0"/>
             <a:r>
-              <a:rPr lang="en-US" smtClean="0"/>
+              <a:rPr lang="en-US"/>
               <a:t>Edit Master text styles</a:t>
             </a:r>
           </a:p>
           <a:p>
             <a:pPr lvl="1"/>
             <a:r>
-              <a:rPr lang="en-US" smtClean="0"/>
+              <a:rPr lang="en-US"/>
               <a:t>Second level</a:t>
             </a:r>
           </a:p>
           <a:p>
             <a:pPr lvl="2"/>
             <a:r>
-              <a:rPr lang="en-US" smtClean="0"/>
+              <a:rPr lang="en-US"/>
               <a:t>Third level</a:t>
             </a:r>
           </a:p>
           <a:p>
             <a:pPr lvl="3"/>
             <a:r>
-              <a:rPr lang="en-US" smtClean="0"/>
+              <a:rPr lang="en-US"/>
               <a:t>Fourth level</a:t>
             </a:r>
           </a:p>
           <a:p>
             <a:pPr lvl="4"/>
             <a:r>
-              <a:rPr lang="en-US" smtClean="0"/>
+              <a:rPr lang="en-US"/>
               <a:t>Fifth level</a:t>
             </a:r>
-            <a:endParaRPr lang="en-US"/>
           </a:p>
         </p:txBody>
       </p:sp>
@@ -1917,7 +1997,7 @@
           <a:p>
             <a:pPr lvl="0"/>
             <a:r>
-              <a:rPr lang="en-US" smtClean="0"/>
+              <a:rPr lang="en-US"/>
               <a:t>Edit Master text styles</a:t>
             </a:r>
           </a:p>
@@ -1945,38 +2025,37 @@
           <a:p>
             <a:pPr lvl="0"/>
             <a:r>
-              <a:rPr lang="en-US" smtClean="0"/>
+              <a:rPr lang="en-US"/>
               <a:t>Edit Master text styles</a:t>
             </a:r>
           </a:p>
           <a:p>
             <a:pPr lvl="1"/>
             <a:r>
-              <a:rPr lang="en-US" smtClean="0"/>
+              <a:rPr lang="en-US"/>
               <a:t>Second level</a:t>
             </a:r>
           </a:p>
           <a:p>
             <a:pPr lvl="2"/>
             <a:r>
-              <a:rPr lang="en-US" smtClean="0"/>
+              <a:rPr lang="en-US"/>
               <a:t>Third level</a:t>
             </a:r>
           </a:p>
           <a:p>
             <a:pPr lvl="3"/>
             <a:r>
-              <a:rPr lang="en-US" smtClean="0"/>
+              <a:rPr lang="en-US"/>
               <a:t>Fourth level</a:t>
             </a:r>
           </a:p>
           <a:p>
             <a:pPr lvl="4"/>
             <a:r>
-              <a:rPr lang="en-US" smtClean="0"/>
+              <a:rPr lang="en-US"/>
               <a:t>Fifth level</a:t>
             </a:r>
-            <a:endParaRPr lang="en-US"/>
           </a:p>
         </p:txBody>
       </p:sp>
@@ -1997,7 +2076,7 @@
           <a:p>
             <a:fld id="{552E01A6-61B2-4D55-8F64-37423297A5FC}" type="datetimeFigureOut">
               <a:rPr lang="en-US" smtClean="0"/>
-              <a:t>10/18/2018</a:t>
+              <a:t>10/8/19</a:t>
             </a:fld>
             <a:endParaRPr lang="en-US"/>
           </a:p>
@@ -2091,10 +2170,9 @@
           <a:lstStyle/>
           <a:p>
             <a:r>
-              <a:rPr lang="en-US" smtClean="0"/>
+              <a:rPr lang="en-US"/>
               <a:t>Click to edit Master title style</a:t>
             </a:r>
-            <a:endParaRPr lang="en-US"/>
           </a:p>
         </p:txBody>
       </p:sp>
@@ -2115,7 +2193,7 @@
           <a:p>
             <a:fld id="{552E01A6-61B2-4D55-8F64-37423297A5FC}" type="datetimeFigureOut">
               <a:rPr lang="en-US" smtClean="0"/>
-              <a:t>10/18/2018</a:t>
+              <a:t>10/8/19</a:t>
             </a:fld>
             <a:endParaRPr lang="en-US"/>
           </a:p>
@@ -2210,7 +2288,7 @@
           <a:p>
             <a:fld id="{552E01A6-61B2-4D55-8F64-37423297A5FC}" type="datetimeFigureOut">
               <a:rPr lang="en-US" smtClean="0"/>
-              <a:t>10/18/2018</a:t>
+              <a:t>10/8/19</a:t>
             </a:fld>
             <a:endParaRPr lang="en-US"/>
           </a:p>
@@ -2313,10 +2391,9 @@
           </a:lstStyle>
           <a:p>
             <a:r>
-              <a:rPr lang="en-US" smtClean="0"/>
+              <a:rPr lang="en-US"/>
               <a:t>Click to edit Master title style</a:t>
             </a:r>
-            <a:endParaRPr lang="en-US"/>
           </a:p>
         </p:txBody>
       </p:sp>
@@ -2370,38 +2447,37 @@
           <a:p>
             <a:pPr lvl="0"/>
             <a:r>
-              <a:rPr lang="en-US" smtClean="0"/>
+              <a:rPr lang="en-US"/>
               <a:t>Edit Master text styles</a:t>
             </a:r>
           </a:p>
           <a:p>
             <a:pPr lvl="1"/>
             <a:r>
-              <a:rPr lang="en-US" smtClean="0"/>
+              <a:rPr lang="en-US"/>
               <a:t>Second level</a:t>
             </a:r>
           </a:p>
           <a:p>
             <a:pPr lvl="2"/>
             <a:r>
-              <a:rPr lang="en-US" smtClean="0"/>
+              <a:rPr lang="en-US"/>
               <a:t>Third level</a:t>
             </a:r>
           </a:p>
           <a:p>
             <a:pPr lvl="3"/>
             <a:r>
-              <a:rPr lang="en-US" smtClean="0"/>
+              <a:rPr lang="en-US"/>
               <a:t>Fourth level</a:t>
             </a:r>
           </a:p>
           <a:p>
             <a:pPr lvl="4"/>
             <a:r>
-              <a:rPr lang="en-US" smtClean="0"/>
+              <a:rPr lang="en-US"/>
               <a:t>Fifth level</a:t>
             </a:r>
-            <a:endParaRPr lang="en-US"/>
           </a:p>
         </p:txBody>
       </p:sp>
@@ -2464,7 +2540,7 @@
           <a:p>
             <a:pPr lvl="0"/>
             <a:r>
-              <a:rPr lang="en-US" smtClean="0"/>
+              <a:rPr lang="en-US"/>
               <a:t>Edit Master text styles</a:t>
             </a:r>
           </a:p>
@@ -2487,7 +2563,7 @@
           <a:p>
             <a:fld id="{552E01A6-61B2-4D55-8F64-37423297A5FC}" type="datetimeFigureOut">
               <a:rPr lang="en-US" smtClean="0"/>
-              <a:t>10/18/2018</a:t>
+              <a:t>10/8/19</a:t>
             </a:fld>
             <a:endParaRPr lang="en-US"/>
           </a:p>
@@ -2590,10 +2666,9 @@
           </a:lstStyle>
           <a:p>
             <a:r>
-              <a:rPr lang="en-US" smtClean="0"/>
+              <a:rPr lang="en-US"/>
               <a:t>Click to edit Master title style</a:t>
             </a:r>
-            <a:endParaRPr lang="en-US"/>
           </a:p>
         </p:txBody>
       </p:sp>
@@ -2717,7 +2792,7 @@
           <a:p>
             <a:pPr lvl="0"/>
             <a:r>
-              <a:rPr lang="en-US" smtClean="0"/>
+              <a:rPr lang="en-US"/>
               <a:t>Edit Master text styles</a:t>
             </a:r>
           </a:p>
@@ -2740,7 +2815,7 @@
           <a:p>
             <a:fld id="{552E01A6-61B2-4D55-8F64-37423297A5FC}" type="datetimeFigureOut">
               <a:rPr lang="en-US" smtClean="0"/>
-              <a:t>10/18/2018</a:t>
+              <a:t>10/8/19</a:t>
             </a:fld>
             <a:endParaRPr lang="en-US"/>
           </a:p>
@@ -2849,10 +2924,9 @@
           <a:lstStyle/>
           <a:p>
             <a:r>
-              <a:rPr lang="en-US" smtClean="0"/>
+              <a:rPr lang="en-US"/>
               <a:t>Click to edit Master title style</a:t>
             </a:r>
-            <a:endParaRPr lang="en-US"/>
           </a:p>
         </p:txBody>
       </p:sp>
@@ -2883,38 +2957,37 @@
           <a:p>
             <a:pPr lvl="0"/>
             <a:r>
-              <a:rPr lang="en-US" smtClean="0"/>
+              <a:rPr lang="en-US"/>
               <a:t>Edit Master text styles</a:t>
             </a:r>
           </a:p>
           <a:p>
             <a:pPr lvl="1"/>
             <a:r>
-              <a:rPr lang="en-US" smtClean="0"/>
+              <a:rPr lang="en-US"/>
               <a:t>Second level</a:t>
             </a:r>
           </a:p>
           <a:p>
             <a:pPr lvl="2"/>
             <a:r>
-              <a:rPr lang="en-US" smtClean="0"/>
+              <a:rPr lang="en-US"/>
               <a:t>Third level</a:t>
             </a:r>
           </a:p>
           <a:p>
             <a:pPr lvl="3"/>
             <a:r>
-              <a:rPr lang="en-US" smtClean="0"/>
+              <a:rPr lang="en-US"/>
               <a:t>Fourth level</a:t>
             </a:r>
           </a:p>
           <a:p>
             <a:pPr lvl="4"/>
             <a:r>
-              <a:rPr lang="en-US" smtClean="0"/>
+              <a:rPr lang="en-US"/>
               <a:t>Fifth level</a:t>
             </a:r>
-            <a:endParaRPr lang="en-US"/>
           </a:p>
         </p:txBody>
       </p:sp>
@@ -2953,7 +3026,7 @@
           <a:p>
             <a:fld id="{552E01A6-61B2-4D55-8F64-37423297A5FC}" type="datetimeFigureOut">
               <a:rPr lang="en-US" smtClean="0"/>
-              <a:t>10/18/2018</a:t>
+              <a:t>10/8/19</a:t>
             </a:fld>
             <a:endParaRPr lang="en-US"/>
           </a:p>
@@ -3360,7 +3433,7 @@
       </p:grpSpPr>
       <p:sp>
         <p:nvSpPr>
-          <p:cNvPr id="2" name="Title 1"/>
+          <p:cNvPr id="15361" name="Title 1"/>
           <p:cNvSpPr>
             <a:spLocks noGrp="1"/>
           </p:cNvSpPr>
@@ -3368,22 +3441,105 @@
             <p:ph type="ctrTitle"/>
           </p:nvPr>
         </p:nvSpPr>
-        <p:spPr/>
-        <p:txBody>
-          <a:bodyPr/>
+        <p:spPr bwMode="auto">
+          <a:xfrm>
+            <a:off x="1828800" y="533401"/>
+            <a:ext cx="8382000" cy="1470025"/>
+          </a:xfrm>
+          <a:noFill/>
+          <a:extLst>
+            <a:ext uri="{909E8E84-426E-40DD-AFC4-6F175D3DCCD1}">
+              <a14:hiddenFill xmlns:a14="http://schemas.microsoft.com/office/drawing/2010/main">
+                <a:solidFill>
+                  <a:srgbClr val="FFFFFF"/>
+                </a:solidFill>
+              </a14:hiddenFill>
+            </a:ext>
+            <a:ext uri="{91240B29-F687-4F45-9708-019B960494DF}">
+              <a14:hiddenLine xmlns:a14="http://schemas.microsoft.com/office/drawing/2010/main" w="9525">
+                <a:solidFill>
+                  <a:srgbClr val="000000"/>
+                </a:solidFill>
+                <a:miter lim="800000"/>
+                <a:headEnd/>
+                <a:tailEnd/>
+              </a14:hiddenLine>
+            </a:ext>
+          </a:extLst>
+        </p:spPr>
+        <p:txBody>
+          <a:bodyPr vert="horz" wrap="square" lIns="91440" tIns="45720" rIns="91440" bIns="45720" numCol="1" rtlCol="0" anchor="t" anchorCtr="0" compatLnSpc="1">
+            <a:prstTxWarp prst="textNoShape">
+              <a:avLst/>
+            </a:prstTxWarp>
+            <a:normAutofit/>
+          </a:bodyPr>
           <a:lstStyle/>
           <a:p>
-            <a:r>
-              <a:rPr lang="en-US" dirty="0" smtClean="0"/>
-              <a:t>Model Fitting</a:t>
-            </a:r>
-            <a:endParaRPr lang="en-US" dirty="0"/>
-          </a:p>
-        </p:txBody>
-      </p:sp>
-      <p:sp>
-        <p:nvSpPr>
-          <p:cNvPr id="3" name="Subtitle 2"/>
+            <a:pPr eaLnBrk="1" hangingPunct="1"/>
+            <a:r>
+              <a:rPr lang="en-US" altLang="en-US" sz="3200" b="1" dirty="0">
+                <a:ea typeface="ＭＳ Ｐゴシック" panose="020B0600070205080204" pitchFamily="34" charset="-128"/>
+              </a:rPr>
+              <a:t>Computational Systems Biology for </a:t>
+            </a:r>
+            <a:br>
+              <a:rPr lang="en-US" altLang="en-US" sz="3200" b="1" dirty="0">
+                <a:ea typeface="ＭＳ Ｐゴシック" panose="020B0600070205080204" pitchFamily="34" charset="-128"/>
+              </a:rPr>
+            </a:br>
+            <a:r>
+              <a:rPr lang="en-US" altLang="en-US" sz="3200" b="1" dirty="0">
+                <a:ea typeface="ＭＳ Ｐゴシック" panose="020B0600070205080204" pitchFamily="34" charset="-128"/>
+              </a:rPr>
+              <a:t>Medical Applications</a:t>
+            </a:r>
+            <a:br>
+              <a:rPr lang="en-US" altLang="en-US" sz="3200" b="1" dirty="0">
+                <a:ea typeface="ＭＳ Ｐゴシック" panose="020B0600070205080204" pitchFamily="34" charset="-128"/>
+              </a:rPr>
+            </a:br>
+            <a:br>
+              <a:rPr lang="en-US" altLang="en-US" sz="3200" b="1" dirty="0">
+                <a:ea typeface="ＭＳ Ｐゴシック" panose="020B0600070205080204" pitchFamily="34" charset="-128"/>
+              </a:rPr>
+            </a:br>
+            <a:br>
+              <a:rPr lang="en-US" altLang="en-US" sz="3200" b="1" dirty="0">
+                <a:ea typeface="ＭＳ Ｐゴシック" panose="020B0600070205080204" pitchFamily="34" charset="-128"/>
+              </a:rPr>
+            </a:br>
+            <a:r>
+              <a:rPr lang="en-US" altLang="en-US" sz="4000" b="1" u="sng" dirty="0">
+                <a:ea typeface="ＭＳ Ｐゴシック" panose="020B0600070205080204" pitchFamily="34" charset="-128"/>
+              </a:rPr>
+              <a:t>Fitting Models to Data</a:t>
+            </a:r>
+            <a:br>
+              <a:rPr lang="en-US" altLang="en-US" b="1" dirty="0">
+                <a:ea typeface="ＭＳ Ｐゴシック" panose="020B0600070205080204" pitchFamily="34" charset="-128"/>
+              </a:rPr>
+            </a:br>
+            <a:br>
+              <a:rPr lang="en-US" altLang="en-US" b="1" dirty="0">
+                <a:ea typeface="ＭＳ Ｐゴシック" panose="020B0600070205080204" pitchFamily="34" charset="-128"/>
+              </a:rPr>
+            </a:br>
+            <a:endParaRPr lang="en-US" altLang="en-US" i="1" dirty="0">
+              <a:ea typeface="ＭＳ Ｐゴシック" panose="020B0600070205080204" pitchFamily="34" charset="-128"/>
+            </a:endParaRPr>
+          </a:p>
+        </p:txBody>
+      </p:sp>
+      <p:sp>
+        <p:nvSpPr>
+          <p:cNvPr id="3" name="Subtitle 2">
+            <a:extLst>
+              <a:ext uri="{FF2B5EF4-FFF2-40B4-BE49-F238E27FC236}">
+                <a16:creationId xmlns:a16="http://schemas.microsoft.com/office/drawing/2014/main" id="{0410F5ED-CA3C-E74C-AA2B-DC3C09E1EBBB}"/>
+              </a:ext>
+            </a:extLst>
+          </p:cNvPr>
           <p:cNvSpPr>
             <a:spLocks noGrp="1"/>
           </p:cNvSpPr>
@@ -3391,19 +3547,77 @@
             <p:ph type="subTitle" idx="1"/>
           </p:nvPr>
         </p:nvSpPr>
-        <p:spPr/>
+        <p:spPr>
+          <a:xfrm>
+            <a:off x="1905000" y="3886200"/>
+            <a:ext cx="8382000" cy="1752600"/>
+          </a:xfrm>
+        </p:spPr>
         <p:txBody>
           <a:bodyPr/>
           <a:lstStyle/>
           <a:p>
-            <a:endParaRPr lang="en-US"/>
+            <a:r>
+              <a:rPr lang="en-US" dirty="0"/>
+              <a:t>Joseph L. </a:t>
+            </a:r>
+            <a:r>
+              <a:rPr lang="en-US" dirty="0" err="1"/>
+              <a:t>Hellerstein</a:t>
+            </a:r>
+            <a:r>
+              <a:rPr lang="en-US" dirty="0"/>
+              <a:t>*</a:t>
+            </a:r>
+          </a:p>
+          <a:p>
+            <a:r>
+              <a:rPr lang="en-US" dirty="0"/>
+              <a:t>Herbert </a:t>
+            </a:r>
+            <a:r>
+              <a:rPr lang="en-US" dirty="0" err="1"/>
+              <a:t>Sauro</a:t>
+            </a:r>
+            <a:r>
+              <a:rPr lang="en-US" dirty="0"/>
+              <a:t>**</a:t>
+            </a:r>
+          </a:p>
+          <a:p>
+            <a:endParaRPr lang="en-US" dirty="0"/>
+          </a:p>
+          <a:p>
+            <a:r>
+              <a:rPr lang="en-US" sz="2800" dirty="0"/>
+              <a:t>*</a:t>
+            </a:r>
+            <a:r>
+              <a:rPr lang="en-US" sz="2800" dirty="0" err="1"/>
+              <a:t>eScience</a:t>
+            </a:r>
+            <a:r>
+              <a:rPr lang="en-US" sz="2800" dirty="0"/>
+              <a:t> Institute, Computer Science &amp; Engineering</a:t>
+            </a:r>
+          </a:p>
+          <a:p>
+            <a:r>
+              <a:rPr lang="en-US" sz="2800" dirty="0"/>
+              <a:t>**</a:t>
+            </a:r>
+            <a:r>
+              <a:rPr lang="en-US" sz="2800" dirty="0" err="1"/>
+              <a:t>BioEngineering</a:t>
+            </a:r>
+            <a:endParaRPr lang="en-US" sz="2800" dirty="0"/>
           </a:p>
         </p:txBody>
       </p:sp>
     </p:spTree>
     <p:extLst>
       <p:ext uri="{BB962C8B-B14F-4D97-AF65-F5344CB8AC3E}">
-        <p14:creationId xmlns:p14="http://schemas.microsoft.com/office/powerpoint/2010/main" val="425904722"/>
+        <p14:creationId xmlns:p14="http://schemas.microsoft.com/office/powerpoint/2010/main" val="4066307116"/>
       </p:ext>
     </p:extLst>
   </p:cSld>
@@ -3451,10 +3665,9 @@
           <a:lstStyle/>
           <a:p>
             <a:r>
-              <a:rPr lang="en-US" dirty="0" smtClean="0"/>
+              <a:rPr lang="en-US" dirty="0"/>
               <a:t>A Workflow</a:t>
             </a:r>
-            <a:endParaRPr lang="en-US" dirty="0"/>
           </a:p>
         </p:txBody>
       </p:sp>
@@ -3525,7 +3738,7 @@
           <a:lstStyle/>
           <a:p>
             <a:r>
-              <a:rPr lang="en-US" sz="2400" dirty="0" smtClean="0"/>
+              <a:rPr lang="en-US" sz="2400" dirty="0"/>
               <a:t>Model</a:t>
             </a:r>
             <a:endParaRPr lang="en-US" dirty="0"/>
@@ -3609,20 +3822,15 @@
             <a:lstStyle/>
             <a:p>
               <a:r>
-                <a:rPr lang="en-US" dirty="0" smtClean="0"/>
+                <a:rPr lang="en-US" dirty="0"/>
                 <a:t>Adjust Parameters</a:t>
               </a:r>
             </a:p>
             <a:p>
               <a:r>
                 <a:rPr lang="en-US" dirty="0"/>
-                <a:t>t</a:t>
+                <a:t>that improve the fit</a:t>
               </a:r>
-              <a:r>
-                <a:rPr lang="en-US" dirty="0" smtClean="0"/>
-                <a:t>hat improve the fit</a:t>
-              </a:r>
-              <a:endParaRPr lang="en-US" dirty="0"/>
             </a:p>
           </p:txBody>
         </p:sp>
@@ -3777,7 +3985,7 @@
             <a:lstStyle/>
             <a:p>
               <a:r>
-                <a:rPr lang="en-US" dirty="0" smtClean="0"/>
+                <a:rPr lang="en-US" dirty="0"/>
                 <a:t>Run Model</a:t>
               </a:r>
               <a:endParaRPr lang="en-US" sz="1400" dirty="0"/>
@@ -3852,17 +4060,16 @@
             <a:p>
               <a:pPr algn="ctr"/>
               <a:r>
-                <a:rPr lang="en-US" dirty="0" smtClean="0"/>
+                <a:rPr lang="en-US" dirty="0"/>
                 <a:t>Experimental</a:t>
               </a:r>
             </a:p>
             <a:p>
               <a:pPr algn="ctr"/>
               <a:r>
-                <a:rPr lang="en-US" dirty="0" smtClean="0"/>
+                <a:rPr lang="en-US" dirty="0"/>
                 <a:t>Data</a:t>
               </a:r>
-              <a:endParaRPr lang="en-US" dirty="0"/>
             </a:p>
           </p:txBody>
         </p:sp>
@@ -3929,7 +4136,7 @@
             <a:lstStyle/>
             <a:p>
               <a:r>
-                <a:rPr lang="en-US" sz="2000" dirty="0" smtClean="0"/>
+                <a:rPr lang="en-US" sz="2000" dirty="0"/>
                 <a:t>Compare</a:t>
               </a:r>
               <a:endParaRPr lang="en-US" dirty="0"/>
@@ -4146,10 +4353,9 @@
             <a:lstStyle/>
             <a:p>
               <a:r>
-                <a:rPr lang="en-US" dirty="0" smtClean="0"/>
+                <a:rPr lang="en-US" dirty="0"/>
                 <a:t>Finished?</a:t>
               </a:r>
-              <a:endParaRPr lang="en-US" dirty="0"/>
             </a:p>
           </p:txBody>
         </p:sp>
@@ -4210,10 +4416,9 @@
           <a:lstStyle/>
           <a:p>
             <a:r>
-              <a:rPr lang="en-US" dirty="0" smtClean="0"/>
+              <a:rPr lang="en-US" dirty="0"/>
               <a:t>Yes</a:t>
             </a:r>
-            <a:endParaRPr lang="en-US" dirty="0"/>
           </a:p>
         </p:txBody>
       </p:sp>
@@ -4270,10 +4475,9 @@
           <a:lstStyle/>
           <a:p>
             <a:r>
-              <a:rPr lang="en-US" dirty="0" smtClean="0"/>
+              <a:rPr lang="en-US" dirty="0"/>
               <a:t>No</a:t>
             </a:r>
-            <a:endParaRPr lang="en-US" dirty="0"/>
           </a:p>
         </p:txBody>
       </p:sp>
@@ -4356,15 +4560,14 @@
           <a:lstStyle/>
           <a:p>
             <a:r>
-              <a:rPr lang="en-US" dirty="0" smtClean="0"/>
+              <a:rPr lang="en-US" dirty="0"/>
               <a:t>Fitting Models</a:t>
             </a:r>
-            <a:endParaRPr lang="en-US" dirty="0"/>
-          </a:p>
-        </p:txBody>
-      </p:sp>
-      <mc:AlternateContent xmlns:mc="http://schemas.openxmlformats.org/markup-compatibility/2006">
-        <mc:Choice xmlns:a14="http://schemas.microsoft.com/office/drawing/2010/main" Requires="a14">
+          </a:p>
+        </p:txBody>
+      </p:sp>
+      <mc:AlternateContent xmlns:mc="http://schemas.openxmlformats.org/markup-compatibility/2006" xmlns:a14="http://schemas.microsoft.com/office/drawing/2010/main">
+        <mc:Choice Requires="a14">
           <p:sp>
             <p:nvSpPr>
               <p:cNvPr id="3" name="Content Placeholder 2"/>
@@ -4381,7 +4584,7 @@
               <a:lstStyle/>
               <a:p>
                 <a:r>
-                  <a:rPr lang="en-US" dirty="0" smtClean="0"/>
+                  <a:rPr lang="en-US" dirty="0"/>
                   <a:t>The fitting procedure will attempt to minimize the difference between the model </a:t>
                 </a:r>
                 <a14:m>
@@ -4395,16 +4598,8 @@
                   </m:oMath>
                 </a14:m>
                 <a:r>
-                  <a:rPr lang="en-US" dirty="0" smtClean="0"/>
-                  <a:t>and </a:t>
-                </a:r>
-                <a:r>
                   <a:rPr lang="en-US" dirty="0"/>
-                  <a:t>the data </a:t>
-                </a:r>
-                <a:r>
-                  <a:rPr lang="en-US" dirty="0" smtClean="0"/>
-                  <a:t>points </a:t>
+                  <a:t>and the data points </a:t>
                 </a:r>
                 <a14:m>
                   <m:oMath xmlns:m="http://schemas.openxmlformats.org/officeDocument/2006/math">
@@ -4436,16 +4631,8 @@
                   </m:oMath>
                 </a14:m>
                 <a:r>
-                  <a:rPr lang="en-US" dirty="0" smtClean="0"/>
-                  <a:t>, </a:t>
-                </a:r>
-                <a:r>
                   <a:rPr lang="en-US" dirty="0"/>
-                  <a:t>that is </a:t>
-                </a:r>
-                <a:r>
-                  <a:rPr lang="en-US" dirty="0" smtClean="0"/>
-                  <a:t>minimize:</a:t>
+                  <a:t>, that is minimize:</a:t>
                 </a:r>
               </a:p>
               <a:p>
@@ -4603,20 +4790,20 @@
                     </m:oMath>
                   </m:oMathPara>
                 </a14:m>
-                <a:endParaRPr lang="en-US" dirty="0" smtClean="0"/>
+                <a:endParaRPr lang="en-US" dirty="0"/>
               </a:p>
               <a:p>
                 <a:pPr marL="0" indent="0">
                   <a:buNone/>
                 </a:pPr>
-                <a:endParaRPr lang="en-US" dirty="0" smtClean="0"/>
+                <a:endParaRPr lang="en-US" dirty="0"/>
               </a:p>
               <a:p>
                 <a:pPr marL="0" indent="0">
                   <a:buNone/>
                 </a:pPr>
                 <a:r>
-                  <a:rPr lang="en-US" dirty="0" smtClean="0"/>
+                  <a:rPr lang="en-US" dirty="0"/>
                   <a:t>We can remove any negative values by squaring:</a:t>
                 </a:r>
               </a:p>
@@ -4631,7 +4818,7 @@
                   <a:buNone/>
                 </a:pPr>
                 <a:r>
-                  <a:rPr lang="en-US" b="0" dirty="0" smtClean="0"/>
+                  <a:rPr lang="en-US" b="0" dirty="0"/>
                   <a:t>				(</a:t>
                 </a:r>
                 <a14:m>
@@ -4792,7 +4979,7 @@
                     </m:sSup>
                   </m:oMath>
                 </a14:m>
-                <a:endParaRPr lang="en-US" dirty="0" smtClean="0"/>
+                <a:endParaRPr lang="en-US" dirty="0"/>
               </a:p>
               <a:p>
                 <a:pPr marL="0" indent="0">
@@ -4803,7 +4990,7 @@
             </p:txBody>
           </p:sp>
         </mc:Choice>
-        <mc:Fallback>
+        <mc:Fallback xmlns="">
           <p:sp>
             <p:nvSpPr>
               <p:cNvPr id="3" name="Content Placeholder 2"/>
@@ -4883,15 +5070,14 @@
           <a:lstStyle/>
           <a:p>
             <a:r>
-              <a:rPr lang="en-US" dirty="0" smtClean="0"/>
+              <a:rPr lang="en-US" dirty="0"/>
               <a:t>Fitting Models</a:t>
             </a:r>
-            <a:endParaRPr lang="en-US" dirty="0"/>
-          </a:p>
-        </p:txBody>
-      </p:sp>
-      <mc:AlternateContent xmlns:mc="http://schemas.openxmlformats.org/markup-compatibility/2006">
-        <mc:Choice xmlns:a14="http://schemas.microsoft.com/office/drawing/2010/main" Requires="a14">
+          </a:p>
+        </p:txBody>
+      </p:sp>
+      <mc:AlternateContent xmlns:mc="http://schemas.openxmlformats.org/markup-compatibility/2006" xmlns:a14="http://schemas.microsoft.com/office/drawing/2010/main">
+        <mc:Choice Requires="a14">
           <p:sp>
             <p:nvSpPr>
               <p:cNvPr id="3" name="Content Placeholder 2"/>
@@ -4911,7 +5097,7 @@
                   <a:buNone/>
                 </a:pPr>
                 <a:r>
-                  <a:rPr lang="en-US" b="0" dirty="0" smtClean="0"/>
+                  <a:rPr lang="en-US" b="0" dirty="0"/>
                   <a:t>				(</a:t>
                 </a:r>
                 <a14:m>
@@ -5072,20 +5258,20 @@
                     </m:sSup>
                   </m:oMath>
                 </a14:m>
-                <a:endParaRPr lang="en-US" dirty="0" smtClean="0"/>
+                <a:endParaRPr lang="en-US" dirty="0"/>
               </a:p>
               <a:p>
                 <a:pPr marL="0" indent="0">
                   <a:buNone/>
                 </a:pPr>
-                <a:endParaRPr lang="en-US" dirty="0" smtClean="0"/>
+                <a:endParaRPr lang="en-US" dirty="0"/>
               </a:p>
               <a:p>
                 <a:pPr marL="0" indent="0">
                   <a:buNone/>
                 </a:pPr>
                 <a:r>
-                  <a:rPr lang="en-US" dirty="0" smtClean="0"/>
+                  <a:rPr lang="en-US" dirty="0"/>
                   <a:t>We account for all data points by summing:</a:t>
                 </a:r>
               </a:p>
@@ -5296,7 +5482,7 @@
             </p:txBody>
           </p:sp>
         </mc:Choice>
-        <mc:Fallback>
+        <mc:Fallback xmlns="">
           <p:sp>
             <p:nvSpPr>
               <p:cNvPr id="3" name="Content Placeholder 2"/>
@@ -5376,15 +5562,14 @@
           <a:lstStyle/>
           <a:p>
             <a:r>
-              <a:rPr lang="en-US" dirty="0" smtClean="0"/>
+              <a:rPr lang="en-US" dirty="0"/>
               <a:t>Chi-Square</a:t>
             </a:r>
-            <a:endParaRPr lang="en-US" dirty="0"/>
-          </a:p>
-        </p:txBody>
-      </p:sp>
-      <mc:AlternateContent xmlns:mc="http://schemas.openxmlformats.org/markup-compatibility/2006">
-        <mc:Choice xmlns:a14="http://schemas.microsoft.com/office/drawing/2010/main" Requires="a14">
+          </a:p>
+        </p:txBody>
+      </p:sp>
+      <mc:AlternateContent xmlns:mc="http://schemas.openxmlformats.org/markup-compatibility/2006" xmlns:a14="http://schemas.microsoft.com/office/drawing/2010/main">
+        <mc:Choice Requires="a14">
           <p:sp>
             <p:nvSpPr>
               <p:cNvPr id="3" name="Content Placeholder 2"/>
@@ -5406,7 +5591,7 @@
                   <a:buNone/>
                 </a:pPr>
                 <a:r>
-                  <a:rPr lang="en-US" dirty="0" smtClean="0"/>
+                  <a:rPr lang="en-US" dirty="0"/>
                   <a:t>If there is uncertainty information on the data points:</a:t>
                 </a:r>
               </a:p>
@@ -5420,7 +5605,7 @@
                 <a:pPr marL="0" indent="0">
                   <a:buNone/>
                 </a:pPr>
-                <a:endParaRPr lang="en-US" dirty="0" smtClean="0"/>
+                <a:endParaRPr lang="en-US" dirty="0"/>
               </a:p>
               <a:p>
                 <a:pPr marL="0" indent="0">
@@ -5697,23 +5882,24 @@
                     </m:oMath>
                   </m:oMathPara>
                 </a14:m>
+                <a:endParaRPr lang="en-US" dirty="0"/>
               </a:p>
               <a:p>
                 <a:pPr marL="0" indent="0">
                   <a:buNone/>
                 </a:pPr>
-                <a:endParaRPr lang="en-US" dirty="0" smtClean="0"/>
+                <a:endParaRPr lang="en-US" dirty="0"/>
               </a:p>
               <a:p>
                 <a:pPr marL="0" indent="0">
                   <a:buNone/>
                 </a:pPr>
                 <a:r>
-                  <a:rPr lang="en-US" dirty="0" smtClean="0"/>
+                  <a:rPr lang="en-US" dirty="0"/>
                   <a:t>This equation is called the </a:t>
                 </a:r>
                 <a:r>
-                  <a:rPr lang="en-US" dirty="0" smtClean="0">
+                  <a:rPr lang="en-US" dirty="0">
                     <a:solidFill>
                       <a:srgbClr val="FF0000"/>
                     </a:solidFill>
@@ -5774,7 +5960,7 @@
                   </m:oMath>
                 </a14:m>
                 <a:r>
-                  <a:rPr lang="en-US" dirty="0" smtClean="0">
+                  <a:rPr lang="en-US" dirty="0">
                     <a:solidFill>
                       <a:schemeClr val="tx1"/>
                     </a:solidFill>
@@ -5785,7 +5971,7 @@
             </p:txBody>
           </p:sp>
         </mc:Choice>
-        <mc:Fallback>
+        <mc:Fallback xmlns="">
           <p:sp>
             <p:nvSpPr>
               <p:cNvPr id="3" name="Content Placeholder 2"/>
@@ -5865,15 +6051,14 @@
           <a:lstStyle/>
           <a:p>
             <a:r>
-              <a:rPr lang="en-US" dirty="0" smtClean="0"/>
+              <a:rPr lang="en-US" dirty="0"/>
               <a:t>Chi-Square: The reduced Chi-Square</a:t>
             </a:r>
-            <a:endParaRPr lang="en-US" dirty="0"/>
-          </a:p>
-        </p:txBody>
-      </p:sp>
-      <mc:AlternateContent xmlns:mc="http://schemas.openxmlformats.org/markup-compatibility/2006">
-        <mc:Choice xmlns:a14="http://schemas.microsoft.com/office/drawing/2010/main" Requires="a14">
+          </a:p>
+        </p:txBody>
+      </p:sp>
+      <mc:AlternateContent xmlns:mc="http://schemas.openxmlformats.org/markup-compatibility/2006" xmlns:a14="http://schemas.microsoft.com/office/drawing/2010/main">
+        <mc:Choice Requires="a14">
           <p:sp>
             <p:nvSpPr>
               <p:cNvPr id="3" name="Content Placeholder 2"/>
@@ -5895,24 +6080,19 @@
                   <a:buNone/>
                 </a:pPr>
                 <a:r>
-                  <a:rPr lang="en-US" dirty="0" smtClean="0"/>
+                  <a:rPr lang="en-US" dirty="0"/>
                   <a:t>An important variant of the chi-square is the </a:t>
                 </a:r>
                 <a:r>
                   <a:rPr lang="en-US" b="1" dirty="0"/>
-                  <a:t>reduced </a:t>
+                  <a:t>reduced chi-square:</a:t>
                 </a:r>
-                <a:r>
-                  <a:rPr lang="en-US" b="1" dirty="0" smtClean="0"/>
-                  <a:t>chi-square:</a:t>
-                </a:r>
-                <a:endParaRPr lang="en-US" b="1" dirty="0"/>
               </a:p>
               <a:p>
                 <a:pPr marL="0" indent="0">
                   <a:buNone/>
                 </a:pPr>
-                <a:endParaRPr lang="en-US" dirty="0" smtClean="0"/>
+                <a:endParaRPr lang="en-US" dirty="0"/>
               </a:p>
               <a:p>
                 <a:pPr marL="0" indent="0">
@@ -6226,26 +6406,27 @@
                     </m:oMath>
                   </m:oMathPara>
                 </a14:m>
+                <a:endParaRPr lang="en-US" dirty="0"/>
               </a:p>
               <a:p>
                 <a:pPr marL="0" indent="0">
                   <a:buNone/>
                 </a:pPr>
-                <a:endParaRPr lang="en-US" dirty="0" smtClean="0"/>
+                <a:endParaRPr lang="en-US" dirty="0"/>
               </a:p>
               <a:p>
                 <a:pPr marL="0" indent="0">
                   <a:buNone/>
                 </a:pPr>
                 <a:r>
-                  <a:rPr lang="en-US" dirty="0" smtClean="0"/>
+                  <a:rPr lang="en-US" dirty="0"/>
                   <a:t>Where N is the number of data points and P the number of parameter to be fitted.  This takes into account the ‘complexity’ of the model and can be use to compare different models with the same data.</a:t>
                 </a:r>
               </a:p>
             </p:txBody>
           </p:sp>
         </mc:Choice>
-        <mc:Fallback>
+        <mc:Fallback xmlns="">
           <p:sp>
             <p:nvSpPr>
               <p:cNvPr id="3" name="Content Placeholder 2"/>
@@ -6325,10 +6506,9 @@
           <a:lstStyle/>
           <a:p>
             <a:r>
-              <a:rPr lang="en-US" dirty="0" smtClean="0"/>
+              <a:rPr lang="en-US" dirty="0"/>
               <a:t>Assumptions</a:t>
             </a:r>
-            <a:endParaRPr lang="en-US" dirty="0"/>
           </a:p>
         </p:txBody>
       </p:sp>
@@ -6402,10 +6582,9 @@
           <a:lstStyle/>
           <a:p>
             <a:r>
-              <a:rPr lang="en-US" dirty="0" smtClean="0"/>
+              <a:rPr lang="en-US" dirty="0"/>
               <a:t>Parameter Optimization</a:t>
             </a:r>
-            <a:endParaRPr lang="en-US" dirty="0"/>
           </a:p>
         </p:txBody>
       </p:sp>
@@ -6432,13 +6611,13 @@
           <a:lstStyle/>
           <a:p>
             <a:r>
-              <a:rPr lang="en-US" sz="2800" dirty="0" smtClean="0"/>
+              <a:rPr lang="en-US" sz="2800" dirty="0"/>
               <a:t>The next task is to find parameter values that will reduce the chi-square</a:t>
             </a:r>
           </a:p>
           <a:p>
             <a:r>
-              <a:rPr lang="en-US" sz="2800" dirty="0" smtClean="0"/>
+              <a:rPr lang="en-US" sz="2800" dirty="0"/>
               <a:t> to its lowest value.</a:t>
             </a:r>
           </a:p>
@@ -6447,11 +6626,11 @@
           </a:p>
           <a:p>
             <a:r>
-              <a:rPr lang="en-US" sz="2800" dirty="0" smtClean="0"/>
+              <a:rPr lang="en-US" sz="2800" dirty="0"/>
               <a:t>This process is called </a:t>
             </a:r>
             <a:r>
-              <a:rPr lang="en-US" sz="2800" dirty="0" smtClean="0">
+              <a:rPr lang="en-US" sz="2800" dirty="0">
                 <a:solidFill>
                   <a:srgbClr val="FF0000"/>
                 </a:solidFill>
@@ -6468,11 +6647,11 @@
           </a:p>
           <a:p>
             <a:r>
-              <a:rPr lang="en-US" sz="2800" dirty="0" smtClean="0"/>
+              <a:rPr lang="en-US" sz="2800" dirty="0"/>
               <a:t>One way to find the  parameter values </a:t>
             </a:r>
             <a:r>
-              <a:rPr lang="en-US" sz="2800" dirty="0" smtClean="0">
+              <a:rPr lang="en-US" sz="2800" dirty="0">
                 <a:solidFill>
                   <a:srgbClr val="FF0000"/>
                 </a:solidFill>
@@ -6480,13 +6659,13 @@
               <a:t>minimize</a:t>
             </a:r>
             <a:r>
-              <a:rPr lang="en-US" sz="2800" dirty="0" smtClean="0"/>
+              <a:rPr lang="en-US" sz="2800" dirty="0"/>
               <a:t> the </a:t>
             </a:r>
           </a:p>
           <a:p>
             <a:r>
-              <a:rPr lang="en-US" sz="2800" dirty="0" smtClean="0"/>
+              <a:rPr lang="en-US" sz="2800" dirty="0"/>
               <a:t>chi-square is to try all combinations.</a:t>
             </a:r>
           </a:p>
@@ -6495,11 +6674,11 @@
           </a:p>
           <a:p>
             <a:r>
-              <a:rPr lang="en-US" sz="2800" dirty="0" smtClean="0"/>
+              <a:rPr lang="en-US" sz="2800" dirty="0"/>
               <a:t>This can work but it could take a </a:t>
             </a:r>
             <a:r>
-              <a:rPr lang="en-US" sz="2800" dirty="0" smtClean="0">
+              <a:rPr lang="en-US" sz="2800" dirty="0">
                 <a:solidFill>
                   <a:srgbClr val="FF0000"/>
                 </a:solidFill>
@@ -6507,7 +6686,7 @@
               <a:t>long time*. </a:t>
             </a:r>
             <a:r>
-              <a:rPr lang="en-US" sz="2800" dirty="0" smtClean="0"/>
+              <a:rPr lang="en-US" sz="2800" dirty="0"/>
               <a:t>So we don’t’ tend to do that.</a:t>
             </a:r>
           </a:p>
@@ -6516,7 +6695,7 @@
           </a:p>
           <a:p>
             <a:r>
-              <a:rPr lang="en-US" sz="2800" dirty="0" smtClean="0"/>
+              <a:rPr lang="en-US" sz="2800" dirty="0"/>
               <a:t>* For small models this approach could be effective.</a:t>
             </a:r>
           </a:p>
@@ -6568,10 +6747,9 @@
           <a:lstStyle/>
           <a:p>
             <a:r>
-              <a:rPr lang="en-US" dirty="0" smtClean="0"/>
+              <a:rPr lang="en-US" dirty="0"/>
               <a:t>Parameter Optimization</a:t>
             </a:r>
-            <a:endParaRPr lang="en-US" dirty="0"/>
           </a:p>
         </p:txBody>
       </p:sp>
@@ -6598,11 +6776,11 @@
           <a:lstStyle/>
           <a:p>
             <a:r>
-              <a:rPr lang="en-US" sz="2800" dirty="0" smtClean="0"/>
+              <a:rPr lang="en-US" sz="2800" dirty="0"/>
               <a:t>Instead we use specialized search algorithms, called </a:t>
             </a:r>
             <a:r>
-              <a:rPr lang="en-US" sz="2800" dirty="0" smtClean="0">
+              <a:rPr lang="en-US" sz="2800" dirty="0">
                 <a:solidFill>
                   <a:srgbClr val="FF0000"/>
                 </a:solidFill>
@@ -6619,7 +6797,7 @@
           </a:p>
           <a:p>
             <a:r>
-              <a:rPr lang="en-US" sz="2800" dirty="0" smtClean="0"/>
+              <a:rPr lang="en-US" sz="2800" dirty="0"/>
               <a:t>These tend to be much faster but have their own little problems.</a:t>
             </a:r>
           </a:p>
@@ -6671,15 +6849,14 @@
           <a:lstStyle/>
           <a:p>
             <a:r>
-              <a:rPr lang="en-US" dirty="0" smtClean="0"/>
+              <a:rPr lang="en-US" dirty="0"/>
               <a:t>Search Surface</a:t>
             </a:r>
-            <a:endParaRPr lang="en-US" dirty="0"/>
-          </a:p>
-        </p:txBody>
-      </p:sp>
-      <mc:AlternateContent xmlns:mc="http://schemas.openxmlformats.org/markup-compatibility/2006">
-        <mc:Choice xmlns:a14="http://schemas.microsoft.com/office/drawing/2010/main" Requires="a14">
+          </a:p>
+        </p:txBody>
+      </p:sp>
+      <mc:AlternateContent xmlns:mc="http://schemas.openxmlformats.org/markup-compatibility/2006" xmlns:a14="http://schemas.microsoft.com/office/drawing/2010/main">
+        <mc:Choice Requires="a14">
           <p:sp>
             <p:nvSpPr>
               <p:cNvPr id="4" name="Rectangle 3"/>
@@ -6701,6 +6878,7 @@
               </a:bodyPr>
               <a:lstStyle/>
               <a:p>
+                <a:pPr/>
                 <a14:m>
                   <m:oMathPara xmlns:m="http://schemas.openxmlformats.org/officeDocument/2006/math">
                     <m:oMathParaPr>
@@ -6972,12 +7150,12 @@
                     </m:oMath>
                   </m:oMathPara>
                 </a14:m>
-                <a:endParaRPr lang="en-US" b="0" dirty="0" smtClean="0"/>
+                <a:endParaRPr lang="en-US" b="0" dirty="0"/>
               </a:p>
             </p:txBody>
           </p:sp>
         </mc:Choice>
-        <mc:Fallback>
+        <mc:Fallback xmlns="">
           <p:sp>
             <p:nvSpPr>
               <p:cNvPr id="4" name="Rectangle 3"/>
@@ -7039,11 +7217,11 @@
           <a:lstStyle/>
           <a:p>
             <a:r>
-              <a:rPr lang="en-US" sz="2400" dirty="0" smtClean="0"/>
+              <a:rPr lang="en-US" sz="2400" dirty="0"/>
               <a:t>The chi-square function describes a surface (also called the </a:t>
             </a:r>
             <a:r>
-              <a:rPr lang="en-US" sz="2400" dirty="0" smtClean="0">
+              <a:rPr lang="en-US" sz="2400" dirty="0">
                 <a:solidFill>
                   <a:srgbClr val="FF0000"/>
                 </a:solidFill>
@@ -7051,41 +7229,36 @@
               <a:t>fitness function</a:t>
             </a:r>
             <a:r>
-              <a:rPr lang="en-US" sz="2400" dirty="0" smtClean="0"/>
+              <a:rPr lang="en-US" sz="2400" dirty="0"/>
               <a:t>) in</a:t>
             </a:r>
           </a:p>
           <a:p>
             <a:r>
               <a:rPr lang="en-US" sz="2400" dirty="0"/>
-              <a:t>m</a:t>
-            </a:r>
-            <a:r>
-              <a:rPr lang="en-US" sz="2400" dirty="0" smtClean="0"/>
-              <a:t> dimensions:</a:t>
+              <a:t>m dimensions:</a:t>
             </a:r>
           </a:p>
           <a:p>
             <a:endParaRPr lang="en-US" sz="2400" dirty="0"/>
           </a:p>
           <a:p>
-            <a:endParaRPr lang="en-US" sz="2400" dirty="0" smtClean="0"/>
-          </a:p>
-          <a:p>
             <a:endParaRPr lang="en-US" sz="2400" dirty="0"/>
           </a:p>
           <a:p>
-            <a:endParaRPr lang="en-US" sz="2400" dirty="0" smtClean="0"/>
-          </a:p>
-          <a:p>
             <a:endParaRPr lang="en-US" sz="2400" dirty="0"/>
           </a:p>
           <a:p>
-            <a:r>
-              <a:rPr lang="en-US" sz="2400" dirty="0" smtClean="0"/>
+            <a:endParaRPr lang="en-US" sz="2400" dirty="0"/>
+          </a:p>
+          <a:p>
+            <a:endParaRPr lang="en-US" sz="2400" dirty="0"/>
+          </a:p>
+          <a:p>
+            <a:r>
+              <a:rPr lang="en-US" sz="2400" dirty="0"/>
               <a:t>For a two dimensional system can be visualized.</a:t>
             </a:r>
-            <a:endParaRPr lang="en-US" sz="2400" dirty="0"/>
           </a:p>
         </p:txBody>
       </p:sp>
@@ -7135,15 +7308,14 @@
           <a:lstStyle/>
           <a:p>
             <a:r>
-              <a:rPr lang="en-US" dirty="0" smtClean="0"/>
+              <a:rPr lang="en-US" dirty="0"/>
               <a:t>Parameter Optimization</a:t>
             </a:r>
-            <a:endParaRPr lang="en-US" dirty="0"/>
-          </a:p>
-        </p:txBody>
-      </p:sp>
-      <mc:AlternateContent xmlns:mc="http://schemas.openxmlformats.org/markup-compatibility/2006">
-        <mc:Choice xmlns:a14="http://schemas.microsoft.com/office/drawing/2010/main" Requires="a14">
+          </a:p>
+        </p:txBody>
+      </p:sp>
+      <mc:AlternateContent xmlns:mc="http://schemas.openxmlformats.org/markup-compatibility/2006" xmlns:a14="http://schemas.microsoft.com/office/drawing/2010/main">
+        <mc:Choice Requires="a14">
           <p:sp>
             <p:nvSpPr>
               <p:cNvPr id="4" name="Rectangle 3"/>
@@ -7165,6 +7337,7 @@
               </a:bodyPr>
               <a:lstStyle/>
               <a:p>
+                <a:pPr/>
                 <a14:m>
                   <m:oMathPara xmlns:m="http://schemas.openxmlformats.org/officeDocument/2006/math">
                     <m:oMathParaPr>
@@ -7436,12 +7609,12 @@
                     </m:oMath>
                   </m:oMathPara>
                 </a14:m>
-                <a:endParaRPr lang="en-US" b="0" dirty="0" smtClean="0"/>
+                <a:endParaRPr lang="en-US" b="0" dirty="0"/>
               </a:p>
             </p:txBody>
           </p:sp>
         </mc:Choice>
-        <mc:Fallback>
+        <mc:Fallback xmlns="">
           <p:sp>
             <p:nvSpPr>
               <p:cNvPr id="4" name="Rectangle 3"/>
@@ -7550,10 +7723,9 @@
           <a:lstStyle/>
           <a:p>
             <a:r>
-              <a:rPr lang="en-US" dirty="0" smtClean="0"/>
+              <a:rPr lang="en-US" dirty="0"/>
               <a:t>Fitting</a:t>
             </a:r>
-            <a:endParaRPr lang="en-US" dirty="0"/>
           </a:p>
         </p:txBody>
       </p:sp>
@@ -7578,10 +7750,9 @@
           <a:lstStyle/>
           <a:p>
             <a:r>
-              <a:rPr lang="en-US" dirty="0" smtClean="0"/>
+              <a:rPr lang="en-US" dirty="0"/>
               <a:t>The act of adjusting parameters in a model so that the model matches as best it can a set of experimental data.</a:t>
             </a:r>
-            <a:endParaRPr lang="en-US" dirty="0"/>
           </a:p>
         </p:txBody>
       </p:sp>
@@ -7678,18 +7849,13 @@
           <a:p>
             <a:r>
               <a:rPr lang="en-US" dirty="0"/>
-              <a:t>Problems encountered in different </a:t>
-            </a:r>
-            <a:r>
-              <a:rPr lang="en-US" dirty="0" smtClean="0"/>
-              <a:t>fitness landscapes</a:t>
-            </a:r>
-            <a:endParaRPr lang="en-US" dirty="0"/>
-          </a:p>
-        </p:txBody>
-      </p:sp>
-      <mc:AlternateContent xmlns:mc="http://schemas.openxmlformats.org/markup-compatibility/2006">
-        <mc:Choice xmlns:a14="http://schemas.microsoft.com/office/drawing/2010/main" Requires="a14">
+              <a:t>Problems encountered in different fitness landscapes</a:t>
+            </a:r>
+          </a:p>
+        </p:txBody>
+      </p:sp>
+      <mc:AlternateContent xmlns:mc="http://schemas.openxmlformats.org/markup-compatibility/2006" xmlns:a14="http://schemas.microsoft.com/office/drawing/2010/main">
+        <mc:Choice Requires="a14">
           <p:sp>
             <p:nvSpPr>
               <p:cNvPr id="4" name="Rectangle 3"/>
@@ -7711,6 +7877,7 @@
               </a:bodyPr>
               <a:lstStyle/>
               <a:p>
+                <a:pPr/>
                 <a14:m>
                   <m:oMathPara xmlns:m="http://schemas.openxmlformats.org/officeDocument/2006/math">
                     <m:oMathParaPr>
@@ -7982,12 +8149,12 @@
                     </m:oMath>
                   </m:oMathPara>
                 </a14:m>
-                <a:endParaRPr lang="en-US" b="0" dirty="0" smtClean="0"/>
+                <a:endParaRPr lang="en-US" b="0" dirty="0"/>
               </a:p>
             </p:txBody>
           </p:sp>
         </mc:Choice>
-        <mc:Fallback>
+        <mc:Fallback xmlns="">
           <p:sp>
             <p:nvSpPr>
               <p:cNvPr id="4" name="Rectangle 3"/>
@@ -8101,15 +8268,14 @@
           <a:lstStyle/>
           <a:p>
             <a:r>
-              <a:rPr lang="en-US" dirty="0" smtClean="0"/>
+              <a:rPr lang="en-US" dirty="0"/>
               <a:t>Gradient Descent</a:t>
             </a:r>
-            <a:endParaRPr lang="en-US" dirty="0"/>
-          </a:p>
-        </p:txBody>
-      </p:sp>
-      <mc:AlternateContent xmlns:mc="http://schemas.openxmlformats.org/markup-compatibility/2006">
-        <mc:Choice xmlns:a14="http://schemas.microsoft.com/office/drawing/2010/main" Requires="a14">
+          </a:p>
+        </p:txBody>
+      </p:sp>
+      <mc:AlternateContent xmlns:mc="http://schemas.openxmlformats.org/markup-compatibility/2006" xmlns:a14="http://schemas.microsoft.com/office/drawing/2010/main">
+        <mc:Choice Requires="a14">
           <p:sp>
             <p:nvSpPr>
               <p:cNvPr id="4" name="Rectangle 3"/>
@@ -8131,6 +8297,7 @@
               </a:bodyPr>
               <a:lstStyle/>
               <a:p>
+                <a:pPr/>
                 <a14:m>
                   <m:oMathPara xmlns:m="http://schemas.openxmlformats.org/officeDocument/2006/math">
                     <m:oMathParaPr>
@@ -8402,12 +8569,12 @@
                     </m:oMath>
                   </m:oMathPara>
                 </a14:m>
-                <a:endParaRPr lang="en-US" b="0" dirty="0" smtClean="0"/>
+                <a:endParaRPr lang="en-US" b="0" dirty="0"/>
               </a:p>
             </p:txBody>
           </p:sp>
         </mc:Choice>
-        <mc:Fallback>
+        <mc:Fallback xmlns="">
           <p:sp>
             <p:nvSpPr>
               <p:cNvPr id="4" name="Rectangle 3"/>
@@ -8551,16 +8718,15 @@
           <a:lstStyle/>
           <a:p>
             <a:r>
-              <a:rPr lang="en-US" sz="2800" dirty="0" smtClean="0"/>
+              <a:rPr lang="en-US" sz="2800" dirty="0"/>
               <a:t>It’s the algorithm, that rivers and </a:t>
             </a:r>
           </a:p>
           <a:p>
             <a:r>
-              <a:rPr lang="en-US" sz="2800" dirty="0" smtClean="0"/>
+              <a:rPr lang="en-US" sz="2800" dirty="0"/>
               <a:t>streams use to get to the sea.</a:t>
             </a:r>
-            <a:endParaRPr lang="en-US" sz="2800" dirty="0"/>
           </a:p>
         </p:txBody>
       </p:sp>
@@ -8615,13 +8781,6 @@
   <p:clrMapOvr>
     <a:masterClrMapping/>
   </p:clrMapOvr>
-  <p:timing>
-    <p:tnLst>
-      <p:par>
-        <p:cTn id="1" dur="indefinite" restart="never" nodeType="tmRoot"/>
-      </p:par>
-    </p:tnLst>
-  </p:timing>
 </p:sld>
 </file>
 
@@ -8663,15 +8822,14 @@
           <a:lstStyle/>
           <a:p>
             <a:r>
-              <a:rPr lang="en-US" dirty="0" smtClean="0"/>
+              <a:rPr lang="en-US" dirty="0"/>
               <a:t>Gradient Descent</a:t>
             </a:r>
-            <a:endParaRPr lang="en-US" dirty="0"/>
-          </a:p>
-        </p:txBody>
-      </p:sp>
-      <mc:AlternateContent xmlns:mc="http://schemas.openxmlformats.org/markup-compatibility/2006">
-        <mc:Choice xmlns:a14="http://schemas.microsoft.com/office/drawing/2010/main" Requires="a14">
+          </a:p>
+        </p:txBody>
+      </p:sp>
+      <mc:AlternateContent xmlns:mc="http://schemas.openxmlformats.org/markup-compatibility/2006" xmlns:a14="http://schemas.microsoft.com/office/drawing/2010/main">
+        <mc:Choice Requires="a14">
           <p:sp>
             <p:nvSpPr>
               <p:cNvPr id="4" name="Rectangle 3"/>
@@ -8693,6 +8851,7 @@
               </a:bodyPr>
               <a:lstStyle/>
               <a:p>
+                <a:pPr/>
                 <a14:m>
                   <m:oMathPara xmlns:m="http://schemas.openxmlformats.org/officeDocument/2006/math">
                     <m:oMathParaPr>
@@ -8964,12 +9123,12 @@
                     </m:oMath>
                   </m:oMathPara>
                 </a14:m>
-                <a:endParaRPr lang="en-US" b="0" dirty="0" smtClean="0"/>
+                <a:endParaRPr lang="en-US" b="0" dirty="0"/>
               </a:p>
             </p:txBody>
           </p:sp>
         </mc:Choice>
-        <mc:Fallback>
+        <mc:Fallback xmlns="">
           <p:sp>
             <p:nvSpPr>
               <p:cNvPr id="4" name="Rectangle 3"/>
@@ -9031,7 +9190,7 @@
           <a:lstStyle/>
           <a:p>
             <a:r>
-              <a:rPr lang="en-US" sz="2800" dirty="0" smtClean="0"/>
+              <a:rPr lang="en-US" sz="2800" dirty="0"/>
               <a:t>In gradient descent movement is perpendicular to the counter lines.</a:t>
             </a:r>
           </a:p>
@@ -9040,22 +9199,21 @@
           </a:p>
           <a:p>
             <a:r>
-              <a:rPr lang="en-US" sz="2800" dirty="0" smtClean="0"/>
+              <a:rPr lang="en-US" sz="2800" dirty="0"/>
               <a:t>Major problem is judging how far to travel at each step.  There is therefore </a:t>
             </a:r>
           </a:p>
           <a:p>
             <a:r>
-              <a:rPr lang="en-US" sz="2800" dirty="0" smtClean="0"/>
+              <a:rPr lang="en-US" sz="2800" dirty="0"/>
               <a:t>a tendency to either overshoot of take small steps and take tool long to get </a:t>
             </a:r>
           </a:p>
           <a:p>
             <a:r>
-              <a:rPr lang="en-US" sz="2800" dirty="0" smtClean="0"/>
+              <a:rPr lang="en-US" sz="2800" dirty="0"/>
               <a:t>the bottom of the fitness landscape.</a:t>
             </a:r>
-            <a:endParaRPr lang="en-US" sz="2800" dirty="0"/>
           </a:p>
         </p:txBody>
       </p:sp>
@@ -9117,13 +9275,6 @@
   <p:clrMapOvr>
     <a:masterClrMapping/>
   </p:clrMapOvr>
-  <p:timing>
-    <p:tnLst>
-      <p:par>
-        <p:cTn id="1" dur="indefinite" restart="never" nodeType="tmRoot"/>
-      </p:par>
-    </p:tnLst>
-  </p:timing>
 </p:sld>
 </file>
 
@@ -9160,10 +9311,9 @@
           <a:lstStyle/>
           <a:p>
             <a:r>
-              <a:rPr lang="en-US" dirty="0" smtClean="0"/>
+              <a:rPr lang="en-US" dirty="0"/>
               <a:t>Other Approaches</a:t>
             </a:r>
-            <a:endParaRPr lang="en-US" dirty="0"/>
           </a:p>
         </p:txBody>
       </p:sp>
@@ -9185,7 +9335,7 @@
           <a:lstStyle/>
           <a:p>
             <a:r>
-              <a:rPr lang="en-US" dirty="0" smtClean="0"/>
+              <a:rPr lang="en-US" dirty="0"/>
               <a:t>Gauss-Newton Method</a:t>
             </a:r>
           </a:p>
@@ -9194,39 +9344,8 @@
               <a:buNone/>
             </a:pPr>
             <a:r>
-              <a:rPr lang="en-US" dirty="0" smtClean="0"/>
-              <a:t>	This </a:t>
-            </a:r>
-            <a:r>
               <a:rPr lang="en-US" dirty="0"/>
-              <a:t>method relies on the assumption that we can approximate </a:t>
-            </a:r>
-            <a:r>
-              <a:rPr lang="en-US" dirty="0" smtClean="0"/>
-              <a:t>	the surface </a:t>
-            </a:r>
-            <a:r>
-              <a:rPr lang="en-US" dirty="0"/>
-              <a:t>near the minimum using a quadratic function in the </a:t>
-            </a:r>
-            <a:r>
-              <a:rPr lang="en-US" dirty="0" smtClean="0"/>
-              <a:t>	parameters. </a:t>
-            </a:r>
-          </a:p>
-          <a:p>
-            <a:pPr marL="0" indent="0">
-              <a:buNone/>
-            </a:pPr>
-            <a:endParaRPr lang="en-US" dirty="0" smtClean="0"/>
-          </a:p>
-          <a:p>
-            <a:pPr marL="0" indent="0">
-              <a:buNone/>
-            </a:pPr>
-            <a:r>
-              <a:rPr lang="en-US" dirty="0" smtClean="0"/>
-              <a:t>	That is near the minimum we assume that the fitness 		landscape looks like a parabolic bowl.</a:t>
+              <a:t>	This method relies on the assumption that we can approximate 	the surface near the minimum using a quadratic function in the 	parameters. </a:t>
             </a:r>
           </a:p>
           <a:p>
@@ -9240,7 +9359,22 @@
               <a:buNone/>
             </a:pPr>
             <a:r>
-              <a:rPr lang="en-US" dirty="0" smtClean="0"/>
+              <a:rPr lang="en-US" dirty="0"/>
+              <a:t>	That is near the minimum we assume that the fitness 		landscape looks like a parabolic bowl.</a:t>
+            </a:r>
+          </a:p>
+          <a:p>
+            <a:pPr marL="0" indent="0">
+              <a:buNone/>
+            </a:pPr>
+            <a:endParaRPr lang="en-US" dirty="0"/>
+          </a:p>
+          <a:p>
+            <a:pPr marL="0" indent="0">
+              <a:buNone/>
+            </a:pPr>
+            <a:r>
+              <a:rPr lang="en-US" dirty="0"/>
               <a:t>	The method is specifically designed for functions that are in the 	form of a sums of squares.</a:t>
             </a:r>
           </a:p>
@@ -9292,10 +9426,9 @@
           <a:lstStyle/>
           <a:p>
             <a:r>
-              <a:rPr lang="en-US" dirty="0" smtClean="0"/>
+              <a:rPr lang="en-US" dirty="0"/>
               <a:t>Other Approaches</a:t>
             </a:r>
-            <a:endParaRPr lang="en-US" dirty="0"/>
           </a:p>
         </p:txBody>
       </p:sp>
@@ -9317,7 +9450,7 @@
           <a:lstStyle/>
           <a:p>
             <a:r>
-              <a:rPr lang="en-US" dirty="0" smtClean="0"/>
+              <a:rPr lang="en-US" dirty="0"/>
               <a:t>Gauss-Newton Method</a:t>
             </a:r>
           </a:p>
@@ -9326,30 +9459,25 @@
               <a:buNone/>
             </a:pPr>
             <a:r>
-              <a:rPr lang="en-US" dirty="0" smtClean="0"/>
+              <a:rPr lang="en-US" dirty="0"/>
               <a:t>	The method uses 2</a:t>
             </a:r>
             <a:r>
-              <a:rPr lang="en-US" baseline="30000" dirty="0" smtClean="0"/>
+              <a:rPr lang="en-US" baseline="30000" dirty="0"/>
               <a:t>nd</a:t>
             </a:r>
             <a:r>
-              <a:rPr lang="en-US" dirty="0" smtClean="0"/>
+              <a:rPr lang="en-US" dirty="0"/>
               <a:t>-order derivatives (gradient decent used 1</a:t>
             </a:r>
             <a:r>
-              <a:rPr lang="en-US" baseline="30000" dirty="0" smtClean="0"/>
+              <a:rPr lang="en-US" baseline="30000" dirty="0"/>
               <a:t>st</a:t>
             </a:r>
             <a:r>
-              <a:rPr lang="en-US" dirty="0" smtClean="0"/>
-              <a:t>-	order derivatives)</a:t>
-            </a:r>
-            <a:r>
               <a:rPr lang="en-US" dirty="0"/>
-              <a:t>.</a:t>
-            </a:r>
-            <a:endParaRPr lang="en-US" dirty="0" smtClean="0"/>
+              <a:t>-	order derivatives).</a:t>
+            </a:r>
           </a:p>
           <a:p>
             <a:pPr marL="0" indent="0">
@@ -9363,18 +9491,14 @@
             </a:pPr>
             <a:r>
               <a:rPr lang="en-US" dirty="0"/>
-              <a:t>	</a:t>
-            </a:r>
-            <a:r>
-              <a:rPr lang="en-US" dirty="0" smtClean="0"/>
-              <a:t>The 2</a:t>
-            </a:r>
-            <a:r>
-              <a:rPr lang="en-US" baseline="30000" dirty="0" smtClean="0"/>
+              <a:t>	The 2</a:t>
+            </a:r>
+            <a:r>
+              <a:rPr lang="en-US" baseline="30000" dirty="0"/>
               <a:t>nd</a:t>
             </a:r>
             <a:r>
-              <a:rPr lang="en-US" dirty="0" smtClean="0"/>
+              <a:rPr lang="en-US" dirty="0"/>
               <a:t>-order derivatives are computed using an approximation 	which is only true near the minimum. </a:t>
             </a:r>
           </a:p>
@@ -9389,7 +9513,7 @@
               <a:buNone/>
             </a:pPr>
             <a:r>
-              <a:rPr lang="en-US" dirty="0" smtClean="0"/>
+              <a:rPr lang="en-US" dirty="0"/>
               <a:t>	Near the minimum convergence is very fast and does not suffer 	from overshoot.</a:t>
             </a:r>
           </a:p>
@@ -9446,14 +9570,13 @@
           <a:lstStyle/>
           <a:p>
             <a:r>
-              <a:rPr lang="en-US" dirty="0" err="1" smtClean="0"/>
+              <a:rPr lang="en-US" dirty="0" err="1"/>
               <a:t>Levenberg</a:t>
             </a:r>
             <a:r>
-              <a:rPr lang="en-US" dirty="0" smtClean="0"/>
+              <a:rPr lang="en-US" dirty="0"/>
               <a:t>-Marquardt</a:t>
             </a:r>
-            <a:endParaRPr lang="en-US" dirty="0"/>
           </a:p>
         </p:txBody>
       </p:sp>
@@ -9480,14 +9603,14 @@
           <a:lstStyle/>
           <a:p>
             <a:r>
-              <a:rPr lang="en-US" dirty="0" smtClean="0"/>
+              <a:rPr lang="en-US" dirty="0"/>
               <a:t>Gradient decent and Gauss-newton are rarely used on their own.</a:t>
             </a:r>
           </a:p>
           <a:p>
             <a:pPr lvl="1"/>
             <a:r>
-              <a:rPr lang="en-US" dirty="0" smtClean="0">
+              <a:rPr lang="en-US" dirty="0">
                 <a:solidFill>
                   <a:srgbClr val="FF0000"/>
                 </a:solidFill>
@@ -9498,21 +9621,21 @@
           <a:p>
             <a:pPr lvl="2"/>
             <a:r>
-              <a:rPr lang="en-US" dirty="0" smtClean="0"/>
+              <a:rPr lang="en-US" dirty="0"/>
               <a:t>Fast when its far away from minimum</a:t>
             </a:r>
           </a:p>
           <a:p>
             <a:pPr lvl="2"/>
             <a:r>
-              <a:rPr lang="en-US" dirty="0" smtClean="0"/>
+              <a:rPr lang="en-US" dirty="0"/>
               <a:t>Converges slowly when close to the minimum</a:t>
             </a:r>
           </a:p>
           <a:p>
             <a:pPr lvl="1"/>
             <a:r>
-              <a:rPr lang="en-US" dirty="0" smtClean="0">
+              <a:rPr lang="en-US" dirty="0">
                 <a:solidFill>
                   <a:srgbClr val="FF0000"/>
                 </a:solidFill>
@@ -9523,14 +9646,14 @@
           <a:p>
             <a:pPr lvl="2"/>
             <a:r>
-              <a:rPr lang="en-US" dirty="0" smtClean="0"/>
+              <a:rPr lang="en-US" dirty="0"/>
               <a:t>Inaccurate when its far away from the minimum</a:t>
             </a:r>
           </a:p>
           <a:p>
             <a:pPr lvl="2"/>
             <a:r>
-              <a:rPr lang="en-US" dirty="0" smtClean="0"/>
+              <a:rPr lang="en-US" dirty="0"/>
               <a:t>Converges rapidly and accurately near the minimum</a:t>
             </a:r>
           </a:p>
@@ -9545,7 +9668,7 @@
               <a:buNone/>
             </a:pPr>
             <a:r>
-              <a:rPr lang="en-US" dirty="0" smtClean="0"/>
+              <a:rPr lang="en-US" dirty="0"/>
               <a:t>Why not combine them? Ge the best of all worlds, we just need to be carful has we transition from one method to the other.</a:t>
             </a:r>
           </a:p>
@@ -9560,7 +9683,7 @@
               <a:buNone/>
             </a:pPr>
             <a:r>
-              <a:rPr lang="en-US" dirty="0" smtClean="0"/>
+              <a:rPr lang="en-US" dirty="0"/>
               <a:t>At the start we’ll use Gradient decent, near the minimum we’ll use Gauss-Newton. </a:t>
             </a:r>
           </a:p>
@@ -9574,7 +9697,7 @@
             <a:pPr marL="0" indent="0">
               <a:buNone/>
             </a:pPr>
-            <a:endParaRPr lang="en-US" dirty="0" smtClean="0"/>
+            <a:endParaRPr lang="en-US" dirty="0"/>
           </a:p>
           <a:p>
             <a:pPr lvl="1"/>
@@ -9628,10 +9751,9 @@
           <a:lstStyle/>
           <a:p>
             <a:r>
-              <a:rPr lang="en-US" dirty="0" smtClean="0"/>
+              <a:rPr lang="en-US" dirty="0"/>
               <a:t>Let’s do some parameter fitting!</a:t>
             </a:r>
-            <a:endParaRPr lang="en-US" dirty="0"/>
           </a:p>
         </p:txBody>
       </p:sp>
@@ -9651,7 +9773,7 @@
           <a:lstStyle/>
           <a:p>
             <a:r>
-              <a:rPr lang="en-US" dirty="0" smtClean="0"/>
+              <a:rPr lang="en-US" dirty="0"/>
               <a:t>Start with a very simple model: S1 -&gt; S2 with v = k1*S1</a:t>
             </a:r>
           </a:p>
@@ -9663,7 +9785,7 @@
               <a:buNone/>
             </a:pPr>
             <a:r>
-              <a:rPr lang="en-US" dirty="0" smtClean="0"/>
+              <a:rPr lang="en-US" dirty="0"/>
               <a:t>The objective is to fit this model to some date in order to estimate k1</a:t>
             </a:r>
           </a:p>
@@ -9671,17 +9793,16 @@
             <a:pPr marL="0" indent="0">
               <a:buNone/>
             </a:pPr>
-            <a:endParaRPr lang="en-US" dirty="0" smtClean="0"/>
+            <a:endParaRPr lang="en-US" dirty="0"/>
           </a:p>
           <a:p>
             <a:pPr marL="0" indent="0">
               <a:buNone/>
             </a:pPr>
             <a:r>
-              <a:rPr lang="en-US" dirty="0" smtClean="0"/>
+              <a:rPr lang="en-US" dirty="0"/>
               <a:t>The first thing we need to do is create some ‘experimental data’</a:t>
             </a:r>
-            <a:endParaRPr lang="en-US" dirty="0"/>
           </a:p>
           <a:p>
             <a:pPr marL="0" indent="0">
@@ -9737,10 +9858,9 @@
           <a:lstStyle/>
           <a:p>
             <a:r>
-              <a:rPr lang="en-US" dirty="0" smtClean="0"/>
+              <a:rPr lang="en-US" dirty="0"/>
               <a:t>Let’s do some parameter fitting!</a:t>
             </a:r>
-            <a:endParaRPr lang="en-US" dirty="0"/>
           </a:p>
         </p:txBody>
       </p:sp>
@@ -9765,7 +9885,7 @@
               <a:buNone/>
             </a:pPr>
             <a:r>
-              <a:rPr lang="en-US" sz="2400" b="1" dirty="0" smtClean="0">
+              <a:rPr lang="en-US" sz="2400" b="1" dirty="0">
                 <a:latin typeface="Courier New" panose="02070309020205020404" pitchFamily="49" charset="0"/>
                 <a:cs typeface="Courier New" panose="02070309020205020404" pitchFamily="49" charset="0"/>
               </a:rPr>
@@ -9776,7 +9896,7 @@
             <a:pPr marL="0" indent="0">
               <a:buNone/>
             </a:pPr>
-            <a:endParaRPr lang="en-US" sz="2400" b="1" dirty="0" smtClean="0">
+            <a:endParaRPr lang="en-US" sz="2400" b="1" dirty="0">
               <a:latin typeface="Courier New" panose="02070309020205020404" pitchFamily="49" charset="0"/>
               <a:cs typeface="Courier New" panose="02070309020205020404" pitchFamily="49" charset="0"/>
             </a:endParaRPr>
@@ -9786,20 +9906,20 @@
               <a:buNone/>
             </a:pPr>
             <a:r>
-              <a:rPr lang="en-US" sz="2400" b="1" dirty="0" smtClean="0">
+              <a:rPr lang="en-US" sz="2400" b="1" dirty="0">
                 <a:latin typeface="Courier New" panose="02070309020205020404" pitchFamily="49" charset="0"/>
                 <a:cs typeface="Courier New" panose="02070309020205020404" pitchFamily="49" charset="0"/>
               </a:rPr>
               <a:t>import tellurium as </a:t>
             </a:r>
             <a:r>
-              <a:rPr lang="en-US" sz="2400" b="1" dirty="0" err="1" smtClean="0">
+              <a:rPr lang="en-US" sz="2400" b="1" dirty="0" err="1">
                 <a:latin typeface="Courier New" panose="02070309020205020404" pitchFamily="49" charset="0"/>
                 <a:cs typeface="Courier New" panose="02070309020205020404" pitchFamily="49" charset="0"/>
               </a:rPr>
               <a:t>te</a:t>
             </a:r>
-            <a:endParaRPr lang="en-US" sz="2400" b="1" dirty="0" smtClean="0">
+            <a:endParaRPr lang="en-US" sz="2400" b="1" dirty="0">
               <a:latin typeface="Courier New" panose="02070309020205020404" pitchFamily="49" charset="0"/>
               <a:cs typeface="Courier New" panose="02070309020205020404" pitchFamily="49" charset="0"/>
             </a:endParaRPr>
@@ -9809,21 +9929,21 @@
               <a:buNone/>
             </a:pPr>
             <a:r>
-              <a:rPr lang="en-US" sz="2400" b="1" dirty="0" smtClean="0">
+              <a:rPr lang="en-US" sz="2400" b="1" dirty="0">
                 <a:latin typeface="Courier New" panose="02070309020205020404" pitchFamily="49" charset="0"/>
                 <a:cs typeface="Courier New" panose="02070309020205020404" pitchFamily="49" charset="0"/>
               </a:rPr>
               <a:t>import </a:t>
             </a:r>
             <a:r>
-              <a:rPr lang="en-US" sz="2400" b="1" dirty="0" err="1" smtClean="0">
+              <a:rPr lang="en-US" sz="2400" b="1" dirty="0" err="1">
                 <a:latin typeface="Courier New" panose="02070309020205020404" pitchFamily="49" charset="0"/>
                 <a:cs typeface="Courier New" panose="02070309020205020404" pitchFamily="49" charset="0"/>
               </a:rPr>
               <a:t>numpy</a:t>
             </a:r>
             <a:r>
-              <a:rPr lang="en-US" sz="2400" b="1" dirty="0" smtClean="0">
+              <a:rPr lang="en-US" sz="2400" b="1" dirty="0">
                 <a:latin typeface="Courier New" panose="02070309020205020404" pitchFamily="49" charset="0"/>
                 <a:cs typeface="Courier New" panose="02070309020205020404" pitchFamily="49" charset="0"/>
               </a:rPr>
@@ -9835,21 +9955,21 @@
               <a:buNone/>
             </a:pPr>
             <a:r>
-              <a:rPr lang="en-US" sz="2400" b="1" dirty="0" smtClean="0">
+              <a:rPr lang="en-US" sz="2400" b="1" dirty="0">
                 <a:latin typeface="Courier New" panose="02070309020205020404" pitchFamily="49" charset="0"/>
                 <a:cs typeface="Courier New" panose="02070309020205020404" pitchFamily="49" charset="0"/>
               </a:rPr>
               <a:t>import </a:t>
             </a:r>
             <a:r>
-              <a:rPr lang="en-US" sz="2400" b="1" dirty="0" err="1" smtClean="0">
+              <a:rPr lang="en-US" sz="2400" b="1" dirty="0" err="1">
                 <a:latin typeface="Courier New" panose="02070309020205020404" pitchFamily="49" charset="0"/>
                 <a:cs typeface="Courier New" panose="02070309020205020404" pitchFamily="49" charset="0"/>
               </a:rPr>
               <a:t>lmfit</a:t>
             </a:r>
             <a:r>
-              <a:rPr lang="en-US" sz="2400" b="1" dirty="0" smtClean="0">
+              <a:rPr lang="en-US" sz="2400" b="1" dirty="0">
                 <a:latin typeface="Courier New" panose="02070309020205020404" pitchFamily="49" charset="0"/>
                 <a:cs typeface="Courier New" panose="02070309020205020404" pitchFamily="49" charset="0"/>
               </a:rPr>
@@ -9861,14 +9981,14 @@
               <a:buNone/>
             </a:pPr>
             <a:r>
-              <a:rPr lang="en-US" sz="2400" b="1" dirty="0" err="1" smtClean="0">
+              <a:rPr lang="en-US" sz="2400" b="1" dirty="0" err="1">
                 <a:latin typeface="Courier New" panose="02070309020205020404" pitchFamily="49" charset="0"/>
                 <a:cs typeface="Courier New" panose="02070309020205020404" pitchFamily="49" charset="0"/>
               </a:rPr>
               <a:t>imort</a:t>
             </a:r>
             <a:r>
-              <a:rPr lang="en-US" sz="2400" b="1" dirty="0" smtClean="0">
+              <a:rPr lang="en-US" sz="2400" b="1" dirty="0">
                 <a:latin typeface="Courier New" panose="02070309020205020404" pitchFamily="49" charset="0"/>
                 <a:cs typeface="Courier New" panose="02070309020205020404" pitchFamily="49" charset="0"/>
               </a:rPr>
@@ -9880,7 +10000,7 @@
               <a:buNone/>
             </a:pPr>
             <a:r>
-              <a:rPr lang="en-US" sz="2400" b="1" dirty="0" smtClean="0">
+              <a:rPr lang="en-US" sz="2400" b="1" dirty="0">
                 <a:latin typeface="Courier New" panose="02070309020205020404" pitchFamily="49" charset="0"/>
                 <a:cs typeface="Courier New" panose="02070309020205020404" pitchFamily="49" charset="0"/>
               </a:rPr>
@@ -9892,34 +10012,34 @@
               <a:buNone/>
             </a:pPr>
             <a:r>
-              <a:rPr lang="en-US" sz="2400" b="1" dirty="0" smtClean="0">
+              <a:rPr lang="en-US" sz="2400" b="1" dirty="0">
                 <a:latin typeface="Courier New" panose="02070309020205020404" pitchFamily="49" charset="0"/>
                 <a:cs typeface="Courier New" panose="02070309020205020404" pitchFamily="49" charset="0"/>
               </a:rPr>
               <a:t>import </a:t>
             </a:r>
             <a:r>
-              <a:rPr lang="en-US" sz="2400" b="1" dirty="0" err="1" smtClean="0">
+              <a:rPr lang="en-US" sz="2400" b="1" dirty="0" err="1">
                 <a:latin typeface="Courier New" panose="02070309020205020404" pitchFamily="49" charset="0"/>
                 <a:cs typeface="Courier New" panose="02070309020205020404" pitchFamily="49" charset="0"/>
               </a:rPr>
               <a:t>pylab</a:t>
             </a:r>
             <a:r>
-              <a:rPr lang="en-US" sz="2400" b="1" dirty="0" smtClean="0">
+              <a:rPr lang="en-US" sz="2400" b="1" dirty="0">
                 <a:latin typeface="Courier New" panose="02070309020205020404" pitchFamily="49" charset="0"/>
                 <a:cs typeface="Courier New" panose="02070309020205020404" pitchFamily="49" charset="0"/>
               </a:rPr>
               <a:t> as </a:t>
             </a:r>
             <a:r>
-              <a:rPr lang="en-US" sz="2400" b="1" dirty="0" err="1" smtClean="0">
+              <a:rPr lang="en-US" sz="2400" b="1" dirty="0" err="1">
                 <a:latin typeface="Courier New" panose="02070309020205020404" pitchFamily="49" charset="0"/>
                 <a:cs typeface="Courier New" panose="02070309020205020404" pitchFamily="49" charset="0"/>
               </a:rPr>
               <a:t>plt</a:t>
             </a:r>
-            <a:endParaRPr lang="en-US" sz="2400" b="1" dirty="0" smtClean="0">
+            <a:endParaRPr lang="en-US" sz="2400" b="1" dirty="0">
               <a:latin typeface="Courier New" panose="02070309020205020404" pitchFamily="49" charset="0"/>
               <a:cs typeface="Courier New" panose="02070309020205020404" pitchFamily="49" charset="0"/>
             </a:endParaRPr>
@@ -9972,10 +10092,9 @@
           <a:lstStyle/>
           <a:p>
             <a:r>
-              <a:rPr lang="en-US" dirty="0" smtClean="0"/>
+              <a:rPr lang="en-US" dirty="0"/>
               <a:t>Let’s do some parameter fitting!</a:t>
             </a:r>
-            <a:endParaRPr lang="en-US" dirty="0"/>
           </a:p>
         </p:txBody>
       </p:sp>
@@ -10000,7 +10119,7 @@
               <a:buNone/>
             </a:pPr>
             <a:r>
-              <a:rPr lang="en-US" sz="2400" b="1" dirty="0" smtClean="0">
+              <a:rPr lang="en-US" sz="2400" b="1" dirty="0">
                 <a:latin typeface="Courier New" panose="02070309020205020404" pitchFamily="49" charset="0"/>
                 <a:cs typeface="Courier New" panose="02070309020205020404" pitchFamily="49" charset="0"/>
               </a:rPr>
@@ -10011,7 +10130,7 @@
             <a:pPr marL="0" indent="0">
               <a:buNone/>
             </a:pPr>
-            <a:endParaRPr lang="pt-BR" sz="2400" b="1" dirty="0" smtClean="0">
+            <a:endParaRPr lang="pt-BR" sz="2400" b="1" dirty="0">
               <a:latin typeface="Courier New" panose="02070309020205020404" pitchFamily="49" charset="0"/>
               <a:cs typeface="Courier New" panose="02070309020205020404" pitchFamily="49" charset="0"/>
             </a:endParaRPr>
@@ -10021,7 +10140,7 @@
               <a:buNone/>
             </a:pPr>
             <a:r>
-              <a:rPr lang="pt-BR" sz="2400" b="1" dirty="0" smtClean="0">
+              <a:rPr lang="pt-BR" sz="2400" b="1" dirty="0">
                 <a:latin typeface="Courier New" panose="02070309020205020404" pitchFamily="49" charset="0"/>
                 <a:cs typeface="Courier New" panose="02070309020205020404" pitchFamily="49" charset="0"/>
               </a:rPr>
@@ -10033,7 +10152,7 @@
               <a:buNone/>
             </a:pPr>
             <a:r>
-              <a:rPr lang="pt-BR" sz="2400" b="1" dirty="0" smtClean="0">
+              <a:rPr lang="pt-BR" sz="2400" b="1" dirty="0">
                 <a:latin typeface="Courier New" panose="02070309020205020404" pitchFamily="49" charset="0"/>
                 <a:cs typeface="Courier New" panose="02070309020205020404" pitchFamily="49" charset="0"/>
               </a:rPr>
@@ -10045,7 +10164,7 @@
               <a:buNone/>
             </a:pPr>
             <a:r>
-              <a:rPr lang="pt-BR" sz="2400" b="1" dirty="0" smtClean="0">
+              <a:rPr lang="pt-BR" sz="2400" b="1" dirty="0">
                 <a:latin typeface="Courier New" panose="02070309020205020404" pitchFamily="49" charset="0"/>
                 <a:cs typeface="Courier New" panose="02070309020205020404" pitchFamily="49" charset="0"/>
               </a:rPr>
@@ -10057,7 +10176,7 @@
               <a:buNone/>
             </a:pPr>
             <a:r>
-              <a:rPr lang="pt-BR" sz="2400" b="1" dirty="0" smtClean="0">
+              <a:rPr lang="pt-BR" sz="2400" b="1" dirty="0">
                 <a:latin typeface="Courier New" panose="02070309020205020404" pitchFamily="49" charset="0"/>
                 <a:cs typeface="Courier New" panose="02070309020205020404" pitchFamily="49" charset="0"/>
               </a:rPr>
@@ -10069,7 +10188,7 @@
               <a:buNone/>
             </a:pPr>
             <a:r>
-              <a:rPr lang="pt-BR" sz="2400" b="1" dirty="0" smtClean="0">
+              <a:rPr lang="pt-BR" sz="2400" b="1" dirty="0">
                 <a:latin typeface="Courier New" panose="02070309020205020404" pitchFamily="49" charset="0"/>
                 <a:cs typeface="Courier New" panose="02070309020205020404" pitchFamily="49" charset="0"/>
               </a:rPr>
@@ -10081,7 +10200,7 @@
               <a:buNone/>
             </a:pPr>
             <a:r>
-              <a:rPr lang="pt-BR" sz="2400" b="1" dirty="0" smtClean="0">
+              <a:rPr lang="pt-BR" sz="2400" b="1" dirty="0">
                 <a:latin typeface="Courier New" panose="02070309020205020404" pitchFamily="49" charset="0"/>
                 <a:cs typeface="Courier New" panose="02070309020205020404" pitchFamily="49" charset="0"/>
               </a:rPr>
@@ -10092,7 +10211,7 @@
             <a:pPr marL="0" indent="0">
               <a:buNone/>
             </a:pPr>
-            <a:endParaRPr lang="pt-BR" sz="2400" b="1" dirty="0" smtClean="0">
+            <a:endParaRPr lang="pt-BR" sz="2400" b="1" dirty="0">
               <a:latin typeface="Courier New" panose="02070309020205020404" pitchFamily="49" charset="0"/>
               <a:cs typeface="Courier New" panose="02070309020205020404" pitchFamily="49" charset="0"/>
             </a:endParaRPr>
@@ -10102,7 +10221,7 @@
               <a:buNone/>
             </a:pPr>
             <a:r>
-              <a:rPr lang="pt-BR" sz="2400" b="1" dirty="0" smtClean="0">
+              <a:rPr lang="pt-BR" sz="2400" b="1" dirty="0">
                 <a:latin typeface="Courier New" panose="02070309020205020404" pitchFamily="49" charset="0"/>
                 <a:cs typeface="Courier New" panose="02070309020205020404" pitchFamily="49" charset="0"/>
               </a:rPr>
@@ -10114,13 +10233,13 @@
               <a:buNone/>
             </a:pPr>
             <a:r>
-              <a:rPr lang="pt-BR" sz="2400" b="1" dirty="0" smtClean="0">
+              <a:rPr lang="pt-BR" sz="2400" b="1" dirty="0">
                 <a:latin typeface="Courier New" panose="02070309020205020404" pitchFamily="49" charset="0"/>
                 <a:cs typeface="Courier New" panose="02070309020205020404" pitchFamily="49" charset="0"/>
               </a:rPr>
               <a:t>nDataPoints = 5</a:t>
             </a:r>
-            <a:endParaRPr lang="en-US" sz="2400" b="1" dirty="0" smtClean="0">
+            <a:endParaRPr lang="en-US" sz="2400" b="1" dirty="0">
               <a:latin typeface="Courier New" panose="02070309020205020404" pitchFamily="49" charset="0"/>
               <a:cs typeface="Courier New" panose="02070309020205020404" pitchFamily="49" charset="0"/>
             </a:endParaRPr>
@@ -10173,10 +10292,9 @@
           <a:lstStyle/>
           <a:p>
             <a:r>
-              <a:rPr lang="en-US" dirty="0" smtClean="0"/>
+              <a:rPr lang="en-US" dirty="0"/>
               <a:t>Let’s do some parameter fitting!</a:t>
             </a:r>
-            <a:endParaRPr lang="en-US" dirty="0"/>
           </a:p>
         </p:txBody>
       </p:sp>
@@ -10206,7 +10324,7 @@
               <a:buNone/>
             </a:pPr>
             <a:r>
-              <a:rPr lang="en-US" sz="2400" b="1" dirty="0" smtClean="0">
+              <a:rPr lang="en-US" sz="2400" b="1" dirty="0">
                 <a:latin typeface="Courier New" panose="02070309020205020404" pitchFamily="49" charset="0"/>
                 <a:cs typeface="Courier New" panose="02070309020205020404" pitchFamily="49" charset="0"/>
               </a:rPr>
@@ -10217,7 +10335,7 @@
             <a:pPr marL="0" indent="0">
               <a:buNone/>
             </a:pPr>
-            <a:endParaRPr lang="en-US" sz="2400" b="1" dirty="0" smtClean="0">
+            <a:endParaRPr lang="en-US" sz="2400" b="1" dirty="0">
               <a:latin typeface="Courier New" panose="02070309020205020404" pitchFamily="49" charset="0"/>
               <a:cs typeface="Courier New" panose="02070309020205020404" pitchFamily="49" charset="0"/>
             </a:endParaRPr>
@@ -10227,49 +10345,49 @@
               <a:buNone/>
             </a:pPr>
             <a:r>
-              <a:rPr lang="en-US" sz="2400" b="1" dirty="0" smtClean="0">
+              <a:rPr lang="en-US" sz="2400" b="1" dirty="0">
                 <a:latin typeface="Courier New" panose="02070309020205020404" pitchFamily="49" charset="0"/>
                 <a:cs typeface="Courier New" panose="02070309020205020404" pitchFamily="49" charset="0"/>
               </a:rPr>
               <a:t>m = </a:t>
             </a:r>
             <a:r>
-              <a:rPr lang="en-US" sz="2400" b="1" dirty="0" err="1" smtClean="0">
+              <a:rPr lang="en-US" sz="2400" b="1" dirty="0" err="1">
                 <a:latin typeface="Courier New" panose="02070309020205020404" pitchFamily="49" charset="0"/>
                 <a:cs typeface="Courier New" panose="02070309020205020404" pitchFamily="49" charset="0"/>
               </a:rPr>
               <a:t>r.simulate</a:t>
             </a:r>
             <a:r>
-              <a:rPr lang="en-US" sz="2400" b="1" dirty="0" smtClean="0">
+              <a:rPr lang="en-US" sz="2400" b="1" dirty="0">
                 <a:latin typeface="Courier New" panose="02070309020205020404" pitchFamily="49" charset="0"/>
                 <a:cs typeface="Courier New" panose="02070309020205020404" pitchFamily="49" charset="0"/>
               </a:rPr>
               <a:t> (0, </a:t>
             </a:r>
             <a:r>
-              <a:rPr lang="en-US" sz="2400" b="1" dirty="0" err="1" smtClean="0">
+              <a:rPr lang="en-US" sz="2400" b="1" dirty="0" err="1">
                 <a:latin typeface="Courier New" panose="02070309020205020404" pitchFamily="49" charset="0"/>
                 <a:cs typeface="Courier New" panose="02070309020205020404" pitchFamily="49" charset="0"/>
               </a:rPr>
               <a:t>timeToSimulate</a:t>
             </a:r>
             <a:r>
-              <a:rPr lang="en-US" sz="2400" b="1" dirty="0" smtClean="0">
+              <a:rPr lang="en-US" sz="2400" b="1" dirty="0">
                 <a:latin typeface="Courier New" panose="02070309020205020404" pitchFamily="49" charset="0"/>
                 <a:cs typeface="Courier New" panose="02070309020205020404" pitchFamily="49" charset="0"/>
               </a:rPr>
               <a:t>, </a:t>
             </a:r>
             <a:r>
-              <a:rPr lang="en-US" sz="2400" b="1" dirty="0" err="1" smtClean="0">
+              <a:rPr lang="en-US" sz="2400" b="1" dirty="0" err="1">
                 <a:latin typeface="Courier New" panose="02070309020205020404" pitchFamily="49" charset="0"/>
                 <a:cs typeface="Courier New" panose="02070309020205020404" pitchFamily="49" charset="0"/>
               </a:rPr>
               <a:t>nDataPoints</a:t>
             </a:r>
             <a:r>
-              <a:rPr lang="en-US" sz="2400" b="1" dirty="0" smtClean="0">
+              <a:rPr lang="en-US" sz="2400" b="1" dirty="0">
                 <a:latin typeface="Courier New" panose="02070309020205020404" pitchFamily="49" charset="0"/>
                 <a:cs typeface="Courier New" panose="02070309020205020404" pitchFamily="49" charset="0"/>
               </a:rPr>
@@ -10281,7 +10399,7 @@
               <a:buNone/>
             </a:pPr>
             <a:r>
-              <a:rPr lang="en-US" sz="2400" b="1" dirty="0" smtClean="0">
+              <a:rPr lang="en-US" sz="2400" b="1" dirty="0">
                 <a:latin typeface="Courier New" panose="02070309020205020404" pitchFamily="49" charset="0"/>
                 <a:cs typeface="Courier New" panose="02070309020205020404" pitchFamily="49" charset="0"/>
               </a:rPr>
@@ -10293,14 +10411,14 @@
               <a:buNone/>
             </a:pPr>
             <a:r>
-              <a:rPr lang="en-US" sz="2400" b="1" dirty="0" err="1" smtClean="0">
+              <a:rPr lang="en-US" sz="2400" b="1" dirty="0" err="1">
                 <a:latin typeface="Courier New" panose="02070309020205020404" pitchFamily="49" charset="0"/>
                 <a:cs typeface="Courier New" panose="02070309020205020404" pitchFamily="49" charset="0"/>
               </a:rPr>
               <a:t>x_data</a:t>
             </a:r>
             <a:r>
-              <a:rPr lang="en-US" sz="2400" b="1" dirty="0" smtClean="0">
+              <a:rPr lang="en-US" sz="2400" b="1" dirty="0">
                 <a:latin typeface="Courier New" panose="02070309020205020404" pitchFamily="49" charset="0"/>
                 <a:cs typeface="Courier New" panose="02070309020205020404" pitchFamily="49" charset="0"/>
               </a:rPr>
@@ -10312,14 +10430,14 @@
               <a:buNone/>
             </a:pPr>
             <a:r>
-              <a:rPr lang="en-US" sz="2400" b="1" dirty="0" err="1" smtClean="0">
+              <a:rPr lang="en-US" sz="2400" b="1" dirty="0" err="1">
                 <a:latin typeface="Courier New" panose="02070309020205020404" pitchFamily="49" charset="0"/>
                 <a:cs typeface="Courier New" panose="02070309020205020404" pitchFamily="49" charset="0"/>
               </a:rPr>
               <a:t>y_data</a:t>
             </a:r>
             <a:r>
-              <a:rPr lang="en-US" sz="2400" b="1" dirty="0" smtClean="0">
+              <a:rPr lang="en-US" sz="2400" b="1" dirty="0">
                 <a:latin typeface="Courier New" panose="02070309020205020404" pitchFamily="49" charset="0"/>
                 <a:cs typeface="Courier New" panose="02070309020205020404" pitchFamily="49" charset="0"/>
               </a:rPr>
@@ -10330,7 +10448,7 @@
             <a:pPr marL="0" indent="0">
               <a:buNone/>
             </a:pPr>
-            <a:endParaRPr lang="en-US" sz="2400" b="1" dirty="0" smtClean="0">
+            <a:endParaRPr lang="en-US" sz="2400" b="1" dirty="0">
               <a:latin typeface="Courier New" panose="02070309020205020404" pitchFamily="49" charset="0"/>
               <a:cs typeface="Courier New" panose="02070309020205020404" pitchFamily="49" charset="0"/>
             </a:endParaRPr>
@@ -10340,35 +10458,35 @@
               <a:buNone/>
             </a:pPr>
             <a:r>
-              <a:rPr lang="en-US" sz="2400" b="1" dirty="0" smtClean="0">
+              <a:rPr lang="en-US" sz="2400" b="1" dirty="0">
                 <a:latin typeface="Courier New" panose="02070309020205020404" pitchFamily="49" charset="0"/>
                 <a:cs typeface="Courier New" panose="02070309020205020404" pitchFamily="49" charset="0"/>
               </a:rPr>
               <a:t>for </a:t>
             </a:r>
             <a:r>
-              <a:rPr lang="en-US" sz="2400" b="1" dirty="0" err="1" smtClean="0">
+              <a:rPr lang="en-US" sz="2400" b="1" dirty="0" err="1">
                 <a:latin typeface="Courier New" panose="02070309020205020404" pitchFamily="49" charset="0"/>
                 <a:cs typeface="Courier New" panose="02070309020205020404" pitchFamily="49" charset="0"/>
               </a:rPr>
               <a:t>i</a:t>
             </a:r>
             <a:r>
-              <a:rPr lang="en-US" sz="2400" b="1" dirty="0" smtClean="0">
+              <a:rPr lang="en-US" sz="2400" b="1" dirty="0">
                 <a:latin typeface="Courier New" panose="02070309020205020404" pitchFamily="49" charset="0"/>
                 <a:cs typeface="Courier New" panose="02070309020205020404" pitchFamily="49" charset="0"/>
               </a:rPr>
               <a:t> in range (</a:t>
             </a:r>
             <a:r>
-              <a:rPr lang="en-US" sz="2400" b="1" dirty="0" err="1" smtClean="0">
+              <a:rPr lang="en-US" sz="2400" b="1" dirty="0" err="1">
                 <a:latin typeface="Courier New" panose="02070309020205020404" pitchFamily="49" charset="0"/>
                 <a:cs typeface="Courier New" panose="02070309020205020404" pitchFamily="49" charset="0"/>
               </a:rPr>
               <a:t>nDataPoints</a:t>
             </a:r>
             <a:r>
-              <a:rPr lang="en-US" sz="2400" b="1" dirty="0" smtClean="0">
+              <a:rPr lang="en-US" sz="2400" b="1" dirty="0">
                 <a:latin typeface="Courier New" panose="02070309020205020404" pitchFamily="49" charset="0"/>
                 <a:cs typeface="Courier New" panose="02070309020205020404" pitchFamily="49" charset="0"/>
               </a:rPr>
@@ -10380,77 +10498,77 @@
               <a:buNone/>
             </a:pPr>
             <a:r>
-              <a:rPr lang="en-US" sz="2400" b="1" dirty="0" smtClean="0">
+              <a:rPr lang="en-US" sz="2400" b="1" dirty="0">
                 <a:latin typeface="Courier New" panose="02070309020205020404" pitchFamily="49" charset="0"/>
                 <a:cs typeface="Courier New" panose="02070309020205020404" pitchFamily="49" charset="0"/>
               </a:rPr>
               <a:t>    </a:t>
             </a:r>
             <a:r>
-              <a:rPr lang="en-US" sz="2400" b="1" dirty="0" err="1" smtClean="0">
+              <a:rPr lang="en-US" sz="2400" b="1" dirty="0" err="1">
                 <a:latin typeface="Courier New" panose="02070309020205020404" pitchFamily="49" charset="0"/>
                 <a:cs typeface="Courier New" panose="02070309020205020404" pitchFamily="49" charset="0"/>
               </a:rPr>
               <a:t>y_data</a:t>
             </a:r>
             <a:r>
-              <a:rPr lang="en-US" sz="2400" b="1" dirty="0" smtClean="0">
+              <a:rPr lang="en-US" sz="2400" b="1" dirty="0">
                 <a:latin typeface="Courier New" panose="02070309020205020404" pitchFamily="49" charset="0"/>
                 <a:cs typeface="Courier New" panose="02070309020205020404" pitchFamily="49" charset="0"/>
               </a:rPr>
               <a:t>[</a:t>
             </a:r>
             <a:r>
-              <a:rPr lang="en-US" sz="2400" b="1" dirty="0" err="1" smtClean="0">
+              <a:rPr lang="en-US" sz="2400" b="1" dirty="0" err="1">
                 <a:latin typeface="Courier New" panose="02070309020205020404" pitchFamily="49" charset="0"/>
                 <a:cs typeface="Courier New" panose="02070309020205020404" pitchFamily="49" charset="0"/>
               </a:rPr>
               <a:t>i</a:t>
             </a:r>
             <a:r>
-              <a:rPr lang="en-US" sz="2400" b="1" dirty="0" smtClean="0">
+              <a:rPr lang="en-US" sz="2400" b="1" dirty="0">
                 <a:latin typeface="Courier New" panose="02070309020205020404" pitchFamily="49" charset="0"/>
                 <a:cs typeface="Courier New" panose="02070309020205020404" pitchFamily="49" charset="0"/>
               </a:rPr>
               <a:t>] = </a:t>
             </a:r>
             <a:r>
-              <a:rPr lang="en-US" sz="2400" b="1" dirty="0" err="1" smtClean="0">
+              <a:rPr lang="en-US" sz="2400" b="1" dirty="0" err="1">
                 <a:latin typeface="Courier New" panose="02070309020205020404" pitchFamily="49" charset="0"/>
                 <a:cs typeface="Courier New" panose="02070309020205020404" pitchFamily="49" charset="0"/>
               </a:rPr>
               <a:t>y_data</a:t>
             </a:r>
             <a:r>
-              <a:rPr lang="en-US" sz="2400" b="1" dirty="0" smtClean="0">
+              <a:rPr lang="en-US" sz="2400" b="1" dirty="0">
                 <a:latin typeface="Courier New" panose="02070309020205020404" pitchFamily="49" charset="0"/>
                 <a:cs typeface="Courier New" panose="02070309020205020404" pitchFamily="49" charset="0"/>
               </a:rPr>
               <a:t>[</a:t>
             </a:r>
             <a:r>
-              <a:rPr lang="en-US" sz="2400" b="1" dirty="0" err="1" smtClean="0">
+              <a:rPr lang="en-US" sz="2400" b="1" dirty="0" err="1">
                 <a:latin typeface="Courier New" panose="02070309020205020404" pitchFamily="49" charset="0"/>
                 <a:cs typeface="Courier New" panose="02070309020205020404" pitchFamily="49" charset="0"/>
               </a:rPr>
               <a:t>i</a:t>
             </a:r>
             <a:r>
-              <a:rPr lang="en-US" sz="2400" b="1" dirty="0" smtClean="0">
+              <a:rPr lang="en-US" sz="2400" b="1" dirty="0">
                 <a:latin typeface="Courier New" panose="02070309020205020404" pitchFamily="49" charset="0"/>
                 <a:cs typeface="Courier New" panose="02070309020205020404" pitchFamily="49" charset="0"/>
               </a:rPr>
               <a:t>] + </a:t>
             </a:r>
             <a:r>
-              <a:rPr lang="en-US" sz="2400" b="1" dirty="0" err="1" smtClean="0">
+              <a:rPr lang="en-US" sz="2400" b="1" dirty="0" err="1">
                 <a:latin typeface="Courier New" panose="02070309020205020404" pitchFamily="49" charset="0"/>
                 <a:cs typeface="Courier New" panose="02070309020205020404" pitchFamily="49" charset="0"/>
               </a:rPr>
               <a:t>np.random.normal</a:t>
             </a:r>
             <a:r>
-              <a:rPr lang="en-US" sz="2400" b="1" dirty="0" smtClean="0">
+              <a:rPr lang="en-US" sz="2400" b="1" dirty="0">
                 <a:latin typeface="Courier New" panose="02070309020205020404" pitchFamily="49" charset="0"/>
                 <a:cs typeface="Courier New" panose="02070309020205020404" pitchFamily="49" charset="0"/>
               </a:rPr>
@@ -10461,7 +10579,7 @@
             <a:pPr marL="0" indent="0">
               <a:buNone/>
             </a:pPr>
-            <a:endParaRPr lang="en-US" sz="2400" b="1" dirty="0" smtClean="0">
+            <a:endParaRPr lang="en-US" sz="2400" b="1" dirty="0">
               <a:latin typeface="Courier New" panose="02070309020205020404" pitchFamily="49" charset="0"/>
               <a:cs typeface="Courier New" panose="02070309020205020404" pitchFamily="49" charset="0"/>
             </a:endParaRPr>
@@ -10471,7 +10589,7 @@
               <a:buNone/>
             </a:pPr>
             <a:r>
-              <a:rPr lang="en-US" sz="2400" b="1" dirty="0" smtClean="0">
+              <a:rPr lang="en-US" sz="2400" b="1" dirty="0">
                 <a:latin typeface="Courier New" panose="02070309020205020404" pitchFamily="49" charset="0"/>
                 <a:cs typeface="Courier New" panose="02070309020205020404" pitchFamily="49" charset="0"/>
               </a:rPr>
@@ -10483,56 +10601,56 @@
               <a:buNone/>
             </a:pPr>
             <a:r>
-              <a:rPr lang="en-US" sz="2400" b="1" dirty="0" err="1" smtClean="0">
+              <a:rPr lang="en-US" sz="2400" b="1" dirty="0" err="1">
                 <a:latin typeface="Courier New" panose="02070309020205020404" pitchFamily="49" charset="0"/>
                 <a:cs typeface="Courier New" panose="02070309020205020404" pitchFamily="49" charset="0"/>
               </a:rPr>
               <a:t>plt.plot</a:t>
             </a:r>
             <a:r>
-              <a:rPr lang="en-US" sz="2400" b="1" dirty="0" smtClean="0">
+              <a:rPr lang="en-US" sz="2400" b="1" dirty="0">
                 <a:latin typeface="Courier New" panose="02070309020205020404" pitchFamily="49" charset="0"/>
                 <a:cs typeface="Courier New" panose="02070309020205020404" pitchFamily="49" charset="0"/>
               </a:rPr>
               <a:t> (</a:t>
             </a:r>
             <a:r>
-              <a:rPr lang="en-US" sz="2400" b="1" dirty="0" err="1" smtClean="0">
+              <a:rPr lang="en-US" sz="2400" b="1" dirty="0" err="1">
                 <a:latin typeface="Courier New" panose="02070309020205020404" pitchFamily="49" charset="0"/>
                 <a:cs typeface="Courier New" panose="02070309020205020404" pitchFamily="49" charset="0"/>
               </a:rPr>
               <a:t>x_data</a:t>
             </a:r>
             <a:r>
-              <a:rPr lang="en-US" sz="2400" b="1" dirty="0" smtClean="0">
+              <a:rPr lang="en-US" sz="2400" b="1" dirty="0">
                 <a:latin typeface="Courier New" panose="02070309020205020404" pitchFamily="49" charset="0"/>
                 <a:cs typeface="Courier New" panose="02070309020205020404" pitchFamily="49" charset="0"/>
               </a:rPr>
               <a:t>, </a:t>
             </a:r>
             <a:r>
-              <a:rPr lang="en-US" sz="2400" b="1" dirty="0" err="1" smtClean="0">
+              <a:rPr lang="en-US" sz="2400" b="1" dirty="0" err="1">
                 <a:latin typeface="Courier New" panose="02070309020205020404" pitchFamily="49" charset="0"/>
                 <a:cs typeface="Courier New" panose="02070309020205020404" pitchFamily="49" charset="0"/>
               </a:rPr>
               <a:t>y_data</a:t>
             </a:r>
             <a:r>
-              <a:rPr lang="en-US" sz="2400" b="1" dirty="0" smtClean="0">
+              <a:rPr lang="en-US" sz="2400" b="1" dirty="0">
                 <a:latin typeface="Courier New" panose="02070309020205020404" pitchFamily="49" charset="0"/>
                 <a:cs typeface="Courier New" panose="02070309020205020404" pitchFamily="49" charset="0"/>
               </a:rPr>
               <a:t>, marker='*', </a:t>
             </a:r>
             <a:r>
-              <a:rPr lang="en-US" sz="2400" b="1" dirty="0" err="1" smtClean="0">
+              <a:rPr lang="en-US" sz="2400" b="1" dirty="0" err="1">
                 <a:latin typeface="Courier New" panose="02070309020205020404" pitchFamily="49" charset="0"/>
                 <a:cs typeface="Courier New" panose="02070309020205020404" pitchFamily="49" charset="0"/>
               </a:rPr>
               <a:t>linestyle</a:t>
             </a:r>
             <a:r>
-              <a:rPr lang="en-US" sz="2400" b="1" dirty="0" smtClean="0">
+              <a:rPr lang="en-US" sz="2400" b="1" dirty="0">
                 <a:latin typeface="Courier New" panose="02070309020205020404" pitchFamily="49" charset="0"/>
                 <a:cs typeface="Courier New" panose="02070309020205020404" pitchFamily="49" charset="0"/>
               </a:rPr>
@@ -10544,14 +10662,14 @@
               <a:buNone/>
             </a:pPr>
             <a:r>
-              <a:rPr lang="en-US" sz="2400" b="1" dirty="0" err="1" smtClean="0">
+              <a:rPr lang="en-US" sz="2400" b="1" dirty="0" err="1">
                 <a:latin typeface="Courier New" panose="02070309020205020404" pitchFamily="49" charset="0"/>
                 <a:cs typeface="Courier New" panose="02070309020205020404" pitchFamily="49" charset="0"/>
               </a:rPr>
               <a:t>plt.show</a:t>
             </a:r>
             <a:r>
-              <a:rPr lang="en-US" sz="2400" b="1" dirty="0" smtClean="0">
+              <a:rPr lang="en-US" sz="2400" b="1" dirty="0">
                 <a:latin typeface="Courier New" panose="02070309020205020404" pitchFamily="49" charset="0"/>
                 <a:cs typeface="Courier New" panose="02070309020205020404" pitchFamily="49" charset="0"/>
               </a:rPr>
@@ -10562,7 +10680,7 @@
             <a:pPr marL="0" indent="0">
               <a:buNone/>
             </a:pPr>
-            <a:endParaRPr lang="en-US" sz="2400" b="1" dirty="0" smtClean="0">
+            <a:endParaRPr lang="en-US" sz="2400" b="1" dirty="0">
               <a:latin typeface="Courier New" panose="02070309020205020404" pitchFamily="49" charset="0"/>
               <a:cs typeface="Courier New" panose="02070309020205020404" pitchFamily="49" charset="0"/>
             </a:endParaRPr>
@@ -10615,10 +10733,9 @@
           <a:lstStyle/>
           <a:p>
             <a:r>
-              <a:rPr lang="en-US" dirty="0" smtClean="0"/>
+              <a:rPr lang="en-US" dirty="0"/>
               <a:t>Linear Regression</a:t>
             </a:r>
-            <a:endParaRPr lang="en-US" dirty="0"/>
           </a:p>
         </p:txBody>
       </p:sp>
@@ -10643,10 +10760,9 @@
           <a:lstStyle/>
           <a:p>
             <a:r>
-              <a:rPr lang="en-US" dirty="0" smtClean="0"/>
+              <a:rPr lang="en-US" dirty="0"/>
               <a:t>You’re probably most familiar with this kind of fitting, linear regression</a:t>
             </a:r>
-            <a:endParaRPr lang="en-US" dirty="0"/>
           </a:p>
         </p:txBody>
       </p:sp>
@@ -10738,18 +10854,13 @@
           <a:lstStyle/>
           <a:p>
             <a:r>
-              <a:rPr lang="en-US" sz="2800" dirty="0" smtClean="0">
+              <a:rPr lang="en-US" sz="2800" dirty="0">
                 <a:solidFill>
                   <a:srgbClr val="FF0000"/>
                 </a:solidFill>
               </a:rPr>
               <a:t>The Model</a:t>
             </a:r>
-            <a:endParaRPr lang="en-US" sz="2800" dirty="0">
-              <a:solidFill>
-                <a:srgbClr val="FF0000"/>
-              </a:solidFill>
-            </a:endParaRPr>
           </a:p>
         </p:txBody>
       </p:sp>
@@ -10776,18 +10887,13 @@
           <a:lstStyle/>
           <a:p>
             <a:r>
-              <a:rPr lang="en-US" sz="2800" dirty="0" smtClean="0">
+              <a:rPr lang="en-US" sz="2800" dirty="0">
                 <a:solidFill>
                   <a:srgbClr val="FF0000"/>
                 </a:solidFill>
               </a:rPr>
               <a:t>The Fit</a:t>
             </a:r>
-            <a:endParaRPr lang="en-US" sz="2800" dirty="0">
-              <a:solidFill>
-                <a:srgbClr val="FF0000"/>
-              </a:solidFill>
-            </a:endParaRPr>
           </a:p>
         </p:txBody>
       </p:sp>
@@ -10880,18 +10986,13 @@
           <a:lstStyle/>
           <a:p>
             <a:r>
-              <a:rPr lang="en-US" sz="2000" dirty="0" smtClean="0">
+              <a:rPr lang="en-US" sz="2000" dirty="0">
                 <a:solidFill>
                   <a:srgbClr val="0070C0"/>
                 </a:solidFill>
               </a:rPr>
               <a:t>The Fitted Parameters</a:t>
             </a:r>
-            <a:endParaRPr lang="en-US" sz="2000" dirty="0">
-              <a:solidFill>
-                <a:srgbClr val="0070C0"/>
-              </a:solidFill>
-            </a:endParaRPr>
           </a:p>
         </p:txBody>
       </p:sp>
@@ -10941,10 +11042,9 @@
           <a:lstStyle/>
           <a:p>
             <a:r>
-              <a:rPr lang="en-US" dirty="0" smtClean="0"/>
+              <a:rPr lang="en-US" dirty="0"/>
               <a:t>Let’s do some parameter fitting!</a:t>
             </a:r>
-            <a:endParaRPr lang="en-US" dirty="0"/>
           </a:p>
         </p:txBody>
       </p:sp>
@@ -10974,7 +11074,7 @@
               <a:buNone/>
             </a:pPr>
             <a:r>
-              <a:rPr lang="en-US" sz="2000" b="1" dirty="0" smtClean="0">
+              <a:rPr lang="en-US" sz="2000" b="1" dirty="0">
                 <a:latin typeface="Courier New" panose="02070309020205020404" pitchFamily="49" charset="0"/>
                 <a:cs typeface="Courier New" panose="02070309020205020404" pitchFamily="49" charset="0"/>
               </a:rPr>
@@ -10986,7 +11086,7 @@
               <a:buNone/>
             </a:pPr>
             <a:r>
-              <a:rPr lang="en-US" sz="2000" b="1" dirty="0" smtClean="0">
+              <a:rPr lang="en-US" sz="2000" b="1" dirty="0">
                 <a:latin typeface="Courier New" panose="02070309020205020404" pitchFamily="49" charset="0"/>
                 <a:cs typeface="Courier New" panose="02070309020205020404" pitchFamily="49" charset="0"/>
               </a:rPr>
@@ -10998,14 +11098,14 @@
               <a:buNone/>
             </a:pPr>
             <a:r>
-              <a:rPr lang="en-US" sz="2000" b="1" dirty="0" err="1" smtClean="0">
+              <a:rPr lang="en-US" sz="2000" b="1" dirty="0" err="1">
                 <a:latin typeface="Courier New" panose="02070309020205020404" pitchFamily="49" charset="0"/>
                 <a:cs typeface="Courier New" panose="02070309020205020404" pitchFamily="49" charset="0"/>
               </a:rPr>
               <a:t>def</a:t>
             </a:r>
             <a:r>
-              <a:rPr lang="en-US" sz="2000" b="1" dirty="0" smtClean="0">
+              <a:rPr lang="en-US" sz="2000" b="1" dirty="0">
                 <a:latin typeface="Courier New" panose="02070309020205020404" pitchFamily="49" charset="0"/>
                 <a:cs typeface="Courier New" panose="02070309020205020404" pitchFamily="49" charset="0"/>
               </a:rPr>
@@ -11017,21 +11117,21 @@
               <a:buNone/>
             </a:pPr>
             <a:r>
-              <a:rPr lang="en-US" sz="2000" b="1" dirty="0" smtClean="0">
+              <a:rPr lang="en-US" sz="2000" b="1" dirty="0">
                 <a:latin typeface="Courier New" panose="02070309020205020404" pitchFamily="49" charset="0"/>
                 <a:cs typeface="Courier New" panose="02070309020205020404" pitchFamily="49" charset="0"/>
               </a:rPr>
               <a:t>    </a:t>
             </a:r>
             <a:r>
-              <a:rPr lang="en-US" sz="2000" b="1" dirty="0" err="1" smtClean="0">
+              <a:rPr lang="en-US" sz="2000" b="1" dirty="0" err="1">
                 <a:latin typeface="Courier New" panose="02070309020205020404" pitchFamily="49" charset="0"/>
                 <a:cs typeface="Courier New" panose="02070309020205020404" pitchFamily="49" charset="0"/>
               </a:rPr>
               <a:t>r.reset</a:t>
             </a:r>
             <a:r>
-              <a:rPr lang="en-US" sz="2000" b="1" dirty="0" smtClean="0">
+              <a:rPr lang="en-US" sz="2000" b="1" dirty="0">
                 <a:latin typeface="Courier New" panose="02070309020205020404" pitchFamily="49" charset="0"/>
                 <a:cs typeface="Courier New" panose="02070309020205020404" pitchFamily="49" charset="0"/>
               </a:rPr>
@@ -11043,21 +11143,21 @@
               <a:buNone/>
             </a:pPr>
             <a:r>
-              <a:rPr lang="en-US" sz="2000" b="1" dirty="0" smtClean="0">
+              <a:rPr lang="en-US" sz="2000" b="1" dirty="0">
                 <a:latin typeface="Courier New" panose="02070309020205020404" pitchFamily="49" charset="0"/>
                 <a:cs typeface="Courier New" panose="02070309020205020404" pitchFamily="49" charset="0"/>
               </a:rPr>
               <a:t>    pp = </a:t>
             </a:r>
             <a:r>
-              <a:rPr lang="en-US" sz="2000" b="1" dirty="0" err="1" smtClean="0">
+              <a:rPr lang="en-US" sz="2000" b="1" dirty="0" err="1">
                 <a:latin typeface="Courier New" panose="02070309020205020404" pitchFamily="49" charset="0"/>
                 <a:cs typeface="Courier New" panose="02070309020205020404" pitchFamily="49" charset="0"/>
               </a:rPr>
               <a:t>p.valuesdict</a:t>
             </a:r>
             <a:r>
-              <a:rPr lang="en-US" sz="2000" b="1" dirty="0" smtClean="0">
+              <a:rPr lang="en-US" sz="2000" b="1" dirty="0">
                 <a:latin typeface="Courier New" panose="02070309020205020404" pitchFamily="49" charset="0"/>
                 <a:cs typeface="Courier New" panose="02070309020205020404" pitchFamily="49" charset="0"/>
               </a:rPr>
@@ -11069,7 +11169,7 @@
               <a:buNone/>
             </a:pPr>
             <a:r>
-              <a:rPr lang="en-US" sz="2000" b="1" dirty="0" smtClean="0">
+              <a:rPr lang="en-US" sz="2000" b="1" dirty="0">
                 <a:latin typeface="Courier New" panose="02070309020205020404" pitchFamily="49" charset="0"/>
                 <a:cs typeface="Courier New" panose="02070309020205020404" pitchFamily="49" charset="0"/>
               </a:rPr>
@@ -11081,49 +11181,49 @@
               <a:buNone/>
             </a:pPr>
             <a:r>
-              <a:rPr lang="en-US" sz="2000" b="1" dirty="0" smtClean="0">
+              <a:rPr lang="en-US" sz="2000" b="1" dirty="0">
                 <a:latin typeface="Courier New" panose="02070309020205020404" pitchFamily="49" charset="0"/>
                 <a:cs typeface="Courier New" panose="02070309020205020404" pitchFamily="49" charset="0"/>
               </a:rPr>
               <a:t>    m = </a:t>
             </a:r>
             <a:r>
-              <a:rPr lang="en-US" sz="2000" b="1" dirty="0" err="1" smtClean="0">
+              <a:rPr lang="en-US" sz="2000" b="1" dirty="0" err="1">
                 <a:latin typeface="Courier New" panose="02070309020205020404" pitchFamily="49" charset="0"/>
                 <a:cs typeface="Courier New" panose="02070309020205020404" pitchFamily="49" charset="0"/>
               </a:rPr>
               <a:t>r.simulate</a:t>
             </a:r>
             <a:r>
-              <a:rPr lang="en-US" sz="2000" b="1" dirty="0" smtClean="0">
+              <a:rPr lang="en-US" sz="2000" b="1" dirty="0">
                 <a:latin typeface="Courier New" panose="02070309020205020404" pitchFamily="49" charset="0"/>
                 <a:cs typeface="Courier New" panose="02070309020205020404" pitchFamily="49" charset="0"/>
               </a:rPr>
               <a:t> (0, </a:t>
             </a:r>
             <a:r>
-              <a:rPr lang="en-US" sz="2000" b="1" dirty="0" err="1" smtClean="0">
+              <a:rPr lang="en-US" sz="2000" b="1" dirty="0" err="1">
                 <a:latin typeface="Courier New" panose="02070309020205020404" pitchFamily="49" charset="0"/>
                 <a:cs typeface="Courier New" panose="02070309020205020404" pitchFamily="49" charset="0"/>
               </a:rPr>
               <a:t>timeToSimulate</a:t>
             </a:r>
             <a:r>
-              <a:rPr lang="en-US" sz="2000" b="1" dirty="0" smtClean="0">
+              <a:rPr lang="en-US" sz="2000" b="1" dirty="0">
                 <a:latin typeface="Courier New" panose="02070309020205020404" pitchFamily="49" charset="0"/>
                 <a:cs typeface="Courier New" panose="02070309020205020404" pitchFamily="49" charset="0"/>
               </a:rPr>
               <a:t>, </a:t>
             </a:r>
             <a:r>
-              <a:rPr lang="en-US" sz="2000" b="1" dirty="0" err="1" smtClean="0">
+              <a:rPr lang="en-US" sz="2000" b="1" dirty="0" err="1">
                 <a:latin typeface="Courier New" panose="02070309020205020404" pitchFamily="49" charset="0"/>
                 <a:cs typeface="Courier New" panose="02070309020205020404" pitchFamily="49" charset="0"/>
               </a:rPr>
               <a:t>nDataPoints</a:t>
             </a:r>
             <a:r>
-              <a:rPr lang="en-US" sz="2000" b="1" dirty="0" smtClean="0">
+              <a:rPr lang="en-US" sz="2000" b="1" dirty="0">
                 <a:latin typeface="Courier New" panose="02070309020205020404" pitchFamily="49" charset="0"/>
                 <a:cs typeface="Courier New" panose="02070309020205020404" pitchFamily="49" charset="0"/>
               </a:rPr>
@@ -11135,30 +11235,26 @@
               <a:buNone/>
             </a:pPr>
             <a:r>
-              <a:rPr lang="en-US" sz="2000" b="1" dirty="0" smtClean="0">
+              <a:rPr lang="en-US" sz="2000" b="1" dirty="0">
                 <a:latin typeface="Courier New" panose="02070309020205020404" pitchFamily="49" charset="0"/>
                 <a:cs typeface="Courier New" panose="02070309020205020404" pitchFamily="49" charset="0"/>
               </a:rPr>
               <a:t>    return (</a:t>
             </a:r>
             <a:r>
-              <a:rPr lang="en-US" sz="2000" b="1" dirty="0" err="1" smtClean="0">
+              <a:rPr lang="en-US" sz="2000" b="1" dirty="0" err="1">
                 <a:latin typeface="Courier New" panose="02070309020205020404" pitchFamily="49" charset="0"/>
                 <a:cs typeface="Courier New" panose="02070309020205020404" pitchFamily="49" charset="0"/>
               </a:rPr>
               <a:t>y_data</a:t>
             </a:r>
             <a:r>
-              <a:rPr lang="en-US" sz="2000" b="1" dirty="0" smtClean="0">
+              <a:rPr lang="en-US" sz="2000" b="1" dirty="0">
                 <a:latin typeface="Courier New" panose="02070309020205020404" pitchFamily="49" charset="0"/>
                 <a:cs typeface="Courier New" panose="02070309020205020404" pitchFamily="49" charset="0"/>
               </a:rPr>
               <a:t> - m[:,0]) </a:t>
             </a:r>
-            <a:endParaRPr lang="en-US" sz="2000" b="1" dirty="0">
-              <a:latin typeface="Courier New" panose="02070309020205020404" pitchFamily="49" charset="0"/>
-              <a:cs typeface="Courier New" panose="02070309020205020404" pitchFamily="49" charset="0"/>
-            </a:endParaRPr>
           </a:p>
         </p:txBody>
       </p:sp>
@@ -11208,10 +11304,9 @@
           <a:lstStyle/>
           <a:p>
             <a:r>
-              <a:rPr lang="en-US" dirty="0" smtClean="0"/>
+              <a:rPr lang="en-US" dirty="0"/>
               <a:t>Let’s do some parameter fitting!</a:t>
             </a:r>
-            <a:endParaRPr lang="en-US" dirty="0"/>
           </a:p>
         </p:txBody>
       </p:sp>
@@ -11241,7 +11336,7 @@
               <a:buNone/>
             </a:pPr>
             <a:r>
-              <a:rPr lang="en-US" sz="2000" b="1" dirty="0" smtClean="0">
+              <a:rPr lang="en-US" sz="2000" b="1" dirty="0">
                 <a:latin typeface="Courier New" panose="02070309020205020404" pitchFamily="49" charset="0"/>
                 <a:cs typeface="Courier New" panose="02070309020205020404" pitchFamily="49" charset="0"/>
               </a:rPr>
@@ -11253,21 +11348,21 @@
               <a:buNone/>
             </a:pPr>
             <a:r>
-              <a:rPr lang="en-US" sz="2000" b="1" dirty="0" smtClean="0">
+              <a:rPr lang="en-US" sz="2000" b="1" dirty="0">
                 <a:latin typeface="Courier New" panose="02070309020205020404" pitchFamily="49" charset="0"/>
                 <a:cs typeface="Courier New" panose="02070309020205020404" pitchFamily="49" charset="0"/>
               </a:rPr>
               <a:t>parameters = </a:t>
             </a:r>
             <a:r>
-              <a:rPr lang="en-US" sz="2000" b="1" dirty="0" err="1" smtClean="0">
+              <a:rPr lang="en-US" sz="2000" b="1" dirty="0" err="1">
                 <a:latin typeface="Courier New" panose="02070309020205020404" pitchFamily="49" charset="0"/>
                 <a:cs typeface="Courier New" panose="02070309020205020404" pitchFamily="49" charset="0"/>
               </a:rPr>
               <a:t>lmfit.Parameters</a:t>
             </a:r>
             <a:r>
-              <a:rPr lang="en-US" sz="2000" b="1" dirty="0" smtClean="0">
+              <a:rPr lang="en-US" sz="2000" b="1" dirty="0">
                 <a:latin typeface="Courier New" panose="02070309020205020404" pitchFamily="49" charset="0"/>
                 <a:cs typeface="Courier New" panose="02070309020205020404" pitchFamily="49" charset="0"/>
               </a:rPr>
@@ -11279,84 +11374,73 @@
               <a:buNone/>
             </a:pPr>
             <a:r>
-              <a:rPr lang="en-US" sz="2000" b="1" dirty="0" smtClean="0">
+              <a:rPr lang="en-US" sz="2000" b="1" dirty="0">
                 <a:latin typeface="Courier New" panose="02070309020205020404" pitchFamily="49" charset="0"/>
                 <a:cs typeface="Courier New" panose="02070309020205020404" pitchFamily="49" charset="0"/>
               </a:rPr>
-              <a:t>parameters</a:t>
-            </a:r>
-            <a:r>
-              <a:rPr lang="en-US" sz="2000" b="1" dirty="0" smtClean="0">
-                <a:latin typeface="Courier New" panose="02070309020205020404" pitchFamily="49" charset="0"/>
-                <a:cs typeface="Courier New" panose="02070309020205020404" pitchFamily="49" charset="0"/>
-              </a:rPr>
-              <a:t>('k1', value=1, min=0, max=10)</a:t>
+              <a:t>parameters('k1', value=1, min=0, max=10)</a:t>
             </a:r>
           </a:p>
           <a:p>
             <a:pPr marL="0" indent="0">
               <a:buNone/>
             </a:pPr>
-            <a:endParaRPr lang="en-US" sz="2000" b="1" dirty="0" smtClean="0">
-              <a:latin typeface="Courier New" panose="02070309020205020404" pitchFamily="49" charset="0"/>
-              <a:cs typeface="Courier New" panose="02070309020205020404" pitchFamily="49" charset="0"/>
-            </a:endParaRPr>
-          </a:p>
-          <a:p>
-            <a:pPr marL="0" indent="0">
-              <a:buNone/>
-            </a:pPr>
-            <a:r>
-              <a:rPr lang="en-US" sz="2000" b="1" dirty="0" smtClean="0">
-                <a:latin typeface="Courier New" panose="02070309020205020404" pitchFamily="49" charset="0"/>
-                <a:cs typeface="Courier New" panose="02070309020205020404" pitchFamily="49" charset="0"/>
-              </a:rPr>
-              <a:t># And create the optimizer</a:t>
-            </a:r>
-          </a:p>
-          <a:p>
-            <a:pPr marL="0" indent="0">
-              <a:buNone/>
-            </a:pPr>
-            <a:r>
-              <a:rPr lang="en-US" sz="2000" b="1" dirty="0" smtClean="0">
-                <a:latin typeface="Courier New" panose="02070309020205020404" pitchFamily="49" charset="0"/>
-                <a:cs typeface="Courier New" panose="02070309020205020404" pitchFamily="49" charset="0"/>
-              </a:rPr>
-              <a:t>minimizer = </a:t>
-            </a:r>
-            <a:r>
-              <a:rPr lang="en-US" sz="2000" b="1" dirty="0" err="1" smtClean="0">
-                <a:latin typeface="Courier New" panose="02070309020205020404" pitchFamily="49" charset="0"/>
-                <a:cs typeface="Courier New" panose="02070309020205020404" pitchFamily="49" charset="0"/>
-              </a:rPr>
-              <a:t>lmfit.Minimizer</a:t>
-            </a:r>
-            <a:r>
-              <a:rPr lang="en-US" sz="2000" b="1" dirty="0" smtClean="0">
-                <a:latin typeface="Courier New" panose="02070309020205020404" pitchFamily="49" charset="0"/>
-                <a:cs typeface="Courier New" panose="02070309020205020404" pitchFamily="49" charset="0"/>
-              </a:rPr>
-              <a:t>(residuals, </a:t>
-            </a:r>
-            <a:r>
-              <a:rPr lang="en-US" sz="2000" dirty="0" err="1" smtClean="0">
-                <a:latin typeface="Courier New" panose="02070309020205020404" pitchFamily="49" charset="0"/>
-                <a:cs typeface="Courier New" panose="02070309020205020404" pitchFamily="49" charset="0"/>
-              </a:rPr>
-              <a:t>params</a:t>
-            </a:r>
-            <a:r>
-              <a:rPr lang="en-US" sz="2000" b="1" dirty="0" smtClean="0">
-                <a:latin typeface="Courier New" panose="02070309020205020404" pitchFamily="49" charset="0"/>
-                <a:cs typeface="Courier New" panose="02070309020205020404" pitchFamily="49" charset="0"/>
-              </a:rPr>
-              <a:t>)</a:t>
-            </a:r>
             <a:endParaRPr lang="en-US" sz="2000" b="1" dirty="0">
               <a:latin typeface="Courier New" panose="02070309020205020404" pitchFamily="49" charset="0"/>
               <a:cs typeface="Courier New" panose="02070309020205020404" pitchFamily="49" charset="0"/>
             </a:endParaRPr>
+          </a:p>
+          <a:p>
+            <a:pPr marL="0" indent="0">
+              <a:buNone/>
+            </a:pPr>
+            <a:r>
+              <a:rPr lang="en-US" sz="2000" b="1" dirty="0">
+                <a:latin typeface="Courier New" panose="02070309020205020404" pitchFamily="49" charset="0"/>
+                <a:cs typeface="Courier New" panose="02070309020205020404" pitchFamily="49" charset="0"/>
+              </a:rPr>
+              <a:t># And create the optimizer</a:t>
+            </a:r>
+          </a:p>
+          <a:p>
+            <a:pPr marL="0" indent="0">
+              <a:buNone/>
+            </a:pPr>
+            <a:r>
+              <a:rPr lang="en-US" sz="2000" b="1" dirty="0">
+                <a:latin typeface="Courier New" panose="02070309020205020404" pitchFamily="49" charset="0"/>
+                <a:cs typeface="Courier New" panose="02070309020205020404" pitchFamily="49" charset="0"/>
+              </a:rPr>
+              <a:t>minimizer = </a:t>
+            </a:r>
+            <a:r>
+              <a:rPr lang="en-US" sz="2000" b="1" dirty="0" err="1">
+                <a:latin typeface="Courier New" panose="02070309020205020404" pitchFamily="49" charset="0"/>
+                <a:cs typeface="Courier New" panose="02070309020205020404" pitchFamily="49" charset="0"/>
+              </a:rPr>
+              <a:t>lmfit.Minimizer</a:t>
+            </a:r>
+            <a:r>
+              <a:rPr lang="en-US" sz="2000" b="1" dirty="0">
+                <a:latin typeface="Courier New" panose="02070309020205020404" pitchFamily="49" charset="0"/>
+                <a:cs typeface="Courier New" panose="02070309020205020404" pitchFamily="49" charset="0"/>
+              </a:rPr>
+              <a:t>(residuals, </a:t>
+            </a:r>
+            <a:r>
+              <a:rPr lang="en-US" sz="2000" dirty="0" err="1">
+                <a:latin typeface="Courier New" panose="02070309020205020404" pitchFamily="49" charset="0"/>
+                <a:cs typeface="Courier New" panose="02070309020205020404" pitchFamily="49" charset="0"/>
+              </a:rPr>
+              <a:t>params</a:t>
+            </a:r>
+            <a:r>
+              <a:rPr lang="en-US" sz="2000" b="1" dirty="0">
+                <a:latin typeface="Courier New" panose="02070309020205020404" pitchFamily="49" charset="0"/>
+                <a:cs typeface="Courier New" panose="02070309020205020404" pitchFamily="49" charset="0"/>
+              </a:rPr>
+              <a:t>)</a:t>
+            </a:r>
           </a:p>
         </p:txBody>
       </p:sp>
@@ -11406,10 +11490,9 @@
           <a:lstStyle/>
           <a:p>
             <a:r>
-              <a:rPr lang="en-US" dirty="0" smtClean="0"/>
+              <a:rPr lang="en-US" dirty="0"/>
               <a:t>We’re almost there</a:t>
             </a:r>
-            <a:endParaRPr lang="en-US" dirty="0"/>
           </a:p>
         </p:txBody>
       </p:sp>
@@ -11439,84 +11522,23 @@
               <a:buNone/>
             </a:pPr>
             <a:r>
-              <a:rPr lang="en-US" sz="2000" b="1" dirty="0" smtClean="0">
+              <a:rPr lang="en-US" sz="2000" b="1" dirty="0">
                 <a:latin typeface="Courier New" panose="02070309020205020404" pitchFamily="49" charset="0"/>
                 <a:cs typeface="Courier New" panose="02070309020205020404" pitchFamily="49" charset="0"/>
               </a:rPr>
               <a:t># Run the optimizer: Default is to use </a:t>
             </a:r>
             <a:r>
-              <a:rPr lang="en-US" sz="2000" b="1" dirty="0" err="1" smtClean="0">
+              <a:rPr lang="en-US" sz="2000" b="1" dirty="0" err="1">
                 <a:latin typeface="Courier New" panose="02070309020205020404" pitchFamily="49" charset="0"/>
                 <a:cs typeface="Courier New" panose="02070309020205020404" pitchFamily="49" charset="0"/>
               </a:rPr>
               <a:t>Levenberg_Marquardt</a:t>
             </a:r>
-            <a:endParaRPr lang="en-US" sz="2000" b="1" dirty="0" smtClean="0">
+            <a:endParaRPr lang="en-US" sz="2000" b="1" dirty="0">
               <a:latin typeface="Courier New" panose="02070309020205020404" pitchFamily="49" charset="0"/>
               <a:cs typeface="Courier New" panose="02070309020205020404" pitchFamily="49" charset="0"/>
             </a:endParaRPr>
-          </a:p>
-          <a:p>
-            <a:pPr marL="0" indent="0">
-              <a:buNone/>
-            </a:pPr>
-            <a:endParaRPr lang="en-US" sz="2000" b="1" dirty="0" smtClean="0">
-              <a:latin typeface="Courier New" panose="02070309020205020404" pitchFamily="49" charset="0"/>
-              <a:cs typeface="Courier New" panose="02070309020205020404" pitchFamily="49" charset="0"/>
-            </a:endParaRPr>
-          </a:p>
-          <a:p>
-            <a:pPr marL="0" indent="0">
-              <a:buNone/>
-            </a:pPr>
-            <a:r>
-              <a:rPr lang="en-US" sz="2000" b="1" dirty="0" smtClean="0">
-                <a:latin typeface="Courier New" panose="02070309020205020404" pitchFamily="49" charset="0"/>
-                <a:cs typeface="Courier New" panose="02070309020205020404" pitchFamily="49" charset="0"/>
-              </a:rPr>
-              <a:t>result = </a:t>
-            </a:r>
-            <a:r>
-              <a:rPr lang="en-US" sz="2000" b="1" dirty="0" err="1" smtClean="0">
-                <a:latin typeface="Courier New" panose="02070309020205020404" pitchFamily="49" charset="0"/>
-                <a:cs typeface="Courier New" panose="02070309020205020404" pitchFamily="49" charset="0"/>
-              </a:rPr>
-              <a:t>minimizer.minimize</a:t>
-            </a:r>
-            <a:r>
-              <a:rPr lang="en-US" sz="2000" b="1" dirty="0" smtClean="0">
-                <a:latin typeface="Courier New" panose="02070309020205020404" pitchFamily="49" charset="0"/>
-                <a:cs typeface="Courier New" panose="02070309020205020404" pitchFamily="49" charset="0"/>
-              </a:rPr>
-              <a:t> ()</a:t>
-            </a:r>
-          </a:p>
-          <a:p>
-            <a:pPr marL="0" indent="0">
-              <a:buNone/>
-            </a:pPr>
-            <a:r>
-              <a:rPr lang="en-US" sz="2000" b="1" dirty="0" smtClean="0">
-                <a:latin typeface="Courier New" panose="02070309020205020404" pitchFamily="49" charset="0"/>
-                <a:cs typeface="Courier New" panose="02070309020205020404" pitchFamily="49" charset="0"/>
-              </a:rPr>
-              <a:t>print (</a:t>
-            </a:r>
-            <a:r>
-              <a:rPr lang="en-US" sz="2000" b="1" dirty="0" err="1" smtClean="0">
-                <a:latin typeface="Courier New" panose="02070309020205020404" pitchFamily="49" charset="0"/>
-                <a:cs typeface="Courier New" panose="02070309020205020404" pitchFamily="49" charset="0"/>
-              </a:rPr>
-              <a:t>result.message</a:t>
-            </a:r>
-            <a:r>
-              <a:rPr lang="en-US" sz="2000" b="1" dirty="0" smtClean="0">
-                <a:latin typeface="Courier New" panose="02070309020205020404" pitchFamily="49" charset="0"/>
-                <a:cs typeface="Courier New" panose="02070309020205020404" pitchFamily="49" charset="0"/>
-              </a:rPr>
-              <a:t>)</a:t>
-            </a:r>
           </a:p>
           <a:p>
             <a:pPr marL="0" indent="0">
@@ -11532,59 +11554,120 @@
               <a:buNone/>
             </a:pPr>
             <a:r>
-              <a:rPr lang="en-US" sz="2000" b="1" dirty="0" smtClean="0">
+              <a:rPr lang="en-US" sz="2000" b="1" dirty="0">
                 <a:latin typeface="Courier New" panose="02070309020205020404" pitchFamily="49" charset="0"/>
                 <a:cs typeface="Courier New" panose="02070309020205020404" pitchFamily="49" charset="0"/>
               </a:rPr>
-              <a:t># You can also print</a:t>
-            </a:r>
-          </a:p>
-          <a:p>
-            <a:pPr marL="0" indent="0">
-              <a:buNone/>
-            </a:pPr>
-            <a:r>
-              <a:rPr lang="en-US" sz="2000" b="1" dirty="0" smtClean="0">
+              <a:t>result = </a:t>
+            </a:r>
+            <a:r>
+              <a:rPr lang="en-US" sz="2000" b="1" dirty="0" err="1">
                 <a:latin typeface="Courier New" panose="02070309020205020404" pitchFamily="49" charset="0"/>
                 <a:cs typeface="Courier New" panose="02070309020205020404" pitchFamily="49" charset="0"/>
               </a:rPr>
-              <a:t>print (</a:t>
-            </a:r>
-            <a:r>
-              <a:rPr lang="en-US" sz="2000" b="1" dirty="0" err="1" smtClean="0">
+              <a:t>minimizer.minimize</a:t>
+            </a:r>
+            <a:r>
+              <a:rPr lang="en-US" sz="2000" b="1" dirty="0">
                 <a:latin typeface="Courier New" panose="02070309020205020404" pitchFamily="49" charset="0"/>
                 <a:cs typeface="Courier New" panose="02070309020205020404" pitchFamily="49" charset="0"/>
               </a:rPr>
-              <a:t>result.chisqr</a:t>
-            </a:r>
-            <a:r>
-              <a:rPr lang="en-US" sz="2000" b="1" dirty="0" smtClean="0">
+              <a:t> ()</a:t>
+            </a:r>
+          </a:p>
+          <a:p>
+            <a:pPr marL="0" indent="0">
+              <a:buNone/>
+            </a:pPr>
+            <a:r>
+              <a:rPr lang="en-US" sz="2000" b="1" dirty="0">
                 <a:latin typeface="Courier New" panose="02070309020205020404" pitchFamily="49" charset="0"/>
                 <a:cs typeface="Courier New" panose="02070309020205020404" pitchFamily="49" charset="0"/>
               </a:rPr>
-              <a:t>)</a:t>
-            </a:r>
-          </a:p>
-          <a:p>
-            <a:pPr marL="0" indent="0">
-              <a:buNone/>
-            </a:pPr>
-            <a:r>
-              <a:rPr lang="en-US" sz="2000" b="1" dirty="0" smtClean="0">
+              <a:t>print (</a:t>
+            </a:r>
+            <a:r>
+              <a:rPr lang="en-US" sz="2000" b="1" dirty="0" err="1">
                 <a:latin typeface="Courier New" panose="02070309020205020404" pitchFamily="49" charset="0"/>
                 <a:cs typeface="Courier New" panose="02070309020205020404" pitchFamily="49" charset="0"/>
               </a:rPr>
-              <a:t>print (</a:t>
-            </a:r>
-            <a:r>
-              <a:rPr lang="en-US" sz="2000" b="1" dirty="0" err="1" smtClean="0">
+              <a:t>result.message</a:t>
+            </a:r>
+            <a:r>
+              <a:rPr lang="en-US" sz="2000" b="1" dirty="0">
                 <a:latin typeface="Courier New" panose="02070309020205020404" pitchFamily="49" charset="0"/>
                 <a:cs typeface="Courier New" panose="02070309020205020404" pitchFamily="49" charset="0"/>
               </a:rPr>
+              <a:t>)</a:t>
+            </a:r>
+          </a:p>
+          <a:p>
+            <a:pPr marL="0" indent="0">
+              <a:buNone/>
+            </a:pPr>
+            <a:endParaRPr lang="en-US" sz="2000" b="1" dirty="0">
+              <a:latin typeface="Courier New" panose="02070309020205020404" pitchFamily="49" charset="0"/>
+              <a:cs typeface="Courier New" panose="02070309020205020404" pitchFamily="49" charset="0"/>
+            </a:endParaRPr>
+          </a:p>
+          <a:p>
+            <a:pPr marL="0" indent="0">
+              <a:buNone/>
+            </a:pPr>
+            <a:r>
+              <a:rPr lang="en-US" sz="2000" b="1" dirty="0">
+                <a:latin typeface="Courier New" panose="02070309020205020404" pitchFamily="49" charset="0"/>
+                <a:cs typeface="Courier New" panose="02070309020205020404" pitchFamily="49" charset="0"/>
+              </a:rPr>
+              <a:t># You can also print</a:t>
+            </a:r>
+          </a:p>
+          <a:p>
+            <a:pPr marL="0" indent="0">
+              <a:buNone/>
+            </a:pPr>
+            <a:r>
+              <a:rPr lang="en-US" sz="2000" b="1" dirty="0">
+                <a:latin typeface="Courier New" panose="02070309020205020404" pitchFamily="49" charset="0"/>
+                <a:cs typeface="Courier New" panose="02070309020205020404" pitchFamily="49" charset="0"/>
+              </a:rPr>
+              <a:t>print (</a:t>
+            </a:r>
+            <a:r>
+              <a:rPr lang="en-US" sz="2000" b="1" dirty="0" err="1">
+                <a:latin typeface="Courier New" panose="02070309020205020404" pitchFamily="49" charset="0"/>
+                <a:cs typeface="Courier New" panose="02070309020205020404" pitchFamily="49" charset="0"/>
+              </a:rPr>
+              <a:t>result.chisqr</a:t>
+            </a:r>
+            <a:r>
+              <a:rPr lang="en-US" sz="2000" b="1" dirty="0">
+                <a:latin typeface="Courier New" panose="02070309020205020404" pitchFamily="49" charset="0"/>
+                <a:cs typeface="Courier New" panose="02070309020205020404" pitchFamily="49" charset="0"/>
+              </a:rPr>
+              <a:t>)</a:t>
+            </a:r>
+          </a:p>
+          <a:p>
+            <a:pPr marL="0" indent="0">
+              <a:buNone/>
+            </a:pPr>
+            <a:r>
+              <a:rPr lang="en-US" sz="2000" b="1" dirty="0">
+                <a:latin typeface="Courier New" panose="02070309020205020404" pitchFamily="49" charset="0"/>
+                <a:cs typeface="Courier New" panose="02070309020205020404" pitchFamily="49" charset="0"/>
+              </a:rPr>
+              <a:t>print (</a:t>
+            </a:r>
+            <a:r>
+              <a:rPr lang="en-US" sz="2000" b="1" dirty="0" err="1">
+                <a:latin typeface="Courier New" panose="02070309020205020404" pitchFamily="49" charset="0"/>
+                <a:cs typeface="Courier New" panose="02070309020205020404" pitchFamily="49" charset="0"/>
+              </a:rPr>
               <a:t>result.params</a:t>
             </a:r>
             <a:r>
-              <a:rPr lang="en-US" sz="2000" b="1" dirty="0" smtClean="0">
+              <a:rPr lang="en-US" sz="2000" b="1" dirty="0">
                 <a:latin typeface="Courier New" panose="02070309020205020404" pitchFamily="49" charset="0"/>
                 <a:cs typeface="Courier New" panose="02070309020205020404" pitchFamily="49" charset="0"/>
               </a:rPr>
@@ -11648,10 +11731,9 @@
           <a:lstStyle/>
           <a:p>
             <a:r>
-              <a:rPr lang="en-US" dirty="0" smtClean="0"/>
+              <a:rPr lang="en-US" dirty="0"/>
               <a:t>A more complicated model</a:t>
             </a:r>
-            <a:endParaRPr lang="en-US" dirty="0"/>
           </a:p>
         </p:txBody>
       </p:sp>
@@ -11681,21 +11763,21 @@
               <a:buNone/>
             </a:pPr>
             <a:r>
-              <a:rPr lang="es-ES" sz="2000" b="1" dirty="0" smtClean="0">
+              <a:rPr lang="es-ES" sz="2000" b="1" dirty="0">
                 <a:latin typeface="Courier New" panose="02070309020205020404" pitchFamily="49" charset="0"/>
                 <a:cs typeface="Courier New" panose="02070309020205020404" pitchFamily="49" charset="0"/>
               </a:rPr>
               <a:t>r = </a:t>
             </a:r>
             <a:r>
-              <a:rPr lang="es-ES" sz="2000" b="1" dirty="0" err="1" smtClean="0">
+              <a:rPr lang="es-ES" sz="2000" b="1" dirty="0" err="1">
                 <a:latin typeface="Courier New" panose="02070309020205020404" pitchFamily="49" charset="0"/>
                 <a:cs typeface="Courier New" panose="02070309020205020404" pitchFamily="49" charset="0"/>
               </a:rPr>
               <a:t>te.loada</a:t>
             </a:r>
             <a:r>
-              <a:rPr lang="es-ES" sz="2000" b="1" dirty="0" smtClean="0">
+              <a:rPr lang="es-ES" sz="2000" b="1" dirty="0">
                 <a:latin typeface="Courier New" panose="02070309020205020404" pitchFamily="49" charset="0"/>
                 <a:cs typeface="Courier New" panose="02070309020205020404" pitchFamily="49" charset="0"/>
               </a:rPr>
@@ -11707,7 +11789,7 @@
               <a:buNone/>
             </a:pPr>
             <a:r>
-              <a:rPr lang="es-ES" sz="2000" b="1" dirty="0" smtClean="0">
+              <a:rPr lang="es-ES" sz="2000" b="1" dirty="0">
                 <a:latin typeface="Courier New" panose="02070309020205020404" pitchFamily="49" charset="0"/>
                 <a:cs typeface="Courier New" panose="02070309020205020404" pitchFamily="49" charset="0"/>
               </a:rPr>
@@ -11719,7 +11801,7 @@
               <a:buNone/>
             </a:pPr>
             <a:r>
-              <a:rPr lang="es-ES" sz="2000" b="1" dirty="0" smtClean="0">
+              <a:rPr lang="es-ES" sz="2000" b="1" dirty="0">
                 <a:latin typeface="Courier New" panose="02070309020205020404" pitchFamily="49" charset="0"/>
                 <a:cs typeface="Courier New" panose="02070309020205020404" pitchFamily="49" charset="0"/>
               </a:rPr>
@@ -11731,7 +11813,7 @@
               <a:buNone/>
             </a:pPr>
             <a:r>
-              <a:rPr lang="es-ES" sz="2000" b="1" dirty="0" smtClean="0">
+              <a:rPr lang="es-ES" sz="2000" b="1" dirty="0">
                 <a:latin typeface="Courier New" panose="02070309020205020404" pitchFamily="49" charset="0"/>
                 <a:cs typeface="Courier New" panose="02070309020205020404" pitchFamily="49" charset="0"/>
               </a:rPr>
@@ -11743,7 +11825,7 @@
               <a:buNone/>
             </a:pPr>
             <a:r>
-              <a:rPr lang="es-ES" sz="2000" b="1" dirty="0" smtClean="0">
+              <a:rPr lang="es-ES" sz="2000" b="1" dirty="0">
                 <a:latin typeface="Courier New" panose="02070309020205020404" pitchFamily="49" charset="0"/>
                 <a:cs typeface="Courier New" panose="02070309020205020404" pitchFamily="49" charset="0"/>
               </a:rPr>
@@ -11755,7 +11837,7 @@
               <a:buNone/>
             </a:pPr>
             <a:r>
-              <a:rPr lang="es-ES" sz="2000" b="1" dirty="0" smtClean="0">
+              <a:rPr lang="es-ES" sz="2000" b="1" dirty="0">
                 <a:latin typeface="Courier New" panose="02070309020205020404" pitchFamily="49" charset="0"/>
                 <a:cs typeface="Courier New" panose="02070309020205020404" pitchFamily="49" charset="0"/>
               </a:rPr>
@@ -11767,7 +11849,7 @@
               <a:buNone/>
             </a:pPr>
             <a:r>
-              <a:rPr lang="es-ES" sz="2000" b="1" dirty="0" smtClean="0">
+              <a:rPr lang="es-ES" sz="2000" b="1" dirty="0">
                 <a:latin typeface="Courier New" panose="02070309020205020404" pitchFamily="49" charset="0"/>
                 <a:cs typeface="Courier New" panose="02070309020205020404" pitchFamily="49" charset="0"/>
               </a:rPr>
@@ -11779,7 +11861,7 @@
               <a:buNone/>
             </a:pPr>
             <a:r>
-              <a:rPr lang="es-ES" sz="2000" b="1" dirty="0" smtClean="0">
+              <a:rPr lang="es-ES" sz="2000" b="1" dirty="0">
                 <a:latin typeface="Courier New" panose="02070309020205020404" pitchFamily="49" charset="0"/>
                 <a:cs typeface="Courier New" panose="02070309020205020404" pitchFamily="49" charset="0"/>
               </a:rPr>
@@ -11791,7 +11873,7 @@
               <a:buNone/>
             </a:pPr>
             <a:r>
-              <a:rPr lang="es-ES" sz="2000" b="1" dirty="0" smtClean="0">
+              <a:rPr lang="es-ES" sz="2000" b="1" dirty="0">
                 <a:latin typeface="Courier New" panose="02070309020205020404" pitchFamily="49" charset="0"/>
                 <a:cs typeface="Courier New" panose="02070309020205020404" pitchFamily="49" charset="0"/>
               </a:rPr>
@@ -11803,7 +11885,7 @@
               <a:buNone/>
             </a:pPr>
             <a:r>
-              <a:rPr lang="es-ES" sz="2000" b="1" dirty="0" smtClean="0">
+              <a:rPr lang="es-ES" sz="2000" b="1" dirty="0">
                 <a:latin typeface="Courier New" panose="02070309020205020404" pitchFamily="49" charset="0"/>
                 <a:cs typeface="Courier New" panose="02070309020205020404" pitchFamily="49" charset="0"/>
               </a:rPr>
@@ -11815,7 +11897,7 @@
               <a:buNone/>
             </a:pPr>
             <a:r>
-              <a:rPr lang="es-ES" sz="2000" b="1" dirty="0" smtClean="0">
+              <a:rPr lang="es-ES" sz="2000" b="1" dirty="0">
                 <a:latin typeface="Courier New" panose="02070309020205020404" pitchFamily="49" charset="0"/>
                 <a:cs typeface="Courier New" panose="02070309020205020404" pitchFamily="49" charset="0"/>
               </a:rPr>
@@ -11879,42 +11961,41 @@
           <a:lstStyle/>
           <a:p>
             <a:r>
-              <a:rPr lang="en-US" dirty="0" smtClean="0"/>
+              <a:rPr lang="en-US" dirty="0"/>
               <a:t>From: Heinrich and </a:t>
             </a:r>
             <a:r>
-              <a:rPr lang="en-US" dirty="0" err="1" smtClean="0"/>
+              <a:rPr lang="en-US" dirty="0" err="1"/>
               <a:t>Rapoport</a:t>
             </a:r>
             <a:r>
-              <a:rPr lang="en-US" dirty="0" smtClean="0"/>
+              <a:rPr lang="en-US" dirty="0"/>
               <a:t>, 1977, </a:t>
             </a:r>
             <a:r>
-              <a:rPr lang="en-US" dirty="0" err="1" smtClean="0"/>
+              <a:rPr lang="en-US" dirty="0" err="1"/>
               <a:t>Prog</a:t>
             </a:r>
             <a:r>
-              <a:rPr lang="en-US" dirty="0" smtClean="0"/>
+              <a:rPr lang="en-US" dirty="0"/>
               <a:t> </a:t>
             </a:r>
             <a:r>
-              <a:rPr lang="en-US" dirty="0" err="1" smtClean="0"/>
+              <a:rPr lang="en-US" dirty="0" err="1"/>
               <a:t>Biophys</a:t>
             </a:r>
             <a:r>
-              <a:rPr lang="en-US" dirty="0" smtClean="0"/>
+              <a:rPr lang="en-US" dirty="0"/>
               <a:t>, Mole </a:t>
             </a:r>
             <a:r>
-              <a:rPr lang="en-US" dirty="0" err="1" smtClean="0"/>
+              <a:rPr lang="en-US" dirty="0" err="1"/>
               <a:t>Biol</a:t>
             </a:r>
             <a:r>
-              <a:rPr lang="en-US" dirty="0" smtClean="0"/>
+              <a:rPr lang="en-US" dirty="0"/>
               <a:t>, METABOLIC REGULATION AND MATHEMATICAL MODELS </a:t>
             </a:r>
-            <a:endParaRPr lang="en-US" dirty="0"/>
           </a:p>
         </p:txBody>
       </p:sp>
@@ -11941,50 +12022,33 @@
           <a:lstStyle/>
           <a:p>
             <a:r>
-              <a:rPr lang="en-US" dirty="0" smtClean="0"/>
+              <a:rPr lang="en-US" dirty="0"/>
               <a:t>The model has:</a:t>
             </a:r>
           </a:p>
           <a:p>
             <a:r>
               <a:rPr lang="en-US" dirty="0"/>
-              <a:t>	</a:t>
-            </a:r>
-            <a:r>
-              <a:rPr lang="en-US" dirty="0" smtClean="0"/>
-              <a:t>a) Two variables</a:t>
+              <a:t>	a) Two variables</a:t>
             </a:r>
           </a:p>
           <a:p>
             <a:r>
               <a:rPr lang="en-US" dirty="0"/>
-              <a:t>	</a:t>
-            </a:r>
-            <a:r>
-              <a:rPr lang="en-US" dirty="0" smtClean="0"/>
-              <a:t>b) Four parameters</a:t>
+              <a:t>	b) Four parameters</a:t>
             </a:r>
           </a:p>
           <a:p>
             <a:r>
               <a:rPr lang="en-US" dirty="0"/>
-              <a:t>	</a:t>
-            </a:r>
-            <a:r>
-              <a:rPr lang="en-US" dirty="0" smtClean="0"/>
-              <a:t>c) Four reactions</a:t>
+              <a:t>	c) Four reactions</a:t>
             </a:r>
           </a:p>
           <a:p>
             <a:r>
               <a:rPr lang="en-US" dirty="0"/>
-              <a:t>	</a:t>
-            </a:r>
-            <a:r>
-              <a:rPr lang="en-US" dirty="0" smtClean="0"/>
-              <a:t>d) One positive feedback</a:t>
-            </a:r>
-            <a:endParaRPr lang="en-US" dirty="0"/>
+              <a:t>	d) One positive feedback</a:t>
+            </a:r>
           </a:p>
         </p:txBody>
       </p:sp>
@@ -12034,10 +12098,9 @@
           <a:lstStyle/>
           <a:p>
             <a:r>
-              <a:rPr lang="en-US" dirty="0" smtClean="0"/>
+              <a:rPr lang="en-US" dirty="0"/>
               <a:t>A more complicated model</a:t>
             </a:r>
-            <a:endParaRPr lang="en-US" dirty="0"/>
           </a:p>
         </p:txBody>
       </p:sp>
@@ -12067,7 +12130,7 @@
               <a:buNone/>
             </a:pPr>
             <a:r>
-              <a:rPr lang="en-US" sz="1000" b="1" dirty="0" smtClean="0">
+              <a:rPr lang="en-US" sz="1000" b="1" dirty="0">
                 <a:latin typeface="Courier New" panose="02070309020205020404" pitchFamily="49" charset="0"/>
                 <a:cs typeface="Courier New" panose="02070309020205020404" pitchFamily="49" charset="0"/>
               </a:rPr>
@@ -12078,7 +12141,7 @@
             <a:pPr marL="0" indent="0">
               <a:buNone/>
             </a:pPr>
-            <a:endParaRPr lang="en-US" sz="1000" b="1" dirty="0" smtClean="0">
+            <a:endParaRPr lang="en-US" sz="1000" b="1" dirty="0">
               <a:latin typeface="Courier New" panose="02070309020205020404" pitchFamily="49" charset="0"/>
               <a:cs typeface="Courier New" panose="02070309020205020404" pitchFamily="49" charset="0"/>
             </a:endParaRPr>
@@ -12088,7 +12151,7 @@
               <a:buNone/>
             </a:pPr>
             <a:r>
-              <a:rPr lang="en-US" sz="1000" b="1" dirty="0" smtClean="0">
+              <a:rPr lang="en-US" sz="1000" b="1" dirty="0">
                 <a:latin typeface="Courier New" panose="02070309020205020404" pitchFamily="49" charset="0"/>
                 <a:cs typeface="Courier New" panose="02070309020205020404" pitchFamily="49" charset="0"/>
               </a:rPr>
@@ -12100,7 +12163,7 @@
               <a:buNone/>
             </a:pPr>
             <a:r>
-              <a:rPr lang="en-US" sz="1000" b="1" dirty="0" smtClean="0">
+              <a:rPr lang="en-US" sz="1000" b="1" dirty="0">
                 <a:latin typeface="Courier New" panose="02070309020205020404" pitchFamily="49" charset="0"/>
                 <a:cs typeface="Courier New" panose="02070309020205020404" pitchFamily="49" charset="0"/>
               </a:rPr>
@@ -12112,7 +12175,7 @@
               <a:buNone/>
             </a:pPr>
             <a:r>
-              <a:rPr lang="en-US" sz="1000" b="1" dirty="0" smtClean="0">
+              <a:rPr lang="en-US" sz="1000" b="1" dirty="0">
                 <a:latin typeface="Courier New" panose="02070309020205020404" pitchFamily="49" charset="0"/>
                 <a:cs typeface="Courier New" panose="02070309020205020404" pitchFamily="49" charset="0"/>
               </a:rPr>
@@ -12124,7 +12187,7 @@
               <a:buNone/>
             </a:pPr>
             <a:r>
-              <a:rPr lang="en-US" sz="1000" b="1" dirty="0" smtClean="0">
+              <a:rPr lang="en-US" sz="1000" b="1" dirty="0">
                 <a:latin typeface="Courier New" panose="02070309020205020404" pitchFamily="49" charset="0"/>
                 <a:cs typeface="Courier New" panose="02070309020205020404" pitchFamily="49" charset="0"/>
               </a:rPr>
@@ -12136,7 +12199,7 @@
               <a:buNone/>
             </a:pPr>
             <a:r>
-              <a:rPr lang="en-US" sz="1000" b="1" dirty="0" smtClean="0">
+              <a:rPr lang="en-US" sz="1000" b="1" dirty="0">
                 <a:latin typeface="Courier New" panose="02070309020205020404" pitchFamily="49" charset="0"/>
                 <a:cs typeface="Courier New" panose="02070309020205020404" pitchFamily="49" charset="0"/>
               </a:rPr>
@@ -12148,7 +12211,7 @@
               <a:buNone/>
             </a:pPr>
             <a:r>
-              <a:rPr lang="en-US" sz="1000" b="1" dirty="0" smtClean="0">
+              <a:rPr lang="en-US" sz="1000" b="1" dirty="0">
                 <a:latin typeface="Courier New" panose="02070309020205020404" pitchFamily="49" charset="0"/>
                 <a:cs typeface="Courier New" panose="02070309020205020404" pitchFamily="49" charset="0"/>
               </a:rPr>
@@ -12160,7 +12223,7 @@
               <a:buNone/>
             </a:pPr>
             <a:r>
-              <a:rPr lang="en-US" sz="1000" b="1" dirty="0" smtClean="0">
+              <a:rPr lang="en-US" sz="1000" b="1" dirty="0">
                 <a:latin typeface="Courier New" panose="02070309020205020404" pitchFamily="49" charset="0"/>
                 <a:cs typeface="Courier New" panose="02070309020205020404" pitchFamily="49" charset="0"/>
               </a:rPr>
@@ -12172,7 +12235,7 @@
               <a:buNone/>
             </a:pPr>
             <a:r>
-              <a:rPr lang="en-US" sz="1000" b="1" dirty="0" smtClean="0">
+              <a:rPr lang="en-US" sz="1000" b="1" dirty="0">
                 <a:latin typeface="Courier New" panose="02070309020205020404" pitchFamily="49" charset="0"/>
                 <a:cs typeface="Courier New" panose="02070309020205020404" pitchFamily="49" charset="0"/>
               </a:rPr>
@@ -12184,7 +12247,7 @@
               <a:buNone/>
             </a:pPr>
             <a:r>
-              <a:rPr lang="en-US" sz="1000" b="1" dirty="0" smtClean="0">
+              <a:rPr lang="en-US" sz="1000" b="1" dirty="0">
                 <a:latin typeface="Courier New" panose="02070309020205020404" pitchFamily="49" charset="0"/>
                 <a:cs typeface="Courier New" panose="02070309020205020404" pitchFamily="49" charset="0"/>
               </a:rPr>
@@ -12196,7 +12259,7 @@
               <a:buNone/>
             </a:pPr>
             <a:r>
-              <a:rPr lang="en-US" sz="1000" b="1" dirty="0" smtClean="0">
+              <a:rPr lang="en-US" sz="1000" b="1" dirty="0">
                 <a:latin typeface="Courier New" panose="02070309020205020404" pitchFamily="49" charset="0"/>
                 <a:cs typeface="Courier New" panose="02070309020205020404" pitchFamily="49" charset="0"/>
               </a:rPr>
@@ -12208,7 +12271,7 @@
               <a:buNone/>
             </a:pPr>
             <a:r>
-              <a:rPr lang="en-US" sz="1000" b="1" dirty="0" smtClean="0">
+              <a:rPr lang="en-US" sz="1000" b="1" dirty="0">
                 <a:latin typeface="Courier New" panose="02070309020205020404" pitchFamily="49" charset="0"/>
                 <a:cs typeface="Courier New" panose="02070309020205020404" pitchFamily="49" charset="0"/>
               </a:rPr>
@@ -12220,7 +12283,7 @@
               <a:buNone/>
             </a:pPr>
             <a:r>
-              <a:rPr lang="en-US" sz="1000" b="1" dirty="0" smtClean="0">
+              <a:rPr lang="en-US" sz="1000" b="1" dirty="0">
                 <a:latin typeface="Courier New" panose="02070309020205020404" pitchFamily="49" charset="0"/>
                 <a:cs typeface="Courier New" panose="02070309020205020404" pitchFamily="49" charset="0"/>
               </a:rPr>
@@ -12232,7 +12295,7 @@
               <a:buNone/>
             </a:pPr>
             <a:r>
-              <a:rPr lang="en-US" sz="1000" b="1" dirty="0" smtClean="0">
+              <a:rPr lang="en-US" sz="1000" b="1" dirty="0">
                 <a:latin typeface="Courier New" panose="02070309020205020404" pitchFamily="49" charset="0"/>
                 <a:cs typeface="Courier New" panose="02070309020205020404" pitchFamily="49" charset="0"/>
               </a:rPr>
@@ -12244,13 +12307,13 @@
               <a:buNone/>
             </a:pPr>
             <a:r>
-              <a:rPr lang="en-US" sz="1100" b="1" dirty="0" err="1" smtClean="0">
+              <a:rPr lang="en-US" sz="1100" b="1" dirty="0" err="1">
                 <a:latin typeface="Courier New" panose="02070309020205020404" pitchFamily="49" charset="0"/>
                 <a:cs typeface="Courier New" panose="02070309020205020404" pitchFamily="49" charset="0"/>
               </a:rPr>
               <a:t>etc</a:t>
             </a:r>
-            <a:endParaRPr lang="en-US" sz="1100" b="1" dirty="0" smtClean="0">
+            <a:endParaRPr lang="en-US" sz="1100" b="1" dirty="0">
               <a:latin typeface="Courier New" panose="02070309020205020404" pitchFamily="49" charset="0"/>
               <a:cs typeface="Courier New" panose="02070309020205020404" pitchFamily="49" charset="0"/>
             </a:endParaRPr>
@@ -12329,10 +12392,9 @@
           <a:lstStyle/>
           <a:p>
             <a:r>
-              <a:rPr lang="en-US" dirty="0" smtClean="0"/>
+              <a:rPr lang="en-US" dirty="0"/>
               <a:t>Using the same code as before but with additional parameters:</a:t>
             </a:r>
-            <a:endParaRPr lang="en-US" dirty="0"/>
           </a:p>
         </p:txBody>
       </p:sp>
@@ -12406,34 +12468,33 @@
           <a:lstStyle/>
           <a:p>
             <a:r>
-              <a:rPr lang="en-US" dirty="0" smtClean="0"/>
+              <a:rPr lang="en-US" dirty="0"/>
               <a:t>[[Variables]]</a:t>
             </a:r>
           </a:p>
           <a:p>
             <a:r>
-              <a:rPr lang="en-US" dirty="0" smtClean="0"/>
+              <a:rPr lang="en-US" dirty="0"/>
               <a:t>    p0:  7.25513008 +/- 0.15932984 (2.20%)    (True 7) </a:t>
             </a:r>
           </a:p>
           <a:p>
             <a:r>
-              <a:rPr lang="en-US" dirty="0" smtClean="0"/>
+              <a:rPr lang="en-US" dirty="0"/>
               <a:t>    p1:  1.09435020 +/- 0.03194616 (2.92%)    (True 1)</a:t>
             </a:r>
           </a:p>
           <a:p>
             <a:r>
-              <a:rPr lang="en-US" dirty="0" smtClean="0"/>
+              <a:rPr lang="en-US" dirty="0"/>
               <a:t>    p4:  1.01152738 +/- 0.15490083 (15.31%)  (True 1)</a:t>
             </a:r>
           </a:p>
           <a:p>
             <a:r>
-              <a:rPr lang="en-US" dirty="0" smtClean="0"/>
+              <a:rPr lang="en-US" dirty="0"/>
               <a:t>    p6:  5.36118612 +/- 0.21478199 (4.01%)    (True 4.96)</a:t>
             </a:r>
-            <a:endParaRPr lang="en-US" dirty="0"/>
           </a:p>
         </p:txBody>
       </p:sp>
@@ -12484,25 +12545,16 @@
           <a:p>
             <a:pPr algn="ctr"/>
             <a:r>
-              <a:rPr lang="en-US" dirty="0" smtClean="0"/>
-              <a:t>Other Optimizers for </a:t>
-            </a:r>
-            <a:r>
               <a:rPr lang="en-US" dirty="0"/>
-              <a:t>L</a:t>
-            </a:r>
-            <a:r>
-              <a:rPr lang="en-US" dirty="0" smtClean="0"/>
-              <a:t>arge and more </a:t>
+              <a:t>Other Optimizers for Large and more </a:t>
             </a:r>
             <a:br>
-              <a:rPr lang="en-US" dirty="0" smtClean="0"/>
+              <a:rPr lang="en-US" dirty="0"/>
             </a:br>
             <a:r>
-              <a:rPr lang="en-US" dirty="0" smtClean="0"/>
+              <a:rPr lang="en-US" dirty="0"/>
               <a:t>Difficult Problems</a:t>
             </a:r>
-            <a:endParaRPr lang="en-US" dirty="0"/>
           </a:p>
         </p:txBody>
       </p:sp>
@@ -12590,7 +12642,7 @@
           <a:lstStyle/>
           <a:p>
             <a:r>
-              <a:rPr lang="en-US" b="0" i="0" dirty="0" smtClean="0">
+              <a:rPr lang="en-US" b="0" i="0" dirty="0">
                 <a:solidFill>
                   <a:srgbClr val="222222"/>
                 </a:solidFill>
@@ -12600,7 +12652,7 @@
               <a:t>A </a:t>
             </a:r>
             <a:r>
-              <a:rPr lang="en-US" b="1" i="0" dirty="0" smtClean="0">
+              <a:rPr lang="en-US" b="1" i="0" dirty="0">
                 <a:solidFill>
                   <a:srgbClr val="222222"/>
                 </a:solidFill>
@@ -12610,7 +12662,7 @@
               <a:t>simplex</a:t>
             </a:r>
             <a:r>
-              <a:rPr lang="en-US" b="0" i="0" dirty="0" smtClean="0">
+              <a:rPr lang="en-US" b="0" i="0" dirty="0">
                 <a:solidFill>
                   <a:srgbClr val="222222"/>
                 </a:solidFill>
@@ -12630,7 +12682,7 @@
           </a:p>
           <a:p>
             <a:r>
-              <a:rPr lang="en-US" dirty="0" smtClean="0">
+              <a:rPr lang="en-US" dirty="0">
                 <a:solidFill>
                   <a:srgbClr val="222222"/>
                 </a:solidFill>
@@ -12649,7 +12701,7 @@
           </a:p>
           <a:p>
             <a:r>
-              <a:rPr lang="en-US" dirty="0" smtClean="0">
+              <a:rPr lang="en-US" dirty="0">
                 <a:solidFill>
                   <a:srgbClr val="222222"/>
                 </a:solidFill>
@@ -12668,10 +12720,9 @@
           </a:p>
           <a:p>
             <a:r>
-              <a:rPr lang="en-US" dirty="0" smtClean="0"/>
+              <a:rPr lang="en-US" dirty="0"/>
               <a:t>The objective function is evaluated at each vertex (each point of the triangle) and the vertices ranked from worst to best. </a:t>
             </a:r>
-            <a:endParaRPr lang="en-US" dirty="0"/>
           </a:p>
         </p:txBody>
       </p:sp>
@@ -12685,13 +12736,6 @@
   <p:clrMapOvr>
     <a:masterClrMapping/>
   </p:clrMapOvr>
-  <p:timing>
-    <p:tnLst>
-      <p:par>
-        <p:cTn id="1" dur="indefinite" restart="never" nodeType="tmRoot"/>
-      </p:par>
-    </p:tnLst>
-  </p:timing>
 </p:sld>
 </file>
 
@@ -12729,25 +12773,16 @@
           <a:p>
             <a:pPr algn="ctr"/>
             <a:r>
-              <a:rPr lang="en-US" dirty="0" smtClean="0"/>
-              <a:t>Other Optimizers for </a:t>
-            </a:r>
-            <a:r>
               <a:rPr lang="en-US" dirty="0"/>
-              <a:t>L</a:t>
-            </a:r>
-            <a:r>
-              <a:rPr lang="en-US" dirty="0" smtClean="0"/>
-              <a:t>arge and more </a:t>
+              <a:t>Other Optimizers for Large and more </a:t>
             </a:r>
             <a:br>
-              <a:rPr lang="en-US" dirty="0" smtClean="0"/>
+              <a:rPr lang="en-US" dirty="0"/>
             </a:br>
             <a:r>
-              <a:rPr lang="en-US" dirty="0" smtClean="0"/>
+              <a:rPr lang="en-US" dirty="0"/>
               <a:t>Difficult Problems</a:t>
             </a:r>
-            <a:endParaRPr lang="en-US" dirty="0"/>
           </a:p>
         </p:txBody>
       </p:sp>
@@ -12835,25 +12870,17 @@
           <a:lstStyle/>
           <a:p>
             <a:r>
-              <a:rPr lang="en-US" dirty="0" smtClean="0"/>
+              <a:rPr lang="en-US" dirty="0"/>
               <a:t>A single iteration involves:</a:t>
             </a:r>
           </a:p>
           <a:p>
-            <a:endParaRPr lang="en-US" dirty="0" smtClean="0"/>
-          </a:p>
-          <a:p>
-            <a:r>
-              <a:rPr lang="en-US" dirty="0" smtClean="0"/>
-              <a:t>1. The </a:t>
-            </a:r>
+            <a:endParaRPr lang="en-US" dirty="0"/>
+          </a:p>
+          <a:p>
             <a:r>
               <a:rPr lang="en-US" dirty="0"/>
-              <a:t>simplex reflects the worst point through the opposite face to a new point</a:t>
-            </a:r>
-            <a:r>
-              <a:rPr lang="en-US" dirty="0" smtClean="0"/>
-              <a:t>.</a:t>
+              <a:t>1. The simplex reflects the worst point through the opposite face to a new point.</a:t>
             </a:r>
           </a:p>
           <a:p>
@@ -12861,24 +12888,17 @@
           </a:p>
           <a:p>
             <a:r>
-              <a:rPr lang="en-US" dirty="0" smtClean="0"/>
-              <a:t>2. </a:t>
-            </a:r>
-            <a:r>
               <a:rPr lang="en-US" dirty="0"/>
-              <a:t>If the reflection results in a better point, i.e. lower error, it is further stretched in </a:t>
-            </a:r>
-            <a:r>
-              <a:rPr lang="en-US" dirty="0" smtClean="0"/>
-              <a:t>that direction </a:t>
-            </a:r>
+              <a:t>2. If the reflection results in a better point, i.e. lower error, it is further stretched in that direction (expansion).</a:t>
+            </a:r>
+          </a:p>
+          <a:p>
+            <a:endParaRPr lang="en-US" dirty="0"/>
+          </a:p>
+          <a:p>
             <a:r>
               <a:rPr lang="en-US" dirty="0"/>
-              <a:t>(expansion</a:t>
-            </a:r>
-            <a:r>
-              <a:rPr lang="en-US" dirty="0" smtClean="0"/>
-              <a:t>).</a:t>
+              <a:t>3. If the reflection results in a worst point, abandon the reflection and contract the worst point towards the opposite face of the simplex.</a:t>
             </a:r>
           </a:p>
           <a:p>
@@ -12886,37 +12906,8 @@
           </a:p>
           <a:p>
             <a:r>
-              <a:rPr lang="en-US" dirty="0" smtClean="0"/>
-              <a:t>3. </a:t>
-            </a:r>
-            <a:r>
               <a:rPr lang="en-US" dirty="0"/>
-              <a:t>If the reflection results in a worst point, abandon the reflection and contract the </a:t>
-            </a:r>
-            <a:r>
-              <a:rPr lang="en-US" dirty="0" smtClean="0"/>
-              <a:t>worst point </a:t>
-            </a:r>
-            <a:r>
-              <a:rPr lang="en-US" dirty="0"/>
-              <a:t>towards the opposite face of the simplex</a:t>
-            </a:r>
-            <a:r>
-              <a:rPr lang="en-US" dirty="0" smtClean="0"/>
-              <a:t>.</a:t>
-            </a:r>
-          </a:p>
-          <a:p>
-            <a:endParaRPr lang="en-US" dirty="0"/>
-          </a:p>
-          <a:p>
-            <a:r>
-              <a:rPr lang="en-US" dirty="0" smtClean="0"/>
-              <a:t>4. If </a:t>
-            </a:r>
-            <a:r>
-              <a:rPr lang="en-US" dirty="0"/>
-              <a:t>all the above fails, contract along all faces towards the best point.</a:t>
+              <a:t>4. If all the above fails, contract along all faces towards the best point.</a:t>
             </a:r>
           </a:p>
         </p:txBody>
@@ -12955,13 +12946,6 @@
   <p:clrMapOvr>
     <a:masterClrMapping/>
   </p:clrMapOvr>
-  <p:timing>
-    <p:tnLst>
-      <p:par>
-        <p:cTn id="1" dur="indefinite" restart="never" nodeType="tmRoot"/>
-      </p:par>
-    </p:tnLst>
-  </p:timing>
 </p:sld>
 </file>
 
@@ -12999,25 +12983,16 @@
           <a:p>
             <a:pPr algn="ctr"/>
             <a:r>
-              <a:rPr lang="en-US" dirty="0" smtClean="0"/>
-              <a:t>Other Optimizers for </a:t>
-            </a:r>
-            <a:r>
               <a:rPr lang="en-US" dirty="0"/>
-              <a:t>L</a:t>
-            </a:r>
-            <a:r>
-              <a:rPr lang="en-US" dirty="0" smtClean="0"/>
-              <a:t>arge and more </a:t>
+              <a:t>Other Optimizers for Large and more </a:t>
             </a:r>
             <a:br>
-              <a:rPr lang="en-US" dirty="0" smtClean="0"/>
+              <a:rPr lang="en-US" dirty="0"/>
             </a:br>
             <a:r>
-              <a:rPr lang="en-US" dirty="0" smtClean="0"/>
+              <a:rPr lang="en-US" dirty="0"/>
               <a:t>Difficult Problems</a:t>
             </a:r>
-            <a:endParaRPr lang="en-US" dirty="0"/>
           </a:p>
         </p:txBody>
       </p:sp>
@@ -13099,13 +13074,6 @@
   <p:clrMapOvr>
     <a:masterClrMapping/>
   </p:clrMapOvr>
-  <p:timing>
-    <p:tnLst>
-      <p:par>
-        <p:cTn id="1" dur="indefinite" restart="never" nodeType="tmRoot"/>
-      </p:par>
-    </p:tnLst>
-  </p:timing>
 </p:sld>
 </file>
 
@@ -13143,25 +13111,16 @@
           <a:p>
             <a:pPr algn="ctr"/>
             <a:r>
-              <a:rPr lang="en-US" dirty="0" smtClean="0"/>
-              <a:t>Other Optimizers for </a:t>
-            </a:r>
-            <a:r>
               <a:rPr lang="en-US" dirty="0"/>
-              <a:t>L</a:t>
-            </a:r>
-            <a:r>
-              <a:rPr lang="en-US" dirty="0" smtClean="0"/>
-              <a:t>arge and more </a:t>
+              <a:t>Other Optimizers for Large and more </a:t>
             </a:r>
             <a:br>
-              <a:rPr lang="en-US" dirty="0" smtClean="0"/>
+              <a:rPr lang="en-US" dirty="0"/>
             </a:br>
             <a:r>
-              <a:rPr lang="en-US" dirty="0" smtClean="0"/>
+              <a:rPr lang="en-US" dirty="0"/>
               <a:t>Difficult Problems</a:t>
             </a:r>
-            <a:endParaRPr lang="en-US" dirty="0"/>
           </a:p>
         </p:txBody>
       </p:sp>
@@ -13191,7 +13150,7 @@
               <a:buAutoNum type="arabicPeriod"/>
             </a:pPr>
             <a:r>
-              <a:rPr lang="en-US" sz="2800" dirty="0" smtClean="0"/>
+              <a:rPr lang="en-US" sz="2800" dirty="0"/>
               <a:t>Genetic or Evolutionary Algorithms – Many variants!</a:t>
             </a:r>
           </a:p>
@@ -13200,7 +13159,7 @@
               <a:buAutoNum type="arabicPeriod"/>
             </a:pPr>
             <a:r>
-              <a:rPr lang="en-US" sz="2800" dirty="0" smtClean="0"/>
+              <a:rPr lang="en-US" sz="2800" dirty="0"/>
               <a:t>Simulated annealing</a:t>
             </a:r>
           </a:p>
@@ -13209,10 +13168,9 @@
               <a:buAutoNum type="arabicPeriod"/>
             </a:pPr>
             <a:r>
-              <a:rPr lang="en-US" sz="2800" dirty="0" smtClean="0"/>
+              <a:rPr lang="en-US" sz="2800" dirty="0"/>
               <a:t>Various stochastic optimizers</a:t>
             </a:r>
-            <a:endParaRPr lang="en-US" sz="2800" dirty="0"/>
           </a:p>
         </p:txBody>
       </p:sp>
@@ -13226,13 +13184,6 @@
   <p:clrMapOvr>
     <a:masterClrMapping/>
   </p:clrMapOvr>
-  <p:timing>
-    <p:tnLst>
-      <p:par>
-        <p:cTn id="1" dur="indefinite" restart="never" nodeType="tmRoot"/>
-      </p:par>
-    </p:tnLst>
-  </p:timing>
 </p:sld>
 </file>
 
@@ -13269,10 +13220,9 @@
           <a:lstStyle/>
           <a:p>
             <a:r>
-              <a:rPr lang="en-US" dirty="0" smtClean="0"/>
+              <a:rPr lang="en-US" dirty="0"/>
               <a:t>The various problems with fitting</a:t>
             </a:r>
-            <a:endParaRPr lang="en-US" dirty="0"/>
           </a:p>
         </p:txBody>
       </p:sp>
@@ -13364,18 +13314,13 @@
           <a:lstStyle/>
           <a:p>
             <a:r>
-              <a:rPr lang="en-US" sz="2800" dirty="0" smtClean="0">
+              <a:rPr lang="en-US" sz="2800" dirty="0">
                 <a:solidFill>
                   <a:srgbClr val="FF0000"/>
                 </a:solidFill>
               </a:rPr>
               <a:t>A Bad Fit: Wrong Model</a:t>
             </a:r>
-            <a:endParaRPr lang="en-US" sz="2800" dirty="0">
-              <a:solidFill>
-                <a:srgbClr val="FF0000"/>
-              </a:solidFill>
-            </a:endParaRPr>
           </a:p>
         </p:txBody>
       </p:sp>
@@ -13402,18 +13347,13 @@
           <a:lstStyle/>
           <a:p>
             <a:r>
-              <a:rPr lang="en-US" sz="2800" dirty="0" smtClean="0">
+              <a:rPr lang="en-US" sz="2800" dirty="0">
                 <a:solidFill>
                   <a:srgbClr val="FF0000"/>
                 </a:solidFill>
               </a:rPr>
               <a:t>The Wrong Model!</a:t>
             </a:r>
-            <a:endParaRPr lang="en-US" sz="2800" dirty="0">
-              <a:solidFill>
-                <a:srgbClr val="FF0000"/>
-              </a:solidFill>
-            </a:endParaRPr>
           </a:p>
         </p:txBody>
       </p:sp>
@@ -13464,10 +13404,9 @@
           <a:p>
             <a:pPr algn="ctr"/>
             <a:r>
-              <a:rPr lang="en-US" dirty="0" smtClean="0"/>
+              <a:rPr lang="en-US" dirty="0"/>
               <a:t>Differential Evolution</a:t>
             </a:r>
-            <a:endParaRPr lang="en-US" dirty="0"/>
           </a:p>
         </p:txBody>
       </p:sp>
@@ -13505,13 +13444,6 @@
   <p:clrMapOvr>
     <a:masterClrMapping/>
   </p:clrMapOvr>
-  <p:timing>
-    <p:tnLst>
-      <p:par>
-        <p:cTn id="1" dur="indefinite" restart="never" nodeType="tmRoot"/>
-      </p:par>
-    </p:tnLst>
-  </p:timing>
 </p:sld>
 </file>
 
@@ -13549,10 +13481,9 @@
           <a:p>
             <a:pPr algn="ctr"/>
             <a:r>
-              <a:rPr lang="en-US" dirty="0" smtClean="0"/>
+              <a:rPr lang="en-US" dirty="0"/>
               <a:t>Differential Evolution</a:t>
             </a:r>
-            <a:endParaRPr lang="en-US" dirty="0"/>
           </a:p>
         </p:txBody>
       </p:sp>
@@ -13590,13 +13521,6 @@
   <p:clrMapOvr>
     <a:masterClrMapping/>
   </p:clrMapOvr>
-  <p:timing>
-    <p:tnLst>
-      <p:par>
-        <p:cTn id="1" dur="indefinite" restart="never" nodeType="tmRoot"/>
-      </p:par>
-    </p:tnLst>
-  </p:timing>
 </p:sld>
 </file>
 
@@ -13634,10 +13558,9 @@
           <a:p>
             <a:pPr algn="ctr"/>
             <a:r>
-              <a:rPr lang="en-US" dirty="0" smtClean="0"/>
+              <a:rPr lang="en-US" dirty="0"/>
               <a:t>Differential Evolution</a:t>
             </a:r>
-            <a:endParaRPr lang="en-US" dirty="0"/>
           </a:p>
         </p:txBody>
       </p:sp>
@@ -13681,40 +13604,22 @@
                 <a:latin typeface="Courier New" panose="02070309020205020404" pitchFamily="49" charset="0"/>
                 <a:cs typeface="Courier New" panose="02070309020205020404" pitchFamily="49" charset="0"/>
               </a:rPr>
-              <a:t> </a:t>
-            </a:r>
-            <a:r>
-              <a:rPr lang="en-US" sz="2000" b="1" dirty="0" smtClean="0">
+              <a:t> ('</a:t>
+            </a:r>
+            <a:r>
+              <a:rPr lang="en-US" sz="2000" b="1" dirty="0" err="1">
                 <a:latin typeface="Courier New" panose="02070309020205020404" pitchFamily="49" charset="0"/>
                 <a:cs typeface="Courier New" panose="02070309020205020404" pitchFamily="49" charset="0"/>
               </a:rPr>
-              <a:t>(</a:t>
-            </a:r>
-            <a:r>
-              <a:rPr lang="en-US" sz="2000" b="1" dirty="0" smtClean="0">
+              <a:t>differential_evolution</a:t>
+            </a:r>
+            <a:r>
+              <a:rPr lang="en-US" sz="2000" b="1" dirty="0">
                 <a:latin typeface="Courier New" panose="02070309020205020404" pitchFamily="49" charset="0"/>
                 <a:cs typeface="Courier New" panose="02070309020205020404" pitchFamily="49" charset="0"/>
               </a:rPr>
-              <a:t>'</a:t>
-            </a:r>
-            <a:r>
-              <a:rPr lang="en-US" sz="2000" b="1" dirty="0" err="1" smtClean="0">
-                <a:latin typeface="Courier New" panose="02070309020205020404" pitchFamily="49" charset="0"/>
-                <a:cs typeface="Courier New" panose="02070309020205020404" pitchFamily="49" charset="0"/>
-              </a:rPr>
-              <a:t>differential_evolution</a:t>
-            </a:r>
-            <a:r>
-              <a:rPr lang="en-US" sz="2000" b="1" dirty="0" smtClean="0">
-                <a:latin typeface="Courier New" panose="02070309020205020404" pitchFamily="49" charset="0"/>
-                <a:cs typeface="Courier New" panose="02070309020205020404" pitchFamily="49" charset="0"/>
-              </a:rPr>
               <a:t>')</a:t>
             </a:r>
-            <a:endParaRPr lang="en-US" sz="2000" b="1" dirty="0">
-              <a:latin typeface="Courier New" panose="02070309020205020404" pitchFamily="49" charset="0"/>
-              <a:cs typeface="Courier New" panose="02070309020205020404" pitchFamily="49" charset="0"/>
-            </a:endParaRPr>
           </a:p>
         </p:txBody>
       </p:sp>
@@ -13741,10 +13646,9 @@
           <a:lstStyle/>
           <a:p>
             <a:r>
-              <a:rPr lang="en-US" sz="2400" dirty="0" smtClean="0"/>
+              <a:rPr lang="en-US" sz="2400" dirty="0"/>
               <a:t>To use differential evolution ins python, all you have to do is:</a:t>
             </a:r>
-            <a:endParaRPr lang="en-US" sz="2400" dirty="0"/>
           </a:p>
         </p:txBody>
       </p:sp>
@@ -13758,13 +13662,6 @@
   <p:clrMapOvr>
     <a:masterClrMapping/>
   </p:clrMapOvr>
-  <p:timing>
-    <p:tnLst>
-      <p:par>
-        <p:cTn id="1" dur="indefinite" restart="never" nodeType="tmRoot"/>
-      </p:par>
-    </p:tnLst>
-  </p:timing>
 </p:sld>
 </file>
 
@@ -13801,10 +13698,9 @@
           <a:lstStyle/>
           <a:p>
             <a:r>
-              <a:rPr lang="en-US" dirty="0" smtClean="0"/>
+              <a:rPr lang="en-US" dirty="0"/>
               <a:t>You’ve probably seen this: Someone is a bit too enthusiastic with Excel</a:t>
             </a:r>
-            <a:endParaRPr lang="en-US" dirty="0"/>
           </a:p>
         </p:txBody>
       </p:sp>
@@ -13831,18 +13727,13 @@
           <a:lstStyle/>
           <a:p>
             <a:r>
-              <a:rPr lang="en-US" sz="4800" dirty="0" smtClean="0">
+              <a:rPr lang="en-US" sz="4800" dirty="0">
                 <a:solidFill>
                   <a:srgbClr val="FF0000"/>
                 </a:solidFill>
               </a:rPr>
               <a:t>Overfitting</a:t>
             </a:r>
-            <a:endParaRPr lang="en-US" sz="4800" dirty="0">
-              <a:solidFill>
-                <a:srgbClr val="FF0000"/>
-              </a:solidFill>
-            </a:endParaRPr>
           </a:p>
         </p:txBody>
       </p:sp>
@@ -13940,10 +13831,9 @@
           <a:lstStyle/>
           <a:p>
             <a:r>
-              <a:rPr lang="en-US" dirty="0" smtClean="0"/>
+              <a:rPr lang="en-US" dirty="0"/>
               <a:t>Under fitting</a:t>
             </a:r>
-            <a:endParaRPr lang="en-US" dirty="0"/>
           </a:p>
         </p:txBody>
       </p:sp>
@@ -13970,18 +13860,13 @@
           <a:lstStyle/>
           <a:p>
             <a:r>
-              <a:rPr lang="en-US" sz="2800" dirty="0" smtClean="0">
+              <a:rPr lang="en-US" sz="2800" dirty="0">
                 <a:solidFill>
                   <a:srgbClr val="FF0000"/>
                 </a:solidFill>
               </a:rPr>
               <a:t>Under fitting</a:t>
             </a:r>
-            <a:endParaRPr lang="en-US" sz="2800" dirty="0">
-              <a:solidFill>
-                <a:srgbClr val="FF0000"/>
-              </a:solidFill>
-            </a:endParaRPr>
           </a:p>
         </p:txBody>
       </p:sp>
@@ -14056,18 +13941,13 @@
           <a:lstStyle/>
           <a:p>
             <a:r>
-              <a:rPr lang="en-US" sz="2800" dirty="0" smtClean="0">
+              <a:rPr lang="en-US" sz="2800" dirty="0">
                 <a:solidFill>
                   <a:srgbClr val="FF0000"/>
                 </a:solidFill>
               </a:rPr>
               <a:t>More Realistic</a:t>
             </a:r>
-            <a:endParaRPr lang="en-US" sz="2800" dirty="0">
-              <a:solidFill>
-                <a:srgbClr val="FF0000"/>
-              </a:solidFill>
-            </a:endParaRPr>
           </a:p>
         </p:txBody>
       </p:sp>
@@ -14122,10 +14002,9 @@
           <a:lstStyle/>
           <a:p>
             <a:r>
-              <a:rPr lang="en-US" dirty="0" smtClean="0"/>
+              <a:rPr lang="en-US" dirty="0"/>
               <a:t>Types of Questions Asked when Fitting: Chapter 9</a:t>
             </a:r>
-            <a:endParaRPr lang="en-US" dirty="0"/>
           </a:p>
         </p:txBody>
       </p:sp>
@@ -14204,10 +14083,9 @@
           <a:lstStyle/>
           <a:p>
             <a:r>
-              <a:rPr lang="en-US" dirty="0" smtClean="0"/>
+              <a:rPr lang="en-US" dirty="0"/>
               <a:t>Model Fitting Work flow</a:t>
             </a:r>
-            <a:endParaRPr lang="en-US" dirty="0"/>
           </a:p>
         </p:txBody>
       </p:sp>
@@ -14286,15 +14164,14 @@
           <a:lstStyle/>
           <a:p>
             <a:r>
-              <a:rPr lang="en-US" dirty="0" smtClean="0"/>
+              <a:rPr lang="en-US" dirty="0"/>
               <a:t>Fitting Models</a:t>
             </a:r>
-            <a:endParaRPr lang="en-US" dirty="0"/>
-          </a:p>
-        </p:txBody>
-      </p:sp>
-      <mc:AlternateContent xmlns:mc="http://schemas.openxmlformats.org/markup-compatibility/2006">
-        <mc:Choice xmlns:a14="http://schemas.microsoft.com/office/drawing/2010/main" Requires="a14">
+          </a:p>
+        </p:txBody>
+      </p:sp>
+      <mc:AlternateContent xmlns:mc="http://schemas.openxmlformats.org/markup-compatibility/2006" xmlns:a14="http://schemas.microsoft.com/office/drawing/2010/main">
+        <mc:Choice Requires="a14">
           <p:sp>
             <p:nvSpPr>
               <p:cNvPr id="3" name="TextBox 2"/>
@@ -14318,7 +14195,7 @@
               <a:lstStyle/>
               <a:p>
                 <a:r>
-                  <a:rPr lang="en-US" sz="2400" dirty="0" smtClean="0"/>
+                  <a:rPr lang="en-US" sz="2400" dirty="0"/>
                   <a:t>Consider the simple model:</a:t>
                 </a:r>
               </a:p>
@@ -14326,6 +14203,7 @@
                 <a:endParaRPr lang="en-US" sz="2400" dirty="0"/>
               </a:p>
               <a:p>
+                <a:pPr/>
                 <a14:m>
                   <m:oMathPara xmlns:m="http://schemas.openxmlformats.org/officeDocument/2006/math">
                     <m:oMathParaPr>
@@ -14396,7 +14274,7 @@
             </p:txBody>
           </p:sp>
         </mc:Choice>
-        <mc:Fallback>
+        <mc:Fallback xmlns="">
           <p:sp>
             <p:nvSpPr>
               <p:cNvPr id="3" name="TextBox 2"/>
@@ -14459,8 +14337,8 @@
           </a:prstGeom>
         </p:spPr>
       </p:pic>
-      <mc:AlternateContent xmlns:mc="http://schemas.openxmlformats.org/markup-compatibility/2006">
-        <mc:Choice xmlns:a14="http://schemas.microsoft.com/office/drawing/2010/main" Requires="a14">
+      <mc:AlternateContent xmlns:mc="http://schemas.openxmlformats.org/markup-compatibility/2006" xmlns:a14="http://schemas.microsoft.com/office/drawing/2010/main">
+        <mc:Choice Requires="a14">
           <p:sp>
             <p:nvSpPr>
               <p:cNvPr id="6" name="TextBox 5"/>
@@ -14483,6 +14361,7 @@
               </a:bodyPr>
               <a:lstStyle/>
               <a:p>
+                <a:pPr/>
                 <a14:m>
                   <m:oMathPara xmlns:m="http://schemas.openxmlformats.org/officeDocument/2006/math">
                     <m:oMathParaPr>
@@ -14534,7 +14413,7 @@
             </p:txBody>
           </p:sp>
         </mc:Choice>
-        <mc:Fallback>
+        <mc:Fallback xmlns="">
           <p:sp>
             <p:nvSpPr>
               <p:cNvPr id="6" name="TextBox 5"/>
